--- a/project_3_presentation.pptx
+++ b/project_3_presentation.pptx
@@ -2,13 +2,15 @@
 <file path=ppt/presentation.xml><?xml version="1.0" encoding="utf-8"?>
 <p:presentation xmlns:a="http://schemas.openxmlformats.org/drawingml/2006/main" xmlns:r="http://schemas.openxmlformats.org/officeDocument/2006/relationships" xmlns:p="http://schemas.openxmlformats.org/presentationml/2006/main" saveSubsetFonts="1">
   <p:sldMasterIdLst>
-    <p:sldMasterId id="2147483648" r:id="rId1"/>
+    <p:sldMasterId id="2147483660" r:id="rId1"/>
   </p:sldMasterIdLst>
   <p:sldIdLst>
     <p:sldId id="256" r:id="rId2"/>
     <p:sldId id="257" r:id="rId3"/>
     <p:sldId id="258" r:id="rId4"/>
     <p:sldId id="259" r:id="rId5"/>
+    <p:sldId id="261" r:id="rId6"/>
+    <p:sldId id="260" r:id="rId7"/>
   </p:sldIdLst>
   <p:sldSz cx="12192000" cy="6858000"/>
   <p:notesSz cx="6858000" cy="9144000"/>
@@ -16,7 +18,7 @@
     <a:defPPr>
       <a:defRPr lang="en-US"/>
     </a:defPPr>
-    <a:lvl1pPr marL="0" algn="l" defTabSz="914400" rtl="0" eaLnBrk="1" latinLnBrk="0" hangingPunct="1">
+    <a:lvl1pPr marL="0" algn="l" defTabSz="457200" rtl="0" eaLnBrk="1" latinLnBrk="0" hangingPunct="1">
       <a:defRPr sz="1800" kern="1200">
         <a:solidFill>
           <a:schemeClr val="tx1"/>
@@ -26,7 +28,7 @@
         <a:cs typeface="+mn-cs"/>
       </a:defRPr>
     </a:lvl1pPr>
-    <a:lvl2pPr marL="457200" algn="l" defTabSz="914400" rtl="0" eaLnBrk="1" latinLnBrk="0" hangingPunct="1">
+    <a:lvl2pPr marL="457200" algn="l" defTabSz="457200" rtl="0" eaLnBrk="1" latinLnBrk="0" hangingPunct="1">
       <a:defRPr sz="1800" kern="1200">
         <a:solidFill>
           <a:schemeClr val="tx1"/>
@@ -36,7 +38,7 @@
         <a:cs typeface="+mn-cs"/>
       </a:defRPr>
     </a:lvl2pPr>
-    <a:lvl3pPr marL="914400" algn="l" defTabSz="914400" rtl="0" eaLnBrk="1" latinLnBrk="0" hangingPunct="1">
+    <a:lvl3pPr marL="914400" algn="l" defTabSz="457200" rtl="0" eaLnBrk="1" latinLnBrk="0" hangingPunct="1">
       <a:defRPr sz="1800" kern="1200">
         <a:solidFill>
           <a:schemeClr val="tx1"/>
@@ -46,7 +48,7 @@
         <a:cs typeface="+mn-cs"/>
       </a:defRPr>
     </a:lvl3pPr>
-    <a:lvl4pPr marL="1371600" algn="l" defTabSz="914400" rtl="0" eaLnBrk="1" latinLnBrk="0" hangingPunct="1">
+    <a:lvl4pPr marL="1371600" algn="l" defTabSz="457200" rtl="0" eaLnBrk="1" latinLnBrk="0" hangingPunct="1">
       <a:defRPr sz="1800" kern="1200">
         <a:solidFill>
           <a:schemeClr val="tx1"/>
@@ -56,7 +58,7 @@
         <a:cs typeface="+mn-cs"/>
       </a:defRPr>
     </a:lvl4pPr>
-    <a:lvl5pPr marL="1828800" algn="l" defTabSz="914400" rtl="0" eaLnBrk="1" latinLnBrk="0" hangingPunct="1">
+    <a:lvl5pPr marL="1828800" algn="l" defTabSz="457200" rtl="0" eaLnBrk="1" latinLnBrk="0" hangingPunct="1">
       <a:defRPr sz="1800" kern="1200">
         <a:solidFill>
           <a:schemeClr val="tx1"/>
@@ -66,7 +68,7 @@
         <a:cs typeface="+mn-cs"/>
       </a:defRPr>
     </a:lvl5pPr>
-    <a:lvl6pPr marL="2286000" algn="l" defTabSz="914400" rtl="0" eaLnBrk="1" latinLnBrk="0" hangingPunct="1">
+    <a:lvl6pPr marL="2286000" algn="l" defTabSz="457200" rtl="0" eaLnBrk="1" latinLnBrk="0" hangingPunct="1">
       <a:defRPr sz="1800" kern="1200">
         <a:solidFill>
           <a:schemeClr val="tx1"/>
@@ -76,7 +78,7 @@
         <a:cs typeface="+mn-cs"/>
       </a:defRPr>
     </a:lvl6pPr>
-    <a:lvl7pPr marL="2743200" algn="l" defTabSz="914400" rtl="0" eaLnBrk="1" latinLnBrk="0" hangingPunct="1">
+    <a:lvl7pPr marL="2743200" algn="l" defTabSz="457200" rtl="0" eaLnBrk="1" latinLnBrk="0" hangingPunct="1">
       <a:defRPr sz="1800" kern="1200">
         <a:solidFill>
           <a:schemeClr val="tx1"/>
@@ -86,7 +88,7 @@
         <a:cs typeface="+mn-cs"/>
       </a:defRPr>
     </a:lvl7pPr>
-    <a:lvl8pPr marL="3200400" algn="l" defTabSz="914400" rtl="0" eaLnBrk="1" latinLnBrk="0" hangingPunct="1">
+    <a:lvl8pPr marL="3200400" algn="l" defTabSz="457200" rtl="0" eaLnBrk="1" latinLnBrk="0" hangingPunct="1">
       <a:defRPr sz="1800" kern="1200">
         <a:solidFill>
           <a:schemeClr val="tx1"/>
@@ -96,7 +98,7 @@
         <a:cs typeface="+mn-cs"/>
       </a:defRPr>
     </a:lvl8pPr>
-    <a:lvl9pPr marL="3657600" algn="l" defTabSz="914400" rtl="0" eaLnBrk="1" latinLnBrk="0" hangingPunct="1">
+    <a:lvl9pPr marL="3657600" algn="l" defTabSz="457200" rtl="0" eaLnBrk="1" latinLnBrk="0" hangingPunct="1">
       <a:defRPr sz="1800" kern="1200">
         <a:solidFill>
           <a:schemeClr val="tx1"/>
@@ -107,13 +109,18 @@
       </a:defRPr>
     </a:lvl9pPr>
   </p:defaultTextStyle>
+  <p:extLst>
+    <p:ext uri="{EFAFB233-063F-42B5-8137-9DF3F51BA10A}">
+      <p15:sldGuideLst xmlns:p15="http://schemas.microsoft.com/office/powerpoint/2012/main"/>
+    </p:ext>
+  </p:extLst>
 </p:presentation>
 </file>
 
 <file path=ppt/revisionInfo.xml><?xml version="1.0" encoding="utf-8"?>
 <p1510:revInfo xmlns:a="http://schemas.openxmlformats.org/drawingml/2006/main" xmlns:r="http://schemas.openxmlformats.org/officeDocument/2006/relationships" xmlns:p1510="http://schemas.microsoft.com/office/powerpoint/2015/10/main">
   <p1510:revLst>
-    <p1510:client id="{FBF9C06B-26AA-4951-A5F4-2555FA9D945C}" v="6" dt="2023-07-17T17:50:14.058"/>
+    <p1510:client id="{FBF9C06B-26AA-4951-A5F4-2555FA9D945C}" v="8" dt="2023-07-17T18:42:41.555"/>
   </p1510:revLst>
 </p1510:revInfo>
 </file>
@@ -122,19 +129,19 @@
 <pc:chgInfo xmlns:a="http://schemas.openxmlformats.org/drawingml/2006/main" xmlns:r="http://schemas.openxmlformats.org/officeDocument/2006/relationships" xmlns:ac="http://schemas.microsoft.com/office/drawing/2013/main/command" xmlns:pc="http://schemas.microsoft.com/office/powerpoint/2013/main/command">
   <pc:docChgLst>
     <pc:chgData name="sarahmclain0602@gmail.com" userId="7cf5164fe9743f08" providerId="LiveId" clId="{FBF9C06B-26AA-4951-A5F4-2555FA9D945C}"/>
-    <pc:docChg chg="custSel addSld modSld sldOrd">
-      <pc:chgData name="sarahmclain0602@gmail.com" userId="7cf5164fe9743f08" providerId="LiveId" clId="{FBF9C06B-26AA-4951-A5F4-2555FA9D945C}" dt="2023-07-17T18:08:11.666" v="1349" actId="20577"/>
+    <pc:docChg chg="undo custSel addSld modSld sldOrd">
+      <pc:chgData name="sarahmclain0602@gmail.com" userId="7cf5164fe9743f08" providerId="LiveId" clId="{FBF9C06B-26AA-4951-A5F4-2555FA9D945C}" dt="2023-07-17T18:42:41.555" v="2081"/>
       <pc:docMkLst>
         <pc:docMk/>
       </pc:docMkLst>
-      <pc:sldChg chg="modSp mod">
-        <pc:chgData name="sarahmclain0602@gmail.com" userId="7cf5164fe9743f08" providerId="LiveId" clId="{FBF9C06B-26AA-4951-A5F4-2555FA9D945C}" dt="2023-07-17T17:43:59.805" v="156" actId="20577"/>
+      <pc:sldChg chg="addSp delSp modSp mod setBg">
+        <pc:chgData name="sarahmclain0602@gmail.com" userId="7cf5164fe9743f08" providerId="LiveId" clId="{FBF9C06B-26AA-4951-A5F4-2555FA9D945C}" dt="2023-07-17T18:36:11.890" v="1593" actId="26606"/>
         <pc:sldMkLst>
           <pc:docMk/>
           <pc:sldMk cId="3670779687" sldId="256"/>
         </pc:sldMkLst>
-        <pc:spChg chg="mod">
-          <ac:chgData name="sarahmclain0602@gmail.com" userId="7cf5164fe9743f08" providerId="LiveId" clId="{FBF9C06B-26AA-4951-A5F4-2555FA9D945C}" dt="2023-07-17T17:42:49.394" v="73" actId="313"/>
+        <pc:spChg chg="mod ord">
+          <ac:chgData name="sarahmclain0602@gmail.com" userId="7cf5164fe9743f08" providerId="LiveId" clId="{FBF9C06B-26AA-4951-A5F4-2555FA9D945C}" dt="2023-07-17T18:36:11.890" v="1593" actId="26606"/>
           <ac:spMkLst>
             <pc:docMk/>
             <pc:sldMk cId="3670779687" sldId="256"/>
@@ -142,22 +149,54 @@
           </ac:spMkLst>
         </pc:spChg>
         <pc:spChg chg="mod">
-          <ac:chgData name="sarahmclain0602@gmail.com" userId="7cf5164fe9743f08" providerId="LiveId" clId="{FBF9C06B-26AA-4951-A5F4-2555FA9D945C}" dt="2023-07-17T17:43:59.805" v="156" actId="20577"/>
+          <ac:chgData name="sarahmclain0602@gmail.com" userId="7cf5164fe9743f08" providerId="LiveId" clId="{FBF9C06B-26AA-4951-A5F4-2555FA9D945C}" dt="2023-07-17T18:36:11.890" v="1593" actId="26606"/>
           <ac:spMkLst>
             <pc:docMk/>
             <pc:sldMk cId="3670779687" sldId="256"/>
             <ac:spMk id="3" creationId="{0E9F025C-14E3-8363-F3AA-31B828748F61}"/>
           </ac:spMkLst>
         </pc:spChg>
+        <pc:spChg chg="add del">
+          <ac:chgData name="sarahmclain0602@gmail.com" userId="7cf5164fe9743f08" providerId="LiveId" clId="{FBF9C06B-26AA-4951-A5F4-2555FA9D945C}" dt="2023-07-17T18:36:11.821" v="1592" actId="26606"/>
+          <ac:spMkLst>
+            <pc:docMk/>
+            <pc:sldMk cId="3670779687" sldId="256"/>
+            <ac:spMk id="8" creationId="{F7471772-E57F-4CD9-9241-D264A2F782EC}"/>
+          </ac:spMkLst>
+        </pc:spChg>
+        <pc:spChg chg="add">
+          <ac:chgData name="sarahmclain0602@gmail.com" userId="7cf5164fe9743f08" providerId="LiveId" clId="{FBF9C06B-26AA-4951-A5F4-2555FA9D945C}" dt="2023-07-17T18:36:11.890" v="1593" actId="26606"/>
+          <ac:spMkLst>
+            <pc:docMk/>
+            <pc:sldMk cId="3670779687" sldId="256"/>
+            <ac:spMk id="12" creationId="{1976BAAA-75A1-48AA-B7DE-B6B8070992D3}"/>
+          </ac:spMkLst>
+        </pc:spChg>
+        <pc:spChg chg="add">
+          <ac:chgData name="sarahmclain0602@gmail.com" userId="7cf5164fe9743f08" providerId="LiveId" clId="{FBF9C06B-26AA-4951-A5F4-2555FA9D945C}" dt="2023-07-17T18:36:11.890" v="1593" actId="26606"/>
+          <ac:spMkLst>
+            <pc:docMk/>
+            <pc:sldMk cId="3670779687" sldId="256"/>
+            <ac:spMk id="13" creationId="{65A5F259-CDF7-4A15-A66C-A9939D23E346}"/>
+          </ac:spMkLst>
+        </pc:spChg>
+        <pc:cxnChg chg="add del">
+          <ac:chgData name="sarahmclain0602@gmail.com" userId="7cf5164fe9743f08" providerId="LiveId" clId="{FBF9C06B-26AA-4951-A5F4-2555FA9D945C}" dt="2023-07-17T18:36:11.821" v="1592" actId="26606"/>
+          <ac:cxnSpMkLst>
+            <pc:docMk/>
+            <pc:sldMk cId="3670779687" sldId="256"/>
+            <ac:cxnSpMk id="10" creationId="{31CC7E9E-3FF6-4189-9B36-995A779F3C5A}"/>
+          </ac:cxnSpMkLst>
+        </pc:cxnChg>
       </pc:sldChg>
-      <pc:sldChg chg="modSp new mod">
-        <pc:chgData name="sarahmclain0602@gmail.com" userId="7cf5164fe9743f08" providerId="LiveId" clId="{FBF9C06B-26AA-4951-A5F4-2555FA9D945C}" dt="2023-07-17T18:05:26.945" v="1186" actId="20577"/>
+      <pc:sldChg chg="addSp delSp modSp new mod setBg">
+        <pc:chgData name="sarahmclain0602@gmail.com" userId="7cf5164fe9743f08" providerId="LiveId" clId="{FBF9C06B-26AA-4951-A5F4-2555FA9D945C}" dt="2023-07-17T18:38:26.189" v="1877" actId="14861"/>
         <pc:sldMkLst>
           <pc:docMk/>
           <pc:sldMk cId="2104647753" sldId="257"/>
         </pc:sldMkLst>
-        <pc:spChg chg="mod">
-          <ac:chgData name="sarahmclain0602@gmail.com" userId="7cf5164fe9743f08" providerId="LiveId" clId="{FBF9C06B-26AA-4951-A5F4-2555FA9D945C}" dt="2023-07-17T18:01:33.309" v="657" actId="20577"/>
+        <pc:spChg chg="mod ord">
+          <ac:chgData name="sarahmclain0602@gmail.com" userId="7cf5164fe9743f08" providerId="LiveId" clId="{FBF9C06B-26AA-4951-A5F4-2555FA9D945C}" dt="2023-07-17T18:36:57.372" v="1598" actId="26606"/>
           <ac:spMkLst>
             <pc:docMk/>
             <pc:sldMk cId="2104647753" sldId="257"/>
@@ -165,16 +204,40 @@
           </ac:spMkLst>
         </pc:spChg>
         <pc:spChg chg="mod">
-          <ac:chgData name="sarahmclain0602@gmail.com" userId="7cf5164fe9743f08" providerId="LiveId" clId="{FBF9C06B-26AA-4951-A5F4-2555FA9D945C}" dt="2023-07-17T18:05:26.945" v="1186" actId="20577"/>
+          <ac:chgData name="sarahmclain0602@gmail.com" userId="7cf5164fe9743f08" providerId="LiveId" clId="{FBF9C06B-26AA-4951-A5F4-2555FA9D945C}" dt="2023-07-17T18:37:30.504" v="1625" actId="20577"/>
           <ac:spMkLst>
             <pc:docMk/>
             <pc:sldMk cId="2104647753" sldId="257"/>
             <ac:spMk id="3" creationId="{D84AB144-B852-5F6F-C421-F79599C4B135}"/>
           </ac:spMkLst>
         </pc:spChg>
+        <pc:picChg chg="add mod ord">
+          <ac:chgData name="sarahmclain0602@gmail.com" userId="7cf5164fe9743f08" providerId="LiveId" clId="{FBF9C06B-26AA-4951-A5F4-2555FA9D945C}" dt="2023-07-17T18:38:26.189" v="1877" actId="14861"/>
+          <ac:picMkLst>
+            <pc:docMk/>
+            <pc:sldMk cId="2104647753" sldId="257"/>
+            <ac:picMk id="5" creationId="{464AC761-4B0D-C9A9-9742-C9A8DB274F50}"/>
+          </ac:picMkLst>
+        </pc:picChg>
+        <pc:picChg chg="add del">
+          <ac:chgData name="sarahmclain0602@gmail.com" userId="7cf5164fe9743f08" providerId="LiveId" clId="{FBF9C06B-26AA-4951-A5F4-2555FA9D945C}" dt="2023-07-17T18:36:57.372" v="1598" actId="26606"/>
+          <ac:picMkLst>
+            <pc:docMk/>
+            <pc:sldMk cId="2104647753" sldId="257"/>
+            <ac:picMk id="9" creationId="{559DF61F-9058-49C9-8F75-DC501F983B0E}"/>
+          </ac:picMkLst>
+        </pc:picChg>
+        <pc:picChg chg="add del">
+          <ac:chgData name="sarahmclain0602@gmail.com" userId="7cf5164fe9743f08" providerId="LiveId" clId="{FBF9C06B-26AA-4951-A5F4-2555FA9D945C}" dt="2023-07-17T18:36:57.355" v="1597" actId="26606"/>
+          <ac:picMkLst>
+            <pc:docMk/>
+            <pc:sldMk cId="2104647753" sldId="257"/>
+            <ac:picMk id="14" creationId="{E0BE7827-5B1A-4F37-BF70-19F7C5C6BDEB}"/>
+          </ac:picMkLst>
+        </pc:picChg>
       </pc:sldChg>
       <pc:sldChg chg="addSp modSp new mod ord">
-        <pc:chgData name="sarahmclain0602@gmail.com" userId="7cf5164fe9743f08" providerId="LiveId" clId="{FBF9C06B-26AA-4951-A5F4-2555FA9D945C}" dt="2023-07-17T18:01:40.308" v="659"/>
+        <pc:chgData name="sarahmclain0602@gmail.com" userId="7cf5164fe9743f08" providerId="LiveId" clId="{FBF9C06B-26AA-4951-A5F4-2555FA9D945C}" dt="2023-07-17T18:35:39.368" v="1590" actId="27636"/>
         <pc:sldMkLst>
           <pc:docMk/>
           <pc:sldMk cId="19538076" sldId="258"/>
@@ -188,7 +251,7 @@
           </ac:spMkLst>
         </pc:spChg>
         <pc:spChg chg="mod">
-          <ac:chgData name="sarahmclain0602@gmail.com" userId="7cf5164fe9743f08" providerId="LiveId" clId="{FBF9C06B-26AA-4951-A5F4-2555FA9D945C}" dt="2023-07-17T17:49:56.674" v="394" actId="27636"/>
+          <ac:chgData name="sarahmclain0602@gmail.com" userId="7cf5164fe9743f08" providerId="LiveId" clId="{FBF9C06B-26AA-4951-A5F4-2555FA9D945C}" dt="2023-07-17T18:35:39.368" v="1590" actId="27636"/>
           <ac:spMkLst>
             <pc:docMk/>
             <pc:sldMk cId="19538076" sldId="258"/>
@@ -204,26 +267,80 @@
           </ac:spMkLst>
         </pc:spChg>
       </pc:sldChg>
-      <pc:sldChg chg="modSp new mod">
-        <pc:chgData name="sarahmclain0602@gmail.com" userId="7cf5164fe9743f08" providerId="LiveId" clId="{FBF9C06B-26AA-4951-A5F4-2555FA9D945C}" dt="2023-07-17T18:08:11.666" v="1349" actId="20577"/>
+      <pc:sldChg chg="addSp delSp modSp new mod modTransition">
+        <pc:chgData name="sarahmclain0602@gmail.com" userId="7cf5164fe9743f08" providerId="LiveId" clId="{FBF9C06B-26AA-4951-A5F4-2555FA9D945C}" dt="2023-07-17T18:42:41.555" v="2081"/>
         <pc:sldMkLst>
           <pc:docMk/>
           <pc:sldMk cId="1663866345" sldId="259"/>
         </pc:sldMkLst>
         <pc:spChg chg="mod">
-          <ac:chgData name="sarahmclain0602@gmail.com" userId="7cf5164fe9743f08" providerId="LiveId" clId="{FBF9C06B-26AA-4951-A5F4-2555FA9D945C}" dt="2023-07-17T18:06:01.878" v="1197" actId="20577"/>
+          <ac:chgData name="sarahmclain0602@gmail.com" userId="7cf5164fe9743f08" providerId="LiveId" clId="{FBF9C06B-26AA-4951-A5F4-2555FA9D945C}" dt="2023-07-17T18:35:39.136" v="1588"/>
           <ac:spMkLst>
             <pc:docMk/>
             <pc:sldMk cId="1663866345" sldId="259"/>
             <ac:spMk id="2" creationId="{227A696E-976F-BE16-2850-7FBCF4AB0254}"/>
           </ac:spMkLst>
         </pc:spChg>
-        <pc:spChg chg="mod">
-          <ac:chgData name="sarahmclain0602@gmail.com" userId="7cf5164fe9743f08" providerId="LiveId" clId="{FBF9C06B-26AA-4951-A5F4-2555FA9D945C}" dt="2023-07-17T18:08:11.666" v="1349" actId="20577"/>
+        <pc:spChg chg="add del mod">
+          <ac:chgData name="sarahmclain0602@gmail.com" userId="7cf5164fe9743f08" providerId="LiveId" clId="{FBF9C06B-26AA-4951-A5F4-2555FA9D945C}" dt="2023-07-17T18:42:12.301" v="2080" actId="20577"/>
           <ac:spMkLst>
             <pc:docMk/>
             <pc:sldMk cId="1663866345" sldId="259"/>
             <ac:spMk id="3" creationId="{5CE6ABAF-A13B-4D0B-F46D-0B858253F259}"/>
+          </ac:spMkLst>
+        </pc:spChg>
+        <pc:spChg chg="add del mod">
+          <ac:chgData name="sarahmclain0602@gmail.com" userId="7cf5164fe9743f08" providerId="LiveId" clId="{FBF9C06B-26AA-4951-A5F4-2555FA9D945C}" dt="2023-07-17T18:39:44.340" v="1921" actId="478"/>
+          <ac:spMkLst>
+            <pc:docMk/>
+            <pc:sldMk cId="1663866345" sldId="259"/>
+            <ac:spMk id="5" creationId="{0C0E2690-766E-36E2-BB19-A84DA0053827}"/>
+          </ac:spMkLst>
+        </pc:spChg>
+      </pc:sldChg>
+      <pc:sldChg chg="modSp new mod">
+        <pc:chgData name="sarahmclain0602@gmail.com" userId="7cf5164fe9743f08" providerId="LiveId" clId="{FBF9C06B-26AA-4951-A5F4-2555FA9D945C}" dt="2023-07-17T18:35:39.136" v="1588"/>
+        <pc:sldMkLst>
+          <pc:docMk/>
+          <pc:sldMk cId="3893432848" sldId="260"/>
+        </pc:sldMkLst>
+        <pc:spChg chg="mod">
+          <ac:chgData name="sarahmclain0602@gmail.com" userId="7cf5164fe9743f08" providerId="LiveId" clId="{FBF9C06B-26AA-4951-A5F4-2555FA9D945C}" dt="2023-07-17T18:35:39.136" v="1588"/>
+          <ac:spMkLst>
+            <pc:docMk/>
+            <pc:sldMk cId="3893432848" sldId="260"/>
+            <ac:spMk id="2" creationId="{C09DB55B-2DA4-7AB5-7C69-33D3E8530AB9}"/>
+          </ac:spMkLst>
+        </pc:spChg>
+        <pc:spChg chg="mod">
+          <ac:chgData name="sarahmclain0602@gmail.com" userId="7cf5164fe9743f08" providerId="LiveId" clId="{FBF9C06B-26AA-4951-A5F4-2555FA9D945C}" dt="2023-07-17T18:35:39.136" v="1588"/>
+          <ac:spMkLst>
+            <pc:docMk/>
+            <pc:sldMk cId="3893432848" sldId="260"/>
+            <ac:spMk id="3" creationId="{B68A82BA-3F1C-1132-1ED0-D0CA81864B5E}"/>
+          </ac:spMkLst>
+        </pc:spChg>
+      </pc:sldChg>
+      <pc:sldChg chg="modSp new mod ord">
+        <pc:chgData name="sarahmclain0602@gmail.com" userId="7cf5164fe9743f08" providerId="LiveId" clId="{FBF9C06B-26AA-4951-A5F4-2555FA9D945C}" dt="2023-07-17T18:35:39.136" v="1588"/>
+        <pc:sldMkLst>
+          <pc:docMk/>
+          <pc:sldMk cId="373847250" sldId="261"/>
+        </pc:sldMkLst>
+        <pc:spChg chg="mod">
+          <ac:chgData name="sarahmclain0602@gmail.com" userId="7cf5164fe9743f08" providerId="LiveId" clId="{FBF9C06B-26AA-4951-A5F4-2555FA9D945C}" dt="2023-07-17T18:35:39.136" v="1588"/>
+          <ac:spMkLst>
+            <pc:docMk/>
+            <pc:sldMk cId="373847250" sldId="261"/>
+            <ac:spMk id="2" creationId="{7F68D985-B9AB-65A5-DAAD-717FF9879C8B}"/>
+          </ac:spMkLst>
+        </pc:spChg>
+        <pc:spChg chg="mod">
+          <ac:chgData name="sarahmclain0602@gmail.com" userId="7cf5164fe9743f08" providerId="LiveId" clId="{FBF9C06B-26AA-4951-A5F4-2555FA9D945C}" dt="2023-07-17T18:35:39.136" v="1588"/>
+          <ac:spMkLst>
+            <pc:docMk/>
+            <pc:sldMk cId="373847250" sldId="261"/>
+            <ac:spMk id="3" creationId="{625354D5-F328-1024-1165-C859E57453FA}"/>
           </ac:spMkLst>
         </pc:spChg>
       </pc:sldChg>
@@ -251,13 +368,7 @@
       </p:grpSpPr>
       <p:sp>
         <p:nvSpPr>
-          <p:cNvPr id="2" name="Title 1">
-            <a:extLst>
-              <a:ext uri="{FF2B5EF4-FFF2-40B4-BE49-F238E27FC236}">
-                <a16:creationId xmlns:a16="http://schemas.microsoft.com/office/drawing/2014/main" id="{B8F590BF-748F-8A93-834B-66750612D143}"/>
-              </a:ext>
-            </a:extLst>
-          </p:cNvPr>
+          <p:cNvPr id="2" name="Title 1"/>
           <p:cNvSpPr>
             <a:spLocks noGrp="1"/>
           </p:cNvSpPr>
@@ -267,15 +378,17 @@
         </p:nvSpPr>
         <p:spPr>
           <a:xfrm>
-            <a:off x="1524000" y="1122363"/>
-            <a:ext cx="9144000" cy="2387600"/>
+            <a:off x="1370693" y="1769540"/>
+            <a:ext cx="9440034" cy="1828801"/>
           </a:xfrm>
         </p:spPr>
         <p:txBody>
-          <a:bodyPr anchor="b"/>
+          <a:bodyPr anchor="b">
+            <a:normAutofit/>
+          </a:bodyPr>
           <a:lstStyle>
             <a:lvl1pPr algn="ctr">
-              <a:defRPr sz="6000"/>
+              <a:defRPr sz="5400"/>
             </a:lvl1pPr>
           </a:lstStyle>
           <a:p>
@@ -283,18 +396,13 @@
               <a:rPr lang="en-US"/>
               <a:t>Click to edit Master title style</a:t>
             </a:r>
-          </a:p>
-        </p:txBody>
-      </p:sp>
-      <p:sp>
-        <p:nvSpPr>
-          <p:cNvPr id="3" name="Subtitle 2">
-            <a:extLst>
-              <a:ext uri="{FF2B5EF4-FFF2-40B4-BE49-F238E27FC236}">
-                <a16:creationId xmlns:a16="http://schemas.microsoft.com/office/drawing/2014/main" id="{7635F3F6-212B-FC15-E7BF-2E1FE8122C4E}"/>
-              </a:ext>
-            </a:extLst>
-          </p:cNvPr>
+            <a:endParaRPr lang="en-US" dirty="0"/>
+          </a:p>
+        </p:txBody>
+      </p:sp>
+      <p:sp>
+        <p:nvSpPr>
+          <p:cNvPr id="3" name="Subtitle 2"/>
           <p:cNvSpPr>
             <a:spLocks noGrp="1"/>
           </p:cNvSpPr>
@@ -304,48 +412,100 @@
         </p:nvSpPr>
         <p:spPr>
           <a:xfrm>
-            <a:off x="1524000" y="3602038"/>
-            <a:ext cx="9144000" cy="1655762"/>
+            <a:off x="1370693" y="3598339"/>
+            <a:ext cx="9440034" cy="1049867"/>
           </a:xfrm>
         </p:spPr>
         <p:txBody>
-          <a:bodyPr/>
+          <a:bodyPr anchor="t"/>
           <a:lstStyle>
             <a:lvl1pPr marL="0" indent="0" algn="ctr">
               <a:buNone/>
-              <a:defRPr sz="2400"/>
+              <a:defRPr>
+                <a:solidFill>
+                  <a:schemeClr val="tx1"/>
+                </a:solidFill>
+              </a:defRPr>
             </a:lvl1pPr>
             <a:lvl2pPr marL="457200" indent="0" algn="ctr">
               <a:buNone/>
-              <a:defRPr sz="2000"/>
+              <a:defRPr>
+                <a:solidFill>
+                  <a:schemeClr val="tx1">
+                    <a:tint val="75000"/>
+                  </a:schemeClr>
+                </a:solidFill>
+              </a:defRPr>
             </a:lvl2pPr>
             <a:lvl3pPr marL="914400" indent="0" algn="ctr">
               <a:buNone/>
-              <a:defRPr sz="1800"/>
+              <a:defRPr>
+                <a:solidFill>
+                  <a:schemeClr val="tx1">
+                    <a:tint val="75000"/>
+                  </a:schemeClr>
+                </a:solidFill>
+              </a:defRPr>
             </a:lvl3pPr>
             <a:lvl4pPr marL="1371600" indent="0" algn="ctr">
               <a:buNone/>
-              <a:defRPr sz="1600"/>
+              <a:defRPr>
+                <a:solidFill>
+                  <a:schemeClr val="tx1">
+                    <a:tint val="75000"/>
+                  </a:schemeClr>
+                </a:solidFill>
+              </a:defRPr>
             </a:lvl4pPr>
             <a:lvl5pPr marL="1828800" indent="0" algn="ctr">
               <a:buNone/>
-              <a:defRPr sz="1600"/>
+              <a:defRPr>
+                <a:solidFill>
+                  <a:schemeClr val="tx1">
+                    <a:tint val="75000"/>
+                  </a:schemeClr>
+                </a:solidFill>
+              </a:defRPr>
             </a:lvl5pPr>
             <a:lvl6pPr marL="2286000" indent="0" algn="ctr">
               <a:buNone/>
-              <a:defRPr sz="1600"/>
+              <a:defRPr>
+                <a:solidFill>
+                  <a:schemeClr val="tx1">
+                    <a:tint val="75000"/>
+                  </a:schemeClr>
+                </a:solidFill>
+              </a:defRPr>
             </a:lvl6pPr>
             <a:lvl7pPr marL="2743200" indent="0" algn="ctr">
               <a:buNone/>
-              <a:defRPr sz="1600"/>
+              <a:defRPr>
+                <a:solidFill>
+                  <a:schemeClr val="tx1">
+                    <a:tint val="75000"/>
+                  </a:schemeClr>
+                </a:solidFill>
+              </a:defRPr>
             </a:lvl7pPr>
             <a:lvl8pPr marL="3200400" indent="0" algn="ctr">
               <a:buNone/>
-              <a:defRPr sz="1600"/>
+              <a:defRPr>
+                <a:solidFill>
+                  <a:schemeClr val="tx1">
+                    <a:tint val="75000"/>
+                  </a:schemeClr>
+                </a:solidFill>
+              </a:defRPr>
             </a:lvl8pPr>
             <a:lvl9pPr marL="3657600" indent="0" algn="ctr">
               <a:buNone/>
-              <a:defRPr sz="1600"/>
+              <a:defRPr>
+                <a:solidFill>
+                  <a:schemeClr val="tx1">
+                    <a:tint val="75000"/>
+                  </a:schemeClr>
+                </a:solidFill>
+              </a:defRPr>
             </a:lvl9pPr>
           </a:lstStyle>
           <a:p>
@@ -353,18 +513,13 @@
               <a:rPr lang="en-US"/>
               <a:t>Click to edit Master subtitle style</a:t>
             </a:r>
-          </a:p>
-        </p:txBody>
-      </p:sp>
-      <p:sp>
-        <p:nvSpPr>
-          <p:cNvPr id="4" name="Date Placeholder 3">
-            <a:extLst>
-              <a:ext uri="{FF2B5EF4-FFF2-40B4-BE49-F238E27FC236}">
-                <a16:creationId xmlns:a16="http://schemas.microsoft.com/office/drawing/2014/main" id="{77B6E599-7771-E279-189E-CF914D9A42EE}"/>
-              </a:ext>
-            </a:extLst>
-          </p:cNvPr>
+            <a:endParaRPr lang="en-US" dirty="0"/>
+          </a:p>
+        </p:txBody>
+      </p:sp>
+      <p:sp>
+        <p:nvSpPr>
+          <p:cNvPr id="4" name="Date Placeholder 3"/>
           <p:cNvSpPr>
             <a:spLocks noGrp="1"/>
           </p:cNvSpPr>
@@ -387,13 +542,7 @@
       </p:sp>
       <p:sp>
         <p:nvSpPr>
-          <p:cNvPr id="5" name="Footer Placeholder 4">
-            <a:extLst>
-              <a:ext uri="{FF2B5EF4-FFF2-40B4-BE49-F238E27FC236}">
-                <a16:creationId xmlns:a16="http://schemas.microsoft.com/office/drawing/2014/main" id="{3B3F4DC4-1709-D8F6-DE2E-9E321E8FA035}"/>
-              </a:ext>
-            </a:extLst>
-          </p:cNvPr>
+          <p:cNvPr id="5" name="Footer Placeholder 4"/>
           <p:cNvSpPr>
             <a:spLocks noGrp="1"/>
           </p:cNvSpPr>
@@ -412,13 +561,7 @@
       </p:sp>
       <p:sp>
         <p:nvSpPr>
-          <p:cNvPr id="6" name="Slide Number Placeholder 5">
-            <a:extLst>
-              <a:ext uri="{FF2B5EF4-FFF2-40B4-BE49-F238E27FC236}">
-                <a16:creationId xmlns:a16="http://schemas.microsoft.com/office/drawing/2014/main" id="{BE48A717-B2F6-3AA8-F229-D226851E0287}"/>
-              </a:ext>
-            </a:extLst>
-          </p:cNvPr>
+          <p:cNvPr id="6" name="Slide Number Placeholder 5"/>
           <p:cNvSpPr>
             <a:spLocks noGrp="1"/>
           </p:cNvSpPr>
@@ -442,7 +585,7 @@
     </p:spTree>
     <p:extLst>
       <p:ext uri="{BB962C8B-B14F-4D97-AF65-F5344CB8AC3E}">
-        <p14:creationId xmlns:p14="http://schemas.microsoft.com/office/powerpoint/2010/main" val="30073967"/>
+        <p14:creationId xmlns:p14="http://schemas.microsoft.com/office/powerpoint/2010/main" val="3424609992"/>
       </p:ext>
     </p:extLst>
   </p:cSld>
@@ -453,6 +596,2582 @@
 </file>
 
 <file path=ppt/slideLayouts/slideLayout10.xml><?xml version="1.0" encoding="utf-8"?>
+<p:sldLayout xmlns:a="http://schemas.openxmlformats.org/drawingml/2006/main" xmlns:r="http://schemas.openxmlformats.org/officeDocument/2006/relationships" xmlns:p="http://schemas.openxmlformats.org/presentationml/2006/main" preserve="1">
+  <p:cSld name="Panoramic Picture with Caption">
+    <p:spTree>
+      <p:nvGrpSpPr>
+        <p:cNvPr id="1" name=""/>
+        <p:cNvGrpSpPr/>
+        <p:nvPr/>
+      </p:nvGrpSpPr>
+      <p:grpSpPr>
+        <a:xfrm>
+          <a:off x="0" y="0"/>
+          <a:ext cx="0" cy="0"/>
+          <a:chOff x="0" y="0"/>
+          <a:chExt cx="0" cy="0"/>
+        </a:xfrm>
+      </p:grpSpPr>
+      <p:pic>
+        <p:nvPicPr>
+          <p:cNvPr id="16" name="Picture 15" descr="Slate-V2-HD-panoPhotoInset.png"/>
+          <p:cNvPicPr>
+            <a:picLocks noChangeAspect="1"/>
+          </p:cNvPicPr>
+          <p:nvPr/>
+        </p:nvPicPr>
+        <p:blipFill>
+          <a:blip r:embed="rId2">
+            <a:extLst>
+              <a:ext uri="{28A0092B-C50C-407E-A947-70E740481C1C}">
+                <a14:useLocalDpi xmlns:a14="http://schemas.microsoft.com/office/drawing/2010/main" val="0"/>
+              </a:ext>
+            </a:extLst>
+          </a:blip>
+          <a:stretch>
+            <a:fillRect/>
+          </a:stretch>
+        </p:blipFill>
+        <p:spPr>
+          <a:xfrm>
+            <a:off x="1013883" y="547807"/>
+            <a:ext cx="10141799" cy="3816806"/>
+          </a:xfrm>
+          <a:prstGeom prst="rect">
+            <a:avLst/>
+          </a:prstGeom>
+        </p:spPr>
+      </p:pic>
+      <p:sp>
+        <p:nvSpPr>
+          <p:cNvPr id="2" name="Title 1"/>
+          <p:cNvSpPr>
+            <a:spLocks noGrp="1"/>
+          </p:cNvSpPr>
+          <p:nvPr>
+            <p:ph type="title"/>
+          </p:nvPr>
+        </p:nvSpPr>
+        <p:spPr>
+          <a:xfrm>
+            <a:off x="913806" y="4565255"/>
+            <a:ext cx="10355326" cy="543472"/>
+          </a:xfrm>
+        </p:spPr>
+        <p:txBody>
+          <a:bodyPr anchor="b">
+            <a:normAutofit/>
+          </a:bodyPr>
+          <a:lstStyle>
+            <a:lvl1pPr algn="ctr">
+              <a:defRPr sz="2800"/>
+            </a:lvl1pPr>
+          </a:lstStyle>
+          <a:p>
+            <a:r>
+              <a:rPr lang="en-US"/>
+              <a:t>Click to edit Master title style</a:t>
+            </a:r>
+            <a:endParaRPr lang="en-US" dirty="0"/>
+          </a:p>
+        </p:txBody>
+      </p:sp>
+      <p:sp>
+        <p:nvSpPr>
+          <p:cNvPr id="3" name="Picture Placeholder 2"/>
+          <p:cNvSpPr>
+            <a:spLocks noGrp="1" noChangeAspect="1"/>
+          </p:cNvSpPr>
+          <p:nvPr>
+            <p:ph type="pic" idx="1"/>
+          </p:nvPr>
+        </p:nvSpPr>
+        <p:spPr>
+          <a:xfrm>
+            <a:off x="1169349" y="695009"/>
+            <a:ext cx="9845346" cy="3525671"/>
+          </a:xfrm>
+          <a:effectLst>
+            <a:outerShdw blurRad="38100" dist="25400" dir="4440000">
+              <a:srgbClr val="000000">
+                <a:alpha val="36000"/>
+              </a:srgbClr>
+            </a:outerShdw>
+          </a:effectLst>
+        </p:spPr>
+        <p:txBody>
+          <a:bodyPr anchor="t">
+            <a:normAutofit/>
+          </a:bodyPr>
+          <a:lstStyle>
+            <a:lvl1pPr marL="0" indent="0" algn="ctr">
+              <a:buNone/>
+              <a:defRPr sz="2000"/>
+            </a:lvl1pPr>
+            <a:lvl2pPr marL="457200" indent="0">
+              <a:buNone/>
+              <a:defRPr sz="2000"/>
+            </a:lvl2pPr>
+            <a:lvl3pPr marL="914400" indent="0">
+              <a:buNone/>
+              <a:defRPr sz="2000"/>
+            </a:lvl3pPr>
+            <a:lvl4pPr marL="1371600" indent="0">
+              <a:buNone/>
+              <a:defRPr sz="2000"/>
+            </a:lvl4pPr>
+            <a:lvl5pPr marL="1828800" indent="0">
+              <a:buNone/>
+              <a:defRPr sz="2000"/>
+            </a:lvl5pPr>
+            <a:lvl6pPr marL="2286000" indent="0">
+              <a:buNone/>
+              <a:defRPr sz="2000"/>
+            </a:lvl6pPr>
+            <a:lvl7pPr marL="2743200" indent="0">
+              <a:buNone/>
+              <a:defRPr sz="2000"/>
+            </a:lvl7pPr>
+            <a:lvl8pPr marL="3200400" indent="0">
+              <a:buNone/>
+              <a:defRPr sz="2000"/>
+            </a:lvl8pPr>
+            <a:lvl9pPr marL="3657600" indent="0">
+              <a:buNone/>
+              <a:defRPr sz="2000"/>
+            </a:lvl9pPr>
+          </a:lstStyle>
+          <a:p>
+            <a:r>
+              <a:rPr lang="en-US"/>
+              <a:t>Click icon to add picture</a:t>
+            </a:r>
+            <a:endParaRPr lang="en-US" dirty="0"/>
+          </a:p>
+        </p:txBody>
+      </p:sp>
+      <p:sp>
+        <p:nvSpPr>
+          <p:cNvPr id="4" name="Text Placeholder 3"/>
+          <p:cNvSpPr>
+            <a:spLocks noGrp="1"/>
+          </p:cNvSpPr>
+          <p:nvPr>
+            <p:ph type="body" sz="half" idx="2"/>
+          </p:nvPr>
+        </p:nvSpPr>
+        <p:spPr>
+          <a:xfrm>
+            <a:off x="913795" y="5108728"/>
+            <a:ext cx="10353762" cy="682472"/>
+          </a:xfrm>
+        </p:spPr>
+        <p:txBody>
+          <a:bodyPr anchor="t"/>
+          <a:lstStyle>
+            <a:lvl1pPr marL="0" indent="0" algn="ctr">
+              <a:buNone/>
+              <a:defRPr sz="1600"/>
+            </a:lvl1pPr>
+            <a:lvl2pPr marL="457200" indent="0">
+              <a:buNone/>
+              <a:defRPr sz="1400"/>
+            </a:lvl2pPr>
+            <a:lvl3pPr marL="914400" indent="0">
+              <a:buNone/>
+              <a:defRPr sz="1200"/>
+            </a:lvl3pPr>
+            <a:lvl4pPr marL="1371600" indent="0">
+              <a:buNone/>
+              <a:defRPr sz="1000"/>
+            </a:lvl4pPr>
+            <a:lvl5pPr marL="1828800" indent="0">
+              <a:buNone/>
+              <a:defRPr sz="1000"/>
+            </a:lvl5pPr>
+            <a:lvl6pPr marL="2286000" indent="0">
+              <a:buNone/>
+              <a:defRPr sz="1000"/>
+            </a:lvl6pPr>
+            <a:lvl7pPr marL="2743200" indent="0">
+              <a:buNone/>
+              <a:defRPr sz="1000"/>
+            </a:lvl7pPr>
+            <a:lvl8pPr marL="3200400" indent="0">
+              <a:buNone/>
+              <a:defRPr sz="1000"/>
+            </a:lvl8pPr>
+            <a:lvl9pPr marL="3657600" indent="0">
+              <a:buNone/>
+              <a:defRPr sz="1000"/>
+            </a:lvl9pPr>
+          </a:lstStyle>
+          <a:p>
+            <a:pPr lvl="0"/>
+            <a:r>
+              <a:rPr lang="en-US"/>
+              <a:t>Click to edit Master text styles</a:t>
+            </a:r>
+          </a:p>
+        </p:txBody>
+      </p:sp>
+      <p:sp>
+        <p:nvSpPr>
+          <p:cNvPr id="5" name="Date Placeholder 4"/>
+          <p:cNvSpPr>
+            <a:spLocks noGrp="1"/>
+          </p:cNvSpPr>
+          <p:nvPr>
+            <p:ph type="dt" sz="half" idx="10"/>
+          </p:nvPr>
+        </p:nvSpPr>
+        <p:spPr/>
+        <p:txBody>
+          <a:bodyPr/>
+          <a:lstStyle/>
+          <a:p>
+            <a:fld id="{92B336C5-86E9-42E2-A63F-0C75CEEC0EAF}" type="datetimeFigureOut">
+              <a:rPr lang="en-US" smtClean="0"/>
+              <a:t>7/17/2023</a:t>
+            </a:fld>
+            <a:endParaRPr lang="en-US"/>
+          </a:p>
+        </p:txBody>
+      </p:sp>
+      <p:sp>
+        <p:nvSpPr>
+          <p:cNvPr id="6" name="Footer Placeholder 5"/>
+          <p:cNvSpPr>
+            <a:spLocks noGrp="1"/>
+          </p:cNvSpPr>
+          <p:nvPr>
+            <p:ph type="ftr" sz="quarter" idx="11"/>
+          </p:nvPr>
+        </p:nvSpPr>
+        <p:spPr/>
+        <p:txBody>
+          <a:bodyPr/>
+          <a:lstStyle/>
+          <a:p>
+            <a:endParaRPr lang="en-US"/>
+          </a:p>
+        </p:txBody>
+      </p:sp>
+      <p:sp>
+        <p:nvSpPr>
+          <p:cNvPr id="7" name="Slide Number Placeholder 6"/>
+          <p:cNvSpPr>
+            <a:spLocks noGrp="1"/>
+          </p:cNvSpPr>
+          <p:nvPr>
+            <p:ph type="sldNum" sz="quarter" idx="12"/>
+          </p:nvPr>
+        </p:nvSpPr>
+        <p:spPr/>
+        <p:txBody>
+          <a:bodyPr/>
+          <a:lstStyle/>
+          <a:p>
+            <a:fld id="{F5A4624F-BCFF-4455-9737-4467BE9D44EC}" type="slidenum">
+              <a:rPr lang="en-US" smtClean="0"/>
+              <a:t>‹#›</a:t>
+            </a:fld>
+            <a:endParaRPr lang="en-US"/>
+          </a:p>
+        </p:txBody>
+      </p:sp>
+    </p:spTree>
+    <p:extLst>
+      <p:ext uri="{BB962C8B-B14F-4D97-AF65-F5344CB8AC3E}">
+        <p14:creationId xmlns:p14="http://schemas.microsoft.com/office/powerpoint/2010/main" val="461460146"/>
+      </p:ext>
+    </p:extLst>
+  </p:cSld>
+  <p:clrMapOvr>
+    <a:masterClrMapping/>
+  </p:clrMapOvr>
+</p:sldLayout>
+</file>
+
+<file path=ppt/slideLayouts/slideLayout11.xml><?xml version="1.0" encoding="utf-8"?>
+<p:sldLayout xmlns:a="http://schemas.openxmlformats.org/drawingml/2006/main" xmlns:r="http://schemas.openxmlformats.org/officeDocument/2006/relationships" xmlns:p="http://schemas.openxmlformats.org/presentationml/2006/main" preserve="1">
+  <p:cSld name="Title and Caption">
+    <p:spTree>
+      <p:nvGrpSpPr>
+        <p:cNvPr id="1" name=""/>
+        <p:cNvGrpSpPr/>
+        <p:nvPr/>
+      </p:nvGrpSpPr>
+      <p:grpSpPr>
+        <a:xfrm>
+          <a:off x="0" y="0"/>
+          <a:ext cx="0" cy="0"/>
+          <a:chOff x="0" y="0"/>
+          <a:chExt cx="0" cy="0"/>
+        </a:xfrm>
+      </p:grpSpPr>
+      <p:sp>
+        <p:nvSpPr>
+          <p:cNvPr id="2" name="Title 1"/>
+          <p:cNvSpPr>
+            <a:spLocks noGrp="1"/>
+          </p:cNvSpPr>
+          <p:nvPr>
+            <p:ph type="title"/>
+          </p:nvPr>
+        </p:nvSpPr>
+        <p:spPr>
+          <a:xfrm>
+            <a:off x="913795" y="608437"/>
+            <a:ext cx="10353762" cy="3534344"/>
+          </a:xfrm>
+        </p:spPr>
+        <p:txBody>
+          <a:bodyPr anchor="ctr"/>
+          <a:lstStyle>
+            <a:lvl1pPr>
+              <a:defRPr sz="3200"/>
+            </a:lvl1pPr>
+          </a:lstStyle>
+          <a:p>
+            <a:r>
+              <a:rPr lang="en-US"/>
+              <a:t>Click to edit Master title style</a:t>
+            </a:r>
+            <a:endParaRPr lang="en-US" dirty="0"/>
+          </a:p>
+        </p:txBody>
+      </p:sp>
+      <p:sp>
+        <p:nvSpPr>
+          <p:cNvPr id="4" name="Text Placeholder 3"/>
+          <p:cNvSpPr>
+            <a:spLocks noGrp="1"/>
+          </p:cNvSpPr>
+          <p:nvPr>
+            <p:ph type="body" sz="half" idx="2"/>
+          </p:nvPr>
+        </p:nvSpPr>
+        <p:spPr>
+          <a:xfrm>
+            <a:off x="913794" y="4295180"/>
+            <a:ext cx="10353763" cy="1501826"/>
+          </a:xfrm>
+        </p:spPr>
+        <p:txBody>
+          <a:bodyPr anchor="ctr"/>
+          <a:lstStyle>
+            <a:lvl1pPr marL="0" indent="0" algn="ctr">
+              <a:buNone/>
+              <a:defRPr sz="1600"/>
+            </a:lvl1pPr>
+            <a:lvl2pPr marL="457200" indent="0">
+              <a:buNone/>
+              <a:defRPr sz="1400"/>
+            </a:lvl2pPr>
+            <a:lvl3pPr marL="914400" indent="0">
+              <a:buNone/>
+              <a:defRPr sz="1200"/>
+            </a:lvl3pPr>
+            <a:lvl4pPr marL="1371600" indent="0">
+              <a:buNone/>
+              <a:defRPr sz="1000"/>
+            </a:lvl4pPr>
+            <a:lvl5pPr marL="1828800" indent="0">
+              <a:buNone/>
+              <a:defRPr sz="1000"/>
+            </a:lvl5pPr>
+            <a:lvl6pPr marL="2286000" indent="0">
+              <a:buNone/>
+              <a:defRPr sz="1000"/>
+            </a:lvl6pPr>
+            <a:lvl7pPr marL="2743200" indent="0">
+              <a:buNone/>
+              <a:defRPr sz="1000"/>
+            </a:lvl7pPr>
+            <a:lvl8pPr marL="3200400" indent="0">
+              <a:buNone/>
+              <a:defRPr sz="1000"/>
+            </a:lvl8pPr>
+            <a:lvl9pPr marL="3657600" indent="0">
+              <a:buNone/>
+              <a:defRPr sz="1000"/>
+            </a:lvl9pPr>
+          </a:lstStyle>
+          <a:p>
+            <a:pPr lvl="0"/>
+            <a:r>
+              <a:rPr lang="en-US"/>
+              <a:t>Click to edit Master text styles</a:t>
+            </a:r>
+          </a:p>
+        </p:txBody>
+      </p:sp>
+      <p:sp>
+        <p:nvSpPr>
+          <p:cNvPr id="5" name="Date Placeholder 4"/>
+          <p:cNvSpPr>
+            <a:spLocks noGrp="1"/>
+          </p:cNvSpPr>
+          <p:nvPr>
+            <p:ph type="dt" sz="half" idx="10"/>
+          </p:nvPr>
+        </p:nvSpPr>
+        <p:spPr/>
+        <p:txBody>
+          <a:bodyPr/>
+          <a:lstStyle/>
+          <a:p>
+            <a:fld id="{92B336C5-86E9-42E2-A63F-0C75CEEC0EAF}" type="datetimeFigureOut">
+              <a:rPr lang="en-US" smtClean="0"/>
+              <a:t>7/17/2023</a:t>
+            </a:fld>
+            <a:endParaRPr lang="en-US"/>
+          </a:p>
+        </p:txBody>
+      </p:sp>
+      <p:sp>
+        <p:nvSpPr>
+          <p:cNvPr id="6" name="Footer Placeholder 5"/>
+          <p:cNvSpPr>
+            <a:spLocks noGrp="1"/>
+          </p:cNvSpPr>
+          <p:nvPr>
+            <p:ph type="ftr" sz="quarter" idx="11"/>
+          </p:nvPr>
+        </p:nvSpPr>
+        <p:spPr/>
+        <p:txBody>
+          <a:bodyPr/>
+          <a:lstStyle/>
+          <a:p>
+            <a:endParaRPr lang="en-US"/>
+          </a:p>
+        </p:txBody>
+      </p:sp>
+      <p:sp>
+        <p:nvSpPr>
+          <p:cNvPr id="7" name="Slide Number Placeholder 6"/>
+          <p:cNvSpPr>
+            <a:spLocks noGrp="1"/>
+          </p:cNvSpPr>
+          <p:nvPr>
+            <p:ph type="sldNum" sz="quarter" idx="12"/>
+          </p:nvPr>
+        </p:nvSpPr>
+        <p:spPr/>
+        <p:txBody>
+          <a:bodyPr/>
+          <a:lstStyle/>
+          <a:p>
+            <a:fld id="{F5A4624F-BCFF-4455-9737-4467BE9D44EC}" type="slidenum">
+              <a:rPr lang="en-US" smtClean="0"/>
+              <a:t>‹#›</a:t>
+            </a:fld>
+            <a:endParaRPr lang="en-US"/>
+          </a:p>
+        </p:txBody>
+      </p:sp>
+    </p:spTree>
+    <p:extLst>
+      <p:ext uri="{BB962C8B-B14F-4D97-AF65-F5344CB8AC3E}">
+        <p14:creationId xmlns:p14="http://schemas.microsoft.com/office/powerpoint/2010/main" val="3782443192"/>
+      </p:ext>
+    </p:extLst>
+  </p:cSld>
+  <p:clrMapOvr>
+    <a:masterClrMapping/>
+  </p:clrMapOvr>
+</p:sldLayout>
+</file>
+
+<file path=ppt/slideLayouts/slideLayout12.xml><?xml version="1.0" encoding="utf-8"?>
+<p:sldLayout xmlns:a="http://schemas.openxmlformats.org/drawingml/2006/main" xmlns:r="http://schemas.openxmlformats.org/officeDocument/2006/relationships" xmlns:p="http://schemas.openxmlformats.org/presentationml/2006/main" preserve="1">
+  <p:cSld name="Quote with Caption">
+    <p:spTree>
+      <p:nvGrpSpPr>
+        <p:cNvPr id="1" name=""/>
+        <p:cNvGrpSpPr/>
+        <p:nvPr/>
+      </p:nvGrpSpPr>
+      <p:grpSpPr>
+        <a:xfrm>
+          <a:off x="0" y="0"/>
+          <a:ext cx="0" cy="0"/>
+          <a:chOff x="0" y="0"/>
+          <a:chExt cx="0" cy="0"/>
+        </a:xfrm>
+      </p:grpSpPr>
+      <p:sp>
+        <p:nvSpPr>
+          <p:cNvPr id="2" name="Title 1"/>
+          <p:cNvSpPr>
+            <a:spLocks noGrp="1"/>
+          </p:cNvSpPr>
+          <p:nvPr>
+            <p:ph type="title"/>
+          </p:nvPr>
+        </p:nvSpPr>
+        <p:spPr>
+          <a:xfrm>
+            <a:off x="1446212" y="609600"/>
+            <a:ext cx="9302752" cy="2992904"/>
+          </a:xfrm>
+        </p:spPr>
+        <p:txBody>
+          <a:bodyPr anchor="ctr"/>
+          <a:lstStyle>
+            <a:lvl1pPr>
+              <a:defRPr sz="3200"/>
+            </a:lvl1pPr>
+          </a:lstStyle>
+          <a:p>
+            <a:r>
+              <a:rPr lang="en-US"/>
+              <a:t>Click to edit Master title style</a:t>
+            </a:r>
+            <a:endParaRPr lang="en-US" dirty="0"/>
+          </a:p>
+        </p:txBody>
+      </p:sp>
+      <p:sp>
+        <p:nvSpPr>
+          <p:cNvPr id="12" name="Text Placeholder 3"/>
+          <p:cNvSpPr>
+            <a:spLocks noGrp="1"/>
+          </p:cNvSpPr>
+          <p:nvPr>
+            <p:ph type="body" sz="half" idx="13"/>
+          </p:nvPr>
+        </p:nvSpPr>
+        <p:spPr>
+          <a:xfrm>
+            <a:off x="1720644" y="3610032"/>
+            <a:ext cx="8752299" cy="532749"/>
+          </a:xfrm>
+        </p:spPr>
+        <p:txBody>
+          <a:bodyPr anchor="t">
+            <a:normAutofit/>
+          </a:bodyPr>
+          <a:lstStyle>
+            <a:lvl1pPr marL="0" indent="0" algn="r">
+              <a:buNone/>
+              <a:defRPr sz="1400"/>
+            </a:lvl1pPr>
+            <a:lvl2pPr marL="457200" indent="0">
+              <a:buNone/>
+              <a:defRPr sz="1400"/>
+            </a:lvl2pPr>
+            <a:lvl3pPr marL="914400" indent="0">
+              <a:buNone/>
+              <a:defRPr sz="1200"/>
+            </a:lvl3pPr>
+            <a:lvl4pPr marL="1371600" indent="0">
+              <a:buNone/>
+              <a:defRPr sz="1000"/>
+            </a:lvl4pPr>
+            <a:lvl5pPr marL="1828800" indent="0">
+              <a:buNone/>
+              <a:defRPr sz="1000"/>
+            </a:lvl5pPr>
+            <a:lvl6pPr marL="2286000" indent="0">
+              <a:buNone/>
+              <a:defRPr sz="1000"/>
+            </a:lvl6pPr>
+            <a:lvl7pPr marL="2743200" indent="0">
+              <a:buNone/>
+              <a:defRPr sz="1000"/>
+            </a:lvl7pPr>
+            <a:lvl8pPr marL="3200400" indent="0">
+              <a:buNone/>
+              <a:defRPr sz="1000"/>
+            </a:lvl8pPr>
+            <a:lvl9pPr marL="3657600" indent="0">
+              <a:buNone/>
+              <a:defRPr sz="1000"/>
+            </a:lvl9pPr>
+          </a:lstStyle>
+          <a:p>
+            <a:pPr lvl="0"/>
+            <a:r>
+              <a:rPr lang="en-US"/>
+              <a:t>Click to edit Master text styles</a:t>
+            </a:r>
+          </a:p>
+        </p:txBody>
+      </p:sp>
+      <p:sp>
+        <p:nvSpPr>
+          <p:cNvPr id="4" name="Text Placeholder 3"/>
+          <p:cNvSpPr>
+            <a:spLocks noGrp="1"/>
+          </p:cNvSpPr>
+          <p:nvPr>
+            <p:ph type="body" sz="half" idx="2"/>
+          </p:nvPr>
+        </p:nvSpPr>
+        <p:spPr>
+          <a:xfrm>
+            <a:off x="913794" y="4304353"/>
+            <a:ext cx="10353763" cy="1489496"/>
+          </a:xfrm>
+        </p:spPr>
+        <p:txBody>
+          <a:bodyPr anchor="ctr">
+            <a:normAutofit/>
+          </a:bodyPr>
+          <a:lstStyle>
+            <a:lvl1pPr marL="0" indent="0" algn="ctr">
+              <a:buNone/>
+              <a:defRPr sz="1600"/>
+            </a:lvl1pPr>
+            <a:lvl2pPr marL="457200" indent="0">
+              <a:buNone/>
+              <a:defRPr sz="1400"/>
+            </a:lvl2pPr>
+            <a:lvl3pPr marL="914400" indent="0">
+              <a:buNone/>
+              <a:defRPr sz="1200"/>
+            </a:lvl3pPr>
+            <a:lvl4pPr marL="1371600" indent="0">
+              <a:buNone/>
+              <a:defRPr sz="1000"/>
+            </a:lvl4pPr>
+            <a:lvl5pPr marL="1828800" indent="0">
+              <a:buNone/>
+              <a:defRPr sz="1000"/>
+            </a:lvl5pPr>
+            <a:lvl6pPr marL="2286000" indent="0">
+              <a:buNone/>
+              <a:defRPr sz="1000"/>
+            </a:lvl6pPr>
+            <a:lvl7pPr marL="2743200" indent="0">
+              <a:buNone/>
+              <a:defRPr sz="1000"/>
+            </a:lvl7pPr>
+            <a:lvl8pPr marL="3200400" indent="0">
+              <a:buNone/>
+              <a:defRPr sz="1000"/>
+            </a:lvl8pPr>
+            <a:lvl9pPr marL="3657600" indent="0">
+              <a:buNone/>
+              <a:defRPr sz="1000"/>
+            </a:lvl9pPr>
+          </a:lstStyle>
+          <a:p>
+            <a:pPr lvl="0"/>
+            <a:r>
+              <a:rPr lang="en-US"/>
+              <a:t>Click to edit Master text styles</a:t>
+            </a:r>
+          </a:p>
+        </p:txBody>
+      </p:sp>
+      <p:sp>
+        <p:nvSpPr>
+          <p:cNvPr id="5" name="Date Placeholder 4"/>
+          <p:cNvSpPr>
+            <a:spLocks noGrp="1"/>
+          </p:cNvSpPr>
+          <p:nvPr>
+            <p:ph type="dt" sz="half" idx="10"/>
+          </p:nvPr>
+        </p:nvSpPr>
+        <p:spPr/>
+        <p:txBody>
+          <a:bodyPr/>
+          <a:lstStyle/>
+          <a:p>
+            <a:fld id="{92B336C5-86E9-42E2-A63F-0C75CEEC0EAF}" type="datetimeFigureOut">
+              <a:rPr lang="en-US" smtClean="0"/>
+              <a:t>7/17/2023</a:t>
+            </a:fld>
+            <a:endParaRPr lang="en-US"/>
+          </a:p>
+        </p:txBody>
+      </p:sp>
+      <p:sp>
+        <p:nvSpPr>
+          <p:cNvPr id="6" name="Footer Placeholder 5"/>
+          <p:cNvSpPr>
+            <a:spLocks noGrp="1"/>
+          </p:cNvSpPr>
+          <p:nvPr>
+            <p:ph type="ftr" sz="quarter" idx="11"/>
+          </p:nvPr>
+        </p:nvSpPr>
+        <p:spPr/>
+        <p:txBody>
+          <a:bodyPr/>
+          <a:lstStyle/>
+          <a:p>
+            <a:endParaRPr lang="en-US"/>
+          </a:p>
+        </p:txBody>
+      </p:sp>
+      <p:sp>
+        <p:nvSpPr>
+          <p:cNvPr id="7" name="Slide Number Placeholder 6"/>
+          <p:cNvSpPr>
+            <a:spLocks noGrp="1"/>
+          </p:cNvSpPr>
+          <p:nvPr>
+            <p:ph type="sldNum" sz="quarter" idx="12"/>
+          </p:nvPr>
+        </p:nvSpPr>
+        <p:spPr/>
+        <p:txBody>
+          <a:bodyPr/>
+          <a:lstStyle/>
+          <a:p>
+            <a:fld id="{F5A4624F-BCFF-4455-9737-4467BE9D44EC}" type="slidenum">
+              <a:rPr lang="en-US" smtClean="0"/>
+              <a:t>‹#›</a:t>
+            </a:fld>
+            <a:endParaRPr lang="en-US"/>
+          </a:p>
+        </p:txBody>
+      </p:sp>
+      <p:sp>
+        <p:nvSpPr>
+          <p:cNvPr id="11" name="TextBox 10"/>
+          <p:cNvSpPr txBox="1"/>
+          <p:nvPr/>
+        </p:nvSpPr>
+        <p:spPr>
+          <a:xfrm>
+            <a:off x="990600" y="884796"/>
+            <a:ext cx="609600" cy="584776"/>
+          </a:xfrm>
+          <a:prstGeom prst="rect">
+            <a:avLst/>
+          </a:prstGeom>
+        </p:spPr>
+        <p:txBody>
+          <a:bodyPr vert="horz" lIns="91440" tIns="45720" rIns="91440" bIns="45720" rtlCol="0" anchor="ctr">
+            <a:noAutofit/>
+          </a:bodyPr>
+          <a:lstStyle>
+            <a:lvl1pPr>
+              <a:spcBef>
+                <a:spcPct val="0"/>
+              </a:spcBef>
+              <a:buNone/>
+              <a:defRPr sz="3200" b="0" cap="all">
+                <a:ln w="3175" cmpd="sng">
+                  <a:noFill/>
+                </a:ln>
+                <a:effectLst>
+                  <a:glow rad="38100">
+                    <a:schemeClr val="bg1">
+                      <a:lumMod val="65000"/>
+                      <a:lumOff val="35000"/>
+                      <a:alpha val="40000"/>
+                    </a:schemeClr>
+                  </a:glow>
+                  <a:outerShdw blurRad="28575" dist="38100" dir="14040000" algn="tl" rotWithShape="0">
+                    <a:srgbClr val="000000">
+                      <a:alpha val="25000"/>
+                    </a:srgbClr>
+                  </a:outerShdw>
+                </a:effectLst>
+              </a:defRPr>
+            </a:lvl1pPr>
+            <a:lvl2pPr>
+              <a:defRPr>
+                <a:solidFill>
+                  <a:schemeClr val="tx2"/>
+                </a:solidFill>
+              </a:defRPr>
+            </a:lvl2pPr>
+            <a:lvl3pPr>
+              <a:defRPr>
+                <a:solidFill>
+                  <a:schemeClr val="tx2"/>
+                </a:solidFill>
+              </a:defRPr>
+            </a:lvl3pPr>
+            <a:lvl4pPr>
+              <a:defRPr>
+                <a:solidFill>
+                  <a:schemeClr val="tx2"/>
+                </a:solidFill>
+              </a:defRPr>
+            </a:lvl4pPr>
+            <a:lvl5pPr>
+              <a:defRPr>
+                <a:solidFill>
+                  <a:schemeClr val="tx2"/>
+                </a:solidFill>
+              </a:defRPr>
+            </a:lvl5pPr>
+            <a:lvl6pPr>
+              <a:defRPr>
+                <a:solidFill>
+                  <a:schemeClr val="tx2"/>
+                </a:solidFill>
+              </a:defRPr>
+            </a:lvl6pPr>
+            <a:lvl7pPr>
+              <a:defRPr>
+                <a:solidFill>
+                  <a:schemeClr val="tx2"/>
+                </a:solidFill>
+              </a:defRPr>
+            </a:lvl7pPr>
+            <a:lvl8pPr>
+              <a:defRPr>
+                <a:solidFill>
+                  <a:schemeClr val="tx2"/>
+                </a:solidFill>
+              </a:defRPr>
+            </a:lvl8pPr>
+            <a:lvl9pPr>
+              <a:defRPr>
+                <a:solidFill>
+                  <a:schemeClr val="tx2"/>
+                </a:solidFill>
+              </a:defRPr>
+            </a:lvl9pPr>
+          </a:lstStyle>
+          <a:p>
+            <a:pPr lvl="0"/>
+            <a:r>
+              <a:rPr lang="en-US" sz="8000" dirty="0">
+                <a:solidFill>
+                  <a:schemeClr val="tx1"/>
+                </a:solidFill>
+                <a:effectLst/>
+              </a:rPr>
+              <a:t>“</a:t>
+            </a:r>
+          </a:p>
+        </p:txBody>
+      </p:sp>
+      <p:sp>
+        <p:nvSpPr>
+          <p:cNvPr id="13" name="TextBox 12"/>
+          <p:cNvSpPr txBox="1"/>
+          <p:nvPr/>
+        </p:nvSpPr>
+        <p:spPr>
+          <a:xfrm>
+            <a:off x="10504716" y="2928258"/>
+            <a:ext cx="609600" cy="584776"/>
+          </a:xfrm>
+          <a:prstGeom prst="rect">
+            <a:avLst/>
+          </a:prstGeom>
+        </p:spPr>
+        <p:txBody>
+          <a:bodyPr vert="horz" lIns="91440" tIns="45720" rIns="91440" bIns="45720" rtlCol="0" anchor="ctr">
+            <a:noAutofit/>
+          </a:bodyPr>
+          <a:lstStyle>
+            <a:lvl1pPr>
+              <a:spcBef>
+                <a:spcPct val="0"/>
+              </a:spcBef>
+              <a:buNone/>
+              <a:defRPr sz="3200" b="0" cap="all">
+                <a:ln w="3175" cmpd="sng">
+                  <a:noFill/>
+                </a:ln>
+                <a:effectLst>
+                  <a:glow rad="38100">
+                    <a:schemeClr val="bg1">
+                      <a:lumMod val="65000"/>
+                      <a:lumOff val="35000"/>
+                      <a:alpha val="40000"/>
+                    </a:schemeClr>
+                  </a:glow>
+                  <a:outerShdw blurRad="28575" dist="38100" dir="14040000" algn="tl" rotWithShape="0">
+                    <a:srgbClr val="000000">
+                      <a:alpha val="25000"/>
+                    </a:srgbClr>
+                  </a:outerShdw>
+                </a:effectLst>
+              </a:defRPr>
+            </a:lvl1pPr>
+            <a:lvl2pPr>
+              <a:defRPr>
+                <a:solidFill>
+                  <a:schemeClr val="tx2"/>
+                </a:solidFill>
+              </a:defRPr>
+            </a:lvl2pPr>
+            <a:lvl3pPr>
+              <a:defRPr>
+                <a:solidFill>
+                  <a:schemeClr val="tx2"/>
+                </a:solidFill>
+              </a:defRPr>
+            </a:lvl3pPr>
+            <a:lvl4pPr>
+              <a:defRPr>
+                <a:solidFill>
+                  <a:schemeClr val="tx2"/>
+                </a:solidFill>
+              </a:defRPr>
+            </a:lvl4pPr>
+            <a:lvl5pPr>
+              <a:defRPr>
+                <a:solidFill>
+                  <a:schemeClr val="tx2"/>
+                </a:solidFill>
+              </a:defRPr>
+            </a:lvl5pPr>
+            <a:lvl6pPr>
+              <a:defRPr>
+                <a:solidFill>
+                  <a:schemeClr val="tx2"/>
+                </a:solidFill>
+              </a:defRPr>
+            </a:lvl6pPr>
+            <a:lvl7pPr>
+              <a:defRPr>
+                <a:solidFill>
+                  <a:schemeClr val="tx2"/>
+                </a:solidFill>
+              </a:defRPr>
+            </a:lvl7pPr>
+            <a:lvl8pPr>
+              <a:defRPr>
+                <a:solidFill>
+                  <a:schemeClr val="tx2"/>
+                </a:solidFill>
+              </a:defRPr>
+            </a:lvl8pPr>
+            <a:lvl9pPr>
+              <a:defRPr>
+                <a:solidFill>
+                  <a:schemeClr val="tx2"/>
+                </a:solidFill>
+              </a:defRPr>
+            </a:lvl9pPr>
+          </a:lstStyle>
+          <a:p>
+            <a:pPr lvl="0" algn="r"/>
+            <a:r>
+              <a:rPr lang="en-US" sz="8000" dirty="0">
+                <a:solidFill>
+                  <a:schemeClr val="tx1"/>
+                </a:solidFill>
+                <a:effectLst/>
+              </a:rPr>
+              <a:t>”</a:t>
+            </a:r>
+          </a:p>
+        </p:txBody>
+      </p:sp>
+    </p:spTree>
+    <p:extLst>
+      <p:ext uri="{BB962C8B-B14F-4D97-AF65-F5344CB8AC3E}">
+        <p14:creationId xmlns:p14="http://schemas.microsoft.com/office/powerpoint/2010/main" val="610970418"/>
+      </p:ext>
+    </p:extLst>
+  </p:cSld>
+  <p:clrMapOvr>
+    <a:masterClrMapping/>
+  </p:clrMapOvr>
+</p:sldLayout>
+</file>
+
+<file path=ppt/slideLayouts/slideLayout13.xml><?xml version="1.0" encoding="utf-8"?>
+<p:sldLayout xmlns:a="http://schemas.openxmlformats.org/drawingml/2006/main" xmlns:r="http://schemas.openxmlformats.org/officeDocument/2006/relationships" xmlns:p="http://schemas.openxmlformats.org/presentationml/2006/main" preserve="1">
+  <p:cSld name="Name Card">
+    <p:spTree>
+      <p:nvGrpSpPr>
+        <p:cNvPr id="1" name=""/>
+        <p:cNvGrpSpPr/>
+        <p:nvPr/>
+      </p:nvGrpSpPr>
+      <p:grpSpPr>
+        <a:xfrm>
+          <a:off x="0" y="0"/>
+          <a:ext cx="0" cy="0"/>
+          <a:chOff x="0" y="0"/>
+          <a:chExt cx="0" cy="0"/>
+        </a:xfrm>
+      </p:grpSpPr>
+      <p:sp>
+        <p:nvSpPr>
+          <p:cNvPr id="2" name="Title 1"/>
+          <p:cNvSpPr>
+            <a:spLocks noGrp="1"/>
+          </p:cNvSpPr>
+          <p:nvPr>
+            <p:ph type="title"/>
+          </p:nvPr>
+        </p:nvSpPr>
+        <p:spPr>
+          <a:xfrm>
+            <a:off x="913794" y="2126942"/>
+            <a:ext cx="10353763" cy="2511835"/>
+          </a:xfrm>
+        </p:spPr>
+        <p:txBody>
+          <a:bodyPr anchor="b"/>
+          <a:lstStyle>
+            <a:lvl1pPr>
+              <a:defRPr sz="3200"/>
+            </a:lvl1pPr>
+          </a:lstStyle>
+          <a:p>
+            <a:r>
+              <a:rPr lang="en-US"/>
+              <a:t>Click to edit Master title style</a:t>
+            </a:r>
+            <a:endParaRPr lang="en-US" dirty="0"/>
+          </a:p>
+        </p:txBody>
+      </p:sp>
+      <p:sp>
+        <p:nvSpPr>
+          <p:cNvPr id="4" name="Text Placeholder 3"/>
+          <p:cNvSpPr>
+            <a:spLocks noGrp="1"/>
+          </p:cNvSpPr>
+          <p:nvPr>
+            <p:ph type="body" sz="half" idx="2"/>
+          </p:nvPr>
+        </p:nvSpPr>
+        <p:spPr>
+          <a:xfrm>
+            <a:off x="913784" y="4650556"/>
+            <a:ext cx="10352199" cy="1140644"/>
+          </a:xfrm>
+        </p:spPr>
+        <p:txBody>
+          <a:bodyPr anchor="t"/>
+          <a:lstStyle>
+            <a:lvl1pPr marL="0" indent="0" algn="ctr">
+              <a:buNone/>
+              <a:defRPr sz="1600"/>
+            </a:lvl1pPr>
+            <a:lvl2pPr marL="457200" indent="0">
+              <a:buNone/>
+              <a:defRPr sz="1400"/>
+            </a:lvl2pPr>
+            <a:lvl3pPr marL="914400" indent="0">
+              <a:buNone/>
+              <a:defRPr sz="1200"/>
+            </a:lvl3pPr>
+            <a:lvl4pPr marL="1371600" indent="0">
+              <a:buNone/>
+              <a:defRPr sz="1000"/>
+            </a:lvl4pPr>
+            <a:lvl5pPr marL="1828800" indent="0">
+              <a:buNone/>
+              <a:defRPr sz="1000"/>
+            </a:lvl5pPr>
+            <a:lvl6pPr marL="2286000" indent="0">
+              <a:buNone/>
+              <a:defRPr sz="1000"/>
+            </a:lvl6pPr>
+            <a:lvl7pPr marL="2743200" indent="0">
+              <a:buNone/>
+              <a:defRPr sz="1000"/>
+            </a:lvl7pPr>
+            <a:lvl8pPr marL="3200400" indent="0">
+              <a:buNone/>
+              <a:defRPr sz="1000"/>
+            </a:lvl8pPr>
+            <a:lvl9pPr marL="3657600" indent="0">
+              <a:buNone/>
+              <a:defRPr sz="1000"/>
+            </a:lvl9pPr>
+          </a:lstStyle>
+          <a:p>
+            <a:pPr lvl="0"/>
+            <a:r>
+              <a:rPr lang="en-US"/>
+              <a:t>Click to edit Master text styles</a:t>
+            </a:r>
+          </a:p>
+        </p:txBody>
+      </p:sp>
+      <p:sp>
+        <p:nvSpPr>
+          <p:cNvPr id="5" name="Date Placeholder 4"/>
+          <p:cNvSpPr>
+            <a:spLocks noGrp="1"/>
+          </p:cNvSpPr>
+          <p:nvPr>
+            <p:ph type="dt" sz="half" idx="10"/>
+          </p:nvPr>
+        </p:nvSpPr>
+        <p:spPr/>
+        <p:txBody>
+          <a:bodyPr/>
+          <a:lstStyle/>
+          <a:p>
+            <a:fld id="{92B336C5-86E9-42E2-A63F-0C75CEEC0EAF}" type="datetimeFigureOut">
+              <a:rPr lang="en-US" smtClean="0"/>
+              <a:t>7/17/2023</a:t>
+            </a:fld>
+            <a:endParaRPr lang="en-US"/>
+          </a:p>
+        </p:txBody>
+      </p:sp>
+      <p:sp>
+        <p:nvSpPr>
+          <p:cNvPr id="6" name="Footer Placeholder 5"/>
+          <p:cNvSpPr>
+            <a:spLocks noGrp="1"/>
+          </p:cNvSpPr>
+          <p:nvPr>
+            <p:ph type="ftr" sz="quarter" idx="11"/>
+          </p:nvPr>
+        </p:nvSpPr>
+        <p:spPr/>
+        <p:txBody>
+          <a:bodyPr/>
+          <a:lstStyle/>
+          <a:p>
+            <a:endParaRPr lang="en-US"/>
+          </a:p>
+        </p:txBody>
+      </p:sp>
+      <p:sp>
+        <p:nvSpPr>
+          <p:cNvPr id="7" name="Slide Number Placeholder 6"/>
+          <p:cNvSpPr>
+            <a:spLocks noGrp="1"/>
+          </p:cNvSpPr>
+          <p:nvPr>
+            <p:ph type="sldNum" sz="quarter" idx="12"/>
+          </p:nvPr>
+        </p:nvSpPr>
+        <p:spPr/>
+        <p:txBody>
+          <a:bodyPr/>
+          <a:lstStyle/>
+          <a:p>
+            <a:fld id="{F5A4624F-BCFF-4455-9737-4467BE9D44EC}" type="slidenum">
+              <a:rPr lang="en-US" smtClean="0"/>
+              <a:t>‹#›</a:t>
+            </a:fld>
+            <a:endParaRPr lang="en-US"/>
+          </a:p>
+        </p:txBody>
+      </p:sp>
+    </p:spTree>
+    <p:extLst>
+      <p:ext uri="{BB962C8B-B14F-4D97-AF65-F5344CB8AC3E}">
+        <p14:creationId xmlns:p14="http://schemas.microsoft.com/office/powerpoint/2010/main" val="1725628255"/>
+      </p:ext>
+    </p:extLst>
+  </p:cSld>
+  <p:clrMapOvr>
+    <a:masterClrMapping/>
+  </p:clrMapOvr>
+</p:sldLayout>
+</file>
+
+<file path=ppt/slideLayouts/slideLayout14.xml><?xml version="1.0" encoding="utf-8"?>
+<p:sldLayout xmlns:a="http://schemas.openxmlformats.org/drawingml/2006/main" xmlns:r="http://schemas.openxmlformats.org/officeDocument/2006/relationships" xmlns:p="http://schemas.openxmlformats.org/presentationml/2006/main" preserve="1">
+  <p:cSld name="3 Column">
+    <p:spTree>
+      <p:nvGrpSpPr>
+        <p:cNvPr id="1" name=""/>
+        <p:cNvGrpSpPr/>
+        <p:nvPr/>
+      </p:nvGrpSpPr>
+      <p:grpSpPr>
+        <a:xfrm>
+          <a:off x="0" y="0"/>
+          <a:ext cx="0" cy="0"/>
+          <a:chOff x="0" y="0"/>
+          <a:chExt cx="0" cy="0"/>
+        </a:xfrm>
+      </p:grpSpPr>
+      <p:sp>
+        <p:nvSpPr>
+          <p:cNvPr id="15" name="Title 1"/>
+          <p:cNvSpPr>
+            <a:spLocks noGrp="1"/>
+          </p:cNvSpPr>
+          <p:nvPr>
+            <p:ph type="title"/>
+          </p:nvPr>
+        </p:nvSpPr>
+        <p:spPr>
+          <a:xfrm>
+            <a:off x="913795" y="609600"/>
+            <a:ext cx="10353762" cy="970450"/>
+          </a:xfrm>
+        </p:spPr>
+        <p:txBody>
+          <a:bodyPr/>
+          <a:lstStyle/>
+          <a:p>
+            <a:r>
+              <a:rPr lang="en-US"/>
+              <a:t>Click to edit Master title style</a:t>
+            </a:r>
+            <a:endParaRPr lang="en-US" dirty="0"/>
+          </a:p>
+        </p:txBody>
+      </p:sp>
+      <p:sp>
+        <p:nvSpPr>
+          <p:cNvPr id="7" name="Text Placeholder 2"/>
+          <p:cNvSpPr>
+            <a:spLocks noGrp="1"/>
+          </p:cNvSpPr>
+          <p:nvPr>
+            <p:ph type="body" idx="1"/>
+          </p:nvPr>
+        </p:nvSpPr>
+        <p:spPr>
+          <a:xfrm>
+            <a:off x="913795" y="1885950"/>
+            <a:ext cx="3300984" cy="576262"/>
+          </a:xfrm>
+        </p:spPr>
+        <p:txBody>
+          <a:bodyPr anchor="b">
+            <a:noAutofit/>
+          </a:bodyPr>
+          <a:lstStyle>
+            <a:lvl1pPr marL="0" indent="0" algn="ctr">
+              <a:buNone/>
+              <a:defRPr sz="2400" b="0">
+                <a:solidFill>
+                  <a:schemeClr val="tx1"/>
+                </a:solidFill>
+              </a:defRPr>
+            </a:lvl1pPr>
+            <a:lvl2pPr marL="457200" indent="0">
+              <a:buNone/>
+              <a:defRPr sz="2000" b="1"/>
+            </a:lvl2pPr>
+            <a:lvl3pPr marL="914400" indent="0">
+              <a:buNone/>
+              <a:defRPr sz="1800" b="1"/>
+            </a:lvl3pPr>
+            <a:lvl4pPr marL="1371600" indent="0">
+              <a:buNone/>
+              <a:defRPr sz="1600" b="1"/>
+            </a:lvl4pPr>
+            <a:lvl5pPr marL="1828800" indent="0">
+              <a:buNone/>
+              <a:defRPr sz="1600" b="1"/>
+            </a:lvl5pPr>
+            <a:lvl6pPr marL="2286000" indent="0">
+              <a:buNone/>
+              <a:defRPr sz="1600" b="1"/>
+            </a:lvl6pPr>
+            <a:lvl7pPr marL="2743200" indent="0">
+              <a:buNone/>
+              <a:defRPr sz="1600" b="1"/>
+            </a:lvl7pPr>
+            <a:lvl8pPr marL="3200400" indent="0">
+              <a:buNone/>
+              <a:defRPr sz="1600" b="1"/>
+            </a:lvl8pPr>
+            <a:lvl9pPr marL="3657600" indent="0">
+              <a:buNone/>
+              <a:defRPr sz="1600" b="1"/>
+            </a:lvl9pPr>
+          </a:lstStyle>
+          <a:p>
+            <a:pPr lvl="0"/>
+            <a:r>
+              <a:rPr lang="en-US"/>
+              <a:t>Click to edit Master text styles</a:t>
+            </a:r>
+          </a:p>
+        </p:txBody>
+      </p:sp>
+      <p:sp>
+        <p:nvSpPr>
+          <p:cNvPr id="8" name="Text Placeholder 3"/>
+          <p:cNvSpPr>
+            <a:spLocks noGrp="1"/>
+          </p:cNvSpPr>
+          <p:nvPr>
+            <p:ph type="body" sz="half" idx="15"/>
+          </p:nvPr>
+        </p:nvSpPr>
+        <p:spPr>
+          <a:xfrm>
+            <a:off x="913795" y="2571750"/>
+            <a:ext cx="3300984" cy="3219450"/>
+          </a:xfrm>
+        </p:spPr>
+        <p:txBody>
+          <a:bodyPr anchor="t">
+            <a:normAutofit/>
+          </a:bodyPr>
+          <a:lstStyle>
+            <a:lvl1pPr marL="0" indent="0" algn="ctr">
+              <a:buNone/>
+              <a:defRPr sz="1400"/>
+            </a:lvl1pPr>
+            <a:lvl2pPr marL="457200" indent="0">
+              <a:buNone/>
+              <a:defRPr sz="1200"/>
+            </a:lvl2pPr>
+            <a:lvl3pPr marL="914400" indent="0">
+              <a:buNone/>
+              <a:defRPr sz="1000"/>
+            </a:lvl3pPr>
+            <a:lvl4pPr marL="1371600" indent="0">
+              <a:buNone/>
+              <a:defRPr sz="900"/>
+            </a:lvl4pPr>
+            <a:lvl5pPr marL="1828800" indent="0">
+              <a:buNone/>
+              <a:defRPr sz="900"/>
+            </a:lvl5pPr>
+            <a:lvl6pPr marL="2286000" indent="0">
+              <a:buNone/>
+              <a:defRPr sz="900"/>
+            </a:lvl6pPr>
+            <a:lvl7pPr marL="2743200" indent="0">
+              <a:buNone/>
+              <a:defRPr sz="900"/>
+            </a:lvl7pPr>
+            <a:lvl8pPr marL="3200400" indent="0">
+              <a:buNone/>
+              <a:defRPr sz="900"/>
+            </a:lvl8pPr>
+            <a:lvl9pPr marL="3657600" indent="0">
+              <a:buNone/>
+              <a:defRPr sz="900"/>
+            </a:lvl9pPr>
+          </a:lstStyle>
+          <a:p>
+            <a:pPr lvl="0"/>
+            <a:r>
+              <a:rPr lang="en-US"/>
+              <a:t>Click to edit Master text styles</a:t>
+            </a:r>
+          </a:p>
+        </p:txBody>
+      </p:sp>
+      <p:sp>
+        <p:nvSpPr>
+          <p:cNvPr id="9" name="Text Placeholder 4"/>
+          <p:cNvSpPr>
+            <a:spLocks noGrp="1"/>
+          </p:cNvSpPr>
+          <p:nvPr>
+            <p:ph type="body" sz="quarter" idx="3"/>
+          </p:nvPr>
+        </p:nvSpPr>
+        <p:spPr>
+          <a:xfrm>
+            <a:off x="4446711" y="1885950"/>
+            <a:ext cx="3300984" cy="576262"/>
+          </a:xfrm>
+        </p:spPr>
+        <p:txBody>
+          <a:bodyPr anchor="b">
+            <a:noAutofit/>
+          </a:bodyPr>
+          <a:lstStyle>
+            <a:lvl1pPr marL="0" indent="0" algn="ctr">
+              <a:buNone/>
+              <a:defRPr sz="2400" b="0">
+                <a:solidFill>
+                  <a:schemeClr val="tx1"/>
+                </a:solidFill>
+              </a:defRPr>
+            </a:lvl1pPr>
+            <a:lvl2pPr marL="457200" indent="0">
+              <a:buNone/>
+              <a:defRPr sz="2000" b="1"/>
+            </a:lvl2pPr>
+            <a:lvl3pPr marL="914400" indent="0">
+              <a:buNone/>
+              <a:defRPr sz="1800" b="1"/>
+            </a:lvl3pPr>
+            <a:lvl4pPr marL="1371600" indent="0">
+              <a:buNone/>
+              <a:defRPr sz="1600" b="1"/>
+            </a:lvl4pPr>
+            <a:lvl5pPr marL="1828800" indent="0">
+              <a:buNone/>
+              <a:defRPr sz="1600" b="1"/>
+            </a:lvl5pPr>
+            <a:lvl6pPr marL="2286000" indent="0">
+              <a:buNone/>
+              <a:defRPr sz="1600" b="1"/>
+            </a:lvl6pPr>
+            <a:lvl7pPr marL="2743200" indent="0">
+              <a:buNone/>
+              <a:defRPr sz="1600" b="1"/>
+            </a:lvl7pPr>
+            <a:lvl8pPr marL="3200400" indent="0">
+              <a:buNone/>
+              <a:defRPr sz="1600" b="1"/>
+            </a:lvl8pPr>
+            <a:lvl9pPr marL="3657600" indent="0">
+              <a:buNone/>
+              <a:defRPr sz="1600" b="1"/>
+            </a:lvl9pPr>
+          </a:lstStyle>
+          <a:p>
+            <a:pPr lvl="0"/>
+            <a:r>
+              <a:rPr lang="en-US"/>
+              <a:t>Click to edit Master text styles</a:t>
+            </a:r>
+          </a:p>
+        </p:txBody>
+      </p:sp>
+      <p:sp>
+        <p:nvSpPr>
+          <p:cNvPr id="10" name="Text Placeholder 3"/>
+          <p:cNvSpPr>
+            <a:spLocks noGrp="1"/>
+          </p:cNvSpPr>
+          <p:nvPr>
+            <p:ph type="body" sz="half" idx="16"/>
+          </p:nvPr>
+        </p:nvSpPr>
+        <p:spPr>
+          <a:xfrm>
+            <a:off x="4441435" y="2571750"/>
+            <a:ext cx="3300984" cy="3219450"/>
+          </a:xfrm>
+        </p:spPr>
+        <p:txBody>
+          <a:bodyPr anchor="t">
+            <a:normAutofit/>
+          </a:bodyPr>
+          <a:lstStyle>
+            <a:lvl1pPr marL="0" indent="0" algn="ctr">
+              <a:buNone/>
+              <a:defRPr sz="1400"/>
+            </a:lvl1pPr>
+            <a:lvl2pPr marL="457200" indent="0">
+              <a:buNone/>
+              <a:defRPr sz="1200"/>
+            </a:lvl2pPr>
+            <a:lvl3pPr marL="914400" indent="0">
+              <a:buNone/>
+              <a:defRPr sz="1000"/>
+            </a:lvl3pPr>
+            <a:lvl4pPr marL="1371600" indent="0">
+              <a:buNone/>
+              <a:defRPr sz="900"/>
+            </a:lvl4pPr>
+            <a:lvl5pPr marL="1828800" indent="0">
+              <a:buNone/>
+              <a:defRPr sz="900"/>
+            </a:lvl5pPr>
+            <a:lvl6pPr marL="2286000" indent="0">
+              <a:buNone/>
+              <a:defRPr sz="900"/>
+            </a:lvl6pPr>
+            <a:lvl7pPr marL="2743200" indent="0">
+              <a:buNone/>
+              <a:defRPr sz="900"/>
+            </a:lvl7pPr>
+            <a:lvl8pPr marL="3200400" indent="0">
+              <a:buNone/>
+              <a:defRPr sz="900"/>
+            </a:lvl8pPr>
+            <a:lvl9pPr marL="3657600" indent="0">
+              <a:buNone/>
+              <a:defRPr sz="900"/>
+            </a:lvl9pPr>
+          </a:lstStyle>
+          <a:p>
+            <a:pPr lvl="0"/>
+            <a:r>
+              <a:rPr lang="en-US"/>
+              <a:t>Click to edit Master text styles</a:t>
+            </a:r>
+          </a:p>
+        </p:txBody>
+      </p:sp>
+      <p:sp>
+        <p:nvSpPr>
+          <p:cNvPr id="11" name="Text Placeholder 4"/>
+          <p:cNvSpPr>
+            <a:spLocks noGrp="1"/>
+          </p:cNvSpPr>
+          <p:nvPr>
+            <p:ph type="body" sz="quarter" idx="13"/>
+          </p:nvPr>
+        </p:nvSpPr>
+        <p:spPr>
+          <a:xfrm>
+            <a:off x="7966572" y="1885950"/>
+            <a:ext cx="3300984" cy="576262"/>
+          </a:xfrm>
+        </p:spPr>
+        <p:txBody>
+          <a:bodyPr anchor="b">
+            <a:noAutofit/>
+          </a:bodyPr>
+          <a:lstStyle>
+            <a:lvl1pPr marL="0" indent="0" algn="ctr">
+              <a:buNone/>
+              <a:defRPr sz="2400" b="0">
+                <a:solidFill>
+                  <a:schemeClr val="tx1"/>
+                </a:solidFill>
+              </a:defRPr>
+            </a:lvl1pPr>
+            <a:lvl2pPr marL="457200" indent="0">
+              <a:buNone/>
+              <a:defRPr sz="2000" b="1"/>
+            </a:lvl2pPr>
+            <a:lvl3pPr marL="914400" indent="0">
+              <a:buNone/>
+              <a:defRPr sz="1800" b="1"/>
+            </a:lvl3pPr>
+            <a:lvl4pPr marL="1371600" indent="0">
+              <a:buNone/>
+              <a:defRPr sz="1600" b="1"/>
+            </a:lvl4pPr>
+            <a:lvl5pPr marL="1828800" indent="0">
+              <a:buNone/>
+              <a:defRPr sz="1600" b="1"/>
+            </a:lvl5pPr>
+            <a:lvl6pPr marL="2286000" indent="0">
+              <a:buNone/>
+              <a:defRPr sz="1600" b="1"/>
+            </a:lvl6pPr>
+            <a:lvl7pPr marL="2743200" indent="0">
+              <a:buNone/>
+              <a:defRPr sz="1600" b="1"/>
+            </a:lvl7pPr>
+            <a:lvl8pPr marL="3200400" indent="0">
+              <a:buNone/>
+              <a:defRPr sz="1600" b="1"/>
+            </a:lvl8pPr>
+            <a:lvl9pPr marL="3657600" indent="0">
+              <a:buNone/>
+              <a:defRPr sz="1600" b="1"/>
+            </a:lvl9pPr>
+          </a:lstStyle>
+          <a:p>
+            <a:pPr lvl="0"/>
+            <a:r>
+              <a:rPr lang="en-US"/>
+              <a:t>Click to edit Master text styles</a:t>
+            </a:r>
+          </a:p>
+        </p:txBody>
+      </p:sp>
+      <p:sp>
+        <p:nvSpPr>
+          <p:cNvPr id="12" name="Text Placeholder 3"/>
+          <p:cNvSpPr>
+            <a:spLocks noGrp="1"/>
+          </p:cNvSpPr>
+          <p:nvPr>
+            <p:ph type="body" sz="half" idx="17"/>
+          </p:nvPr>
+        </p:nvSpPr>
+        <p:spPr>
+          <a:xfrm>
+            <a:off x="7966572" y="2571750"/>
+            <a:ext cx="3300984" cy="3219450"/>
+          </a:xfrm>
+        </p:spPr>
+        <p:txBody>
+          <a:bodyPr anchor="t">
+            <a:normAutofit/>
+          </a:bodyPr>
+          <a:lstStyle>
+            <a:lvl1pPr marL="0" indent="0" algn="ctr">
+              <a:buNone/>
+              <a:defRPr sz="1400"/>
+            </a:lvl1pPr>
+            <a:lvl2pPr marL="457200" indent="0">
+              <a:buNone/>
+              <a:defRPr sz="1200"/>
+            </a:lvl2pPr>
+            <a:lvl3pPr marL="914400" indent="0">
+              <a:buNone/>
+              <a:defRPr sz="1000"/>
+            </a:lvl3pPr>
+            <a:lvl4pPr marL="1371600" indent="0">
+              <a:buNone/>
+              <a:defRPr sz="900"/>
+            </a:lvl4pPr>
+            <a:lvl5pPr marL="1828800" indent="0">
+              <a:buNone/>
+              <a:defRPr sz="900"/>
+            </a:lvl5pPr>
+            <a:lvl6pPr marL="2286000" indent="0">
+              <a:buNone/>
+              <a:defRPr sz="900"/>
+            </a:lvl6pPr>
+            <a:lvl7pPr marL="2743200" indent="0">
+              <a:buNone/>
+              <a:defRPr sz="900"/>
+            </a:lvl7pPr>
+            <a:lvl8pPr marL="3200400" indent="0">
+              <a:buNone/>
+              <a:defRPr sz="900"/>
+            </a:lvl8pPr>
+            <a:lvl9pPr marL="3657600" indent="0">
+              <a:buNone/>
+              <a:defRPr sz="900"/>
+            </a:lvl9pPr>
+          </a:lstStyle>
+          <a:p>
+            <a:pPr lvl="0"/>
+            <a:r>
+              <a:rPr lang="en-US"/>
+              <a:t>Click to edit Master text styles</a:t>
+            </a:r>
+          </a:p>
+        </p:txBody>
+      </p:sp>
+      <p:sp>
+        <p:nvSpPr>
+          <p:cNvPr id="3" name="Date Placeholder 2"/>
+          <p:cNvSpPr>
+            <a:spLocks noGrp="1"/>
+          </p:cNvSpPr>
+          <p:nvPr>
+            <p:ph type="dt" sz="half" idx="10"/>
+          </p:nvPr>
+        </p:nvSpPr>
+        <p:spPr/>
+        <p:txBody>
+          <a:bodyPr/>
+          <a:lstStyle/>
+          <a:p>
+            <a:fld id="{92B336C5-86E9-42E2-A63F-0C75CEEC0EAF}" type="datetimeFigureOut">
+              <a:rPr lang="en-US" smtClean="0"/>
+              <a:t>7/17/2023</a:t>
+            </a:fld>
+            <a:endParaRPr lang="en-US"/>
+          </a:p>
+        </p:txBody>
+      </p:sp>
+      <p:sp>
+        <p:nvSpPr>
+          <p:cNvPr id="4" name="Footer Placeholder 3"/>
+          <p:cNvSpPr>
+            <a:spLocks noGrp="1"/>
+          </p:cNvSpPr>
+          <p:nvPr>
+            <p:ph type="ftr" sz="quarter" idx="11"/>
+          </p:nvPr>
+        </p:nvSpPr>
+        <p:spPr/>
+        <p:txBody>
+          <a:bodyPr/>
+          <a:lstStyle/>
+          <a:p>
+            <a:endParaRPr lang="en-US"/>
+          </a:p>
+        </p:txBody>
+      </p:sp>
+      <p:sp>
+        <p:nvSpPr>
+          <p:cNvPr id="5" name="Slide Number Placeholder 4"/>
+          <p:cNvSpPr>
+            <a:spLocks noGrp="1"/>
+          </p:cNvSpPr>
+          <p:nvPr>
+            <p:ph type="sldNum" sz="quarter" idx="12"/>
+          </p:nvPr>
+        </p:nvSpPr>
+        <p:spPr/>
+        <p:txBody>
+          <a:bodyPr/>
+          <a:lstStyle/>
+          <a:p>
+            <a:fld id="{F5A4624F-BCFF-4455-9737-4467BE9D44EC}" type="slidenum">
+              <a:rPr lang="en-US" smtClean="0"/>
+              <a:t>‹#›</a:t>
+            </a:fld>
+            <a:endParaRPr lang="en-US"/>
+          </a:p>
+        </p:txBody>
+      </p:sp>
+    </p:spTree>
+    <p:extLst>
+      <p:ext uri="{BB962C8B-B14F-4D97-AF65-F5344CB8AC3E}">
+        <p14:creationId xmlns:p14="http://schemas.microsoft.com/office/powerpoint/2010/main" val="4046219361"/>
+      </p:ext>
+    </p:extLst>
+  </p:cSld>
+  <p:clrMapOvr>
+    <a:masterClrMapping/>
+  </p:clrMapOvr>
+</p:sldLayout>
+</file>
+
+<file path=ppt/slideLayouts/slideLayout15.xml><?xml version="1.0" encoding="utf-8"?>
+<p:sldLayout xmlns:a="http://schemas.openxmlformats.org/drawingml/2006/main" xmlns:r="http://schemas.openxmlformats.org/officeDocument/2006/relationships" xmlns:p="http://schemas.openxmlformats.org/presentationml/2006/main" preserve="1">
+  <p:cSld name="3 Picture Column">
+    <p:spTree>
+      <p:nvGrpSpPr>
+        <p:cNvPr id="1" name=""/>
+        <p:cNvGrpSpPr/>
+        <p:nvPr/>
+      </p:nvGrpSpPr>
+      <p:grpSpPr>
+        <a:xfrm>
+          <a:off x="0" y="0"/>
+          <a:ext cx="0" cy="0"/>
+          <a:chOff x="0" y="0"/>
+          <a:chExt cx="0" cy="0"/>
+        </a:xfrm>
+      </p:grpSpPr>
+      <p:pic>
+        <p:nvPicPr>
+          <p:cNvPr id="2" name="Picture 1" descr="Slate-V2-HD-3colPhotoInset.png"/>
+          <p:cNvPicPr>
+            <a:picLocks noChangeAspect="1"/>
+          </p:cNvPicPr>
+          <p:nvPr/>
+        </p:nvPicPr>
+        <p:blipFill>
+          <a:blip r:embed="rId2">
+            <a:extLst>
+              <a:ext uri="{28A0092B-C50C-407E-A947-70E740481C1C}">
+                <a14:useLocalDpi xmlns:a14="http://schemas.microsoft.com/office/drawing/2010/main" val="0"/>
+              </a:ext>
+            </a:extLst>
+          </a:blip>
+          <a:stretch>
+            <a:fillRect/>
+          </a:stretch>
+        </p:blipFill>
+        <p:spPr>
+          <a:xfrm>
+            <a:off x="897962" y="1818214"/>
+            <a:ext cx="3339972" cy="1847851"/>
+          </a:xfrm>
+          <a:prstGeom prst="rect">
+            <a:avLst/>
+          </a:prstGeom>
+        </p:spPr>
+      </p:pic>
+      <p:pic>
+        <p:nvPicPr>
+          <p:cNvPr id="36" name="Picture 35" descr="Slate-V2-HD-3colPhotoInset.png"/>
+          <p:cNvPicPr>
+            <a:picLocks noChangeAspect="1"/>
+          </p:cNvPicPr>
+          <p:nvPr/>
+        </p:nvPicPr>
+        <p:blipFill>
+          <a:blip r:embed="rId2">
+            <a:extLst>
+              <a:ext uri="{28A0092B-C50C-407E-A947-70E740481C1C}">
+                <a14:useLocalDpi xmlns:a14="http://schemas.microsoft.com/office/drawing/2010/main" val="0"/>
+              </a:ext>
+            </a:extLst>
+          </a:blip>
+          <a:stretch>
+            <a:fillRect/>
+          </a:stretch>
+        </p:blipFill>
+        <p:spPr>
+          <a:xfrm>
+            <a:off x="4403800" y="1818214"/>
+            <a:ext cx="3339972" cy="1847851"/>
+          </a:xfrm>
+          <a:prstGeom prst="rect">
+            <a:avLst/>
+          </a:prstGeom>
+        </p:spPr>
+      </p:pic>
+      <p:pic>
+        <p:nvPicPr>
+          <p:cNvPr id="37" name="Picture 36" descr="Slate-V2-HD-3colPhotoInset.png"/>
+          <p:cNvPicPr>
+            <a:picLocks noChangeAspect="1"/>
+          </p:cNvPicPr>
+          <p:nvPr/>
+        </p:nvPicPr>
+        <p:blipFill>
+          <a:blip r:embed="rId2">
+            <a:extLst>
+              <a:ext uri="{28A0092B-C50C-407E-A947-70E740481C1C}">
+                <a14:useLocalDpi xmlns:a14="http://schemas.microsoft.com/office/drawing/2010/main" val="0"/>
+              </a:ext>
+            </a:extLst>
+          </a:blip>
+          <a:stretch>
+            <a:fillRect/>
+          </a:stretch>
+        </p:blipFill>
+        <p:spPr>
+          <a:xfrm>
+            <a:off x="7936051" y="1818214"/>
+            <a:ext cx="3339972" cy="1847851"/>
+          </a:xfrm>
+          <a:prstGeom prst="rect">
+            <a:avLst/>
+          </a:prstGeom>
+        </p:spPr>
+      </p:pic>
+      <p:sp>
+        <p:nvSpPr>
+          <p:cNvPr id="30" name="Title 1"/>
+          <p:cNvSpPr>
+            <a:spLocks noGrp="1"/>
+          </p:cNvSpPr>
+          <p:nvPr>
+            <p:ph type="title"/>
+          </p:nvPr>
+        </p:nvSpPr>
+        <p:spPr>
+          <a:xfrm>
+            <a:off x="913794" y="609600"/>
+            <a:ext cx="10353763" cy="970450"/>
+          </a:xfrm>
+        </p:spPr>
+        <p:txBody>
+          <a:bodyPr/>
+          <a:lstStyle/>
+          <a:p>
+            <a:r>
+              <a:rPr lang="en-US"/>
+              <a:t>Click to edit Master title style</a:t>
+            </a:r>
+            <a:endParaRPr lang="en-US" dirty="0"/>
+          </a:p>
+        </p:txBody>
+      </p:sp>
+      <p:sp>
+        <p:nvSpPr>
+          <p:cNvPr id="19" name="Text Placeholder 2"/>
+          <p:cNvSpPr>
+            <a:spLocks noGrp="1"/>
+          </p:cNvSpPr>
+          <p:nvPr>
+            <p:ph type="body" idx="1"/>
+          </p:nvPr>
+        </p:nvSpPr>
+        <p:spPr>
+          <a:xfrm>
+            <a:off x="913795" y="3904106"/>
+            <a:ext cx="3300984" cy="576262"/>
+          </a:xfrm>
+        </p:spPr>
+        <p:txBody>
+          <a:bodyPr anchor="b">
+            <a:noAutofit/>
+          </a:bodyPr>
+          <a:lstStyle>
+            <a:lvl1pPr marL="0" indent="0" algn="ctr">
+              <a:buNone/>
+              <a:defRPr sz="2000" b="0">
+                <a:solidFill>
+                  <a:schemeClr val="tx1"/>
+                </a:solidFill>
+              </a:defRPr>
+            </a:lvl1pPr>
+            <a:lvl2pPr marL="457200" indent="0">
+              <a:buNone/>
+              <a:defRPr sz="2000" b="1"/>
+            </a:lvl2pPr>
+            <a:lvl3pPr marL="914400" indent="0">
+              <a:buNone/>
+              <a:defRPr sz="1800" b="1"/>
+            </a:lvl3pPr>
+            <a:lvl4pPr marL="1371600" indent="0">
+              <a:buNone/>
+              <a:defRPr sz="1600" b="1"/>
+            </a:lvl4pPr>
+            <a:lvl5pPr marL="1828800" indent="0">
+              <a:buNone/>
+              <a:defRPr sz="1600" b="1"/>
+            </a:lvl5pPr>
+            <a:lvl6pPr marL="2286000" indent="0">
+              <a:buNone/>
+              <a:defRPr sz="1600" b="1"/>
+            </a:lvl6pPr>
+            <a:lvl7pPr marL="2743200" indent="0">
+              <a:buNone/>
+              <a:defRPr sz="1600" b="1"/>
+            </a:lvl7pPr>
+            <a:lvl8pPr marL="3200400" indent="0">
+              <a:buNone/>
+              <a:defRPr sz="1600" b="1"/>
+            </a:lvl8pPr>
+            <a:lvl9pPr marL="3657600" indent="0">
+              <a:buNone/>
+              <a:defRPr sz="1600" b="1"/>
+            </a:lvl9pPr>
+          </a:lstStyle>
+          <a:p>
+            <a:pPr lvl="0"/>
+            <a:r>
+              <a:rPr lang="en-US"/>
+              <a:t>Click to edit Master text styles</a:t>
+            </a:r>
+          </a:p>
+        </p:txBody>
+      </p:sp>
+      <p:sp>
+        <p:nvSpPr>
+          <p:cNvPr id="20" name="Picture Placeholder 2"/>
+          <p:cNvSpPr>
+            <a:spLocks noGrp="1" noChangeAspect="1"/>
+          </p:cNvSpPr>
+          <p:nvPr>
+            <p:ph type="pic" idx="15"/>
+          </p:nvPr>
+        </p:nvSpPr>
+        <p:spPr>
+          <a:xfrm>
+            <a:off x="1018102" y="1938918"/>
+            <a:ext cx="3092368" cy="1602954"/>
+          </a:xfrm>
+          <a:prstGeom prst="roundRect">
+            <a:avLst>
+              <a:gd name="adj" fmla="val 1858"/>
+            </a:avLst>
+          </a:prstGeom>
+          <a:effectLst>
+            <a:outerShdw blurRad="38100" dist="25400" dir="4440000">
+              <a:srgbClr val="000000">
+                <a:alpha val="36000"/>
+              </a:srgbClr>
+            </a:outerShdw>
+          </a:effectLst>
+        </p:spPr>
+        <p:txBody>
+          <a:bodyPr anchor="t">
+            <a:normAutofit/>
+          </a:bodyPr>
+          <a:lstStyle>
+            <a:lvl1pPr marL="0" indent="0" algn="ctr">
+              <a:buNone/>
+              <a:defRPr sz="1600"/>
+            </a:lvl1pPr>
+            <a:lvl2pPr marL="457200" indent="0">
+              <a:buNone/>
+              <a:defRPr sz="1600"/>
+            </a:lvl2pPr>
+            <a:lvl3pPr marL="914400" indent="0">
+              <a:buNone/>
+              <a:defRPr sz="1600"/>
+            </a:lvl3pPr>
+            <a:lvl4pPr marL="1371600" indent="0">
+              <a:buNone/>
+              <a:defRPr sz="1600"/>
+            </a:lvl4pPr>
+            <a:lvl5pPr marL="1828800" indent="0">
+              <a:buNone/>
+              <a:defRPr sz="1600"/>
+            </a:lvl5pPr>
+            <a:lvl6pPr marL="2286000" indent="0">
+              <a:buNone/>
+              <a:defRPr sz="1600"/>
+            </a:lvl6pPr>
+            <a:lvl7pPr marL="2743200" indent="0">
+              <a:buNone/>
+              <a:defRPr sz="1600"/>
+            </a:lvl7pPr>
+            <a:lvl8pPr marL="3200400" indent="0">
+              <a:buNone/>
+              <a:defRPr sz="1600"/>
+            </a:lvl8pPr>
+            <a:lvl9pPr marL="3657600" indent="0">
+              <a:buNone/>
+              <a:defRPr sz="1600"/>
+            </a:lvl9pPr>
+          </a:lstStyle>
+          <a:p>
+            <a:r>
+              <a:rPr lang="en-US"/>
+              <a:t>Click icon to add picture</a:t>
+            </a:r>
+            <a:endParaRPr lang="en-US" dirty="0"/>
+          </a:p>
+        </p:txBody>
+      </p:sp>
+      <p:sp>
+        <p:nvSpPr>
+          <p:cNvPr id="21" name="Text Placeholder 3"/>
+          <p:cNvSpPr>
+            <a:spLocks noGrp="1"/>
+          </p:cNvSpPr>
+          <p:nvPr>
+            <p:ph type="body" sz="half" idx="18"/>
+          </p:nvPr>
+        </p:nvSpPr>
+        <p:spPr>
+          <a:xfrm>
+            <a:off x="913795" y="4480368"/>
+            <a:ext cx="3300984" cy="1310833"/>
+          </a:xfrm>
+        </p:spPr>
+        <p:txBody>
+          <a:bodyPr anchor="t">
+            <a:normAutofit/>
+          </a:bodyPr>
+          <a:lstStyle>
+            <a:lvl1pPr marL="0" indent="0" algn="ctr">
+              <a:buNone/>
+              <a:defRPr sz="1400"/>
+            </a:lvl1pPr>
+            <a:lvl2pPr marL="457200" indent="0">
+              <a:buNone/>
+              <a:defRPr sz="1200"/>
+            </a:lvl2pPr>
+            <a:lvl3pPr marL="914400" indent="0">
+              <a:buNone/>
+              <a:defRPr sz="1000"/>
+            </a:lvl3pPr>
+            <a:lvl4pPr marL="1371600" indent="0">
+              <a:buNone/>
+              <a:defRPr sz="900"/>
+            </a:lvl4pPr>
+            <a:lvl5pPr marL="1828800" indent="0">
+              <a:buNone/>
+              <a:defRPr sz="900"/>
+            </a:lvl5pPr>
+            <a:lvl6pPr marL="2286000" indent="0">
+              <a:buNone/>
+              <a:defRPr sz="900"/>
+            </a:lvl6pPr>
+            <a:lvl7pPr marL="2743200" indent="0">
+              <a:buNone/>
+              <a:defRPr sz="900"/>
+            </a:lvl7pPr>
+            <a:lvl8pPr marL="3200400" indent="0">
+              <a:buNone/>
+              <a:defRPr sz="900"/>
+            </a:lvl8pPr>
+            <a:lvl9pPr marL="3657600" indent="0">
+              <a:buNone/>
+              <a:defRPr sz="900"/>
+            </a:lvl9pPr>
+          </a:lstStyle>
+          <a:p>
+            <a:pPr lvl="0"/>
+            <a:r>
+              <a:rPr lang="en-US"/>
+              <a:t>Click to edit Master text styles</a:t>
+            </a:r>
+          </a:p>
+        </p:txBody>
+      </p:sp>
+      <p:sp>
+        <p:nvSpPr>
+          <p:cNvPr id="22" name="Text Placeholder 4"/>
+          <p:cNvSpPr>
+            <a:spLocks noGrp="1"/>
+          </p:cNvSpPr>
+          <p:nvPr>
+            <p:ph type="body" sz="quarter" idx="3"/>
+          </p:nvPr>
+        </p:nvSpPr>
+        <p:spPr>
+          <a:xfrm>
+            <a:off x="4442788" y="3904106"/>
+            <a:ext cx="3300984" cy="576262"/>
+          </a:xfrm>
+        </p:spPr>
+        <p:txBody>
+          <a:bodyPr anchor="b">
+            <a:noAutofit/>
+          </a:bodyPr>
+          <a:lstStyle>
+            <a:lvl1pPr marL="0" indent="0" algn="ctr">
+              <a:buNone/>
+              <a:defRPr sz="2000" b="0">
+                <a:solidFill>
+                  <a:schemeClr val="tx1"/>
+                </a:solidFill>
+              </a:defRPr>
+            </a:lvl1pPr>
+            <a:lvl2pPr marL="457200" indent="0">
+              <a:buNone/>
+              <a:defRPr sz="2000" b="1"/>
+            </a:lvl2pPr>
+            <a:lvl3pPr marL="914400" indent="0">
+              <a:buNone/>
+              <a:defRPr sz="1800" b="1"/>
+            </a:lvl3pPr>
+            <a:lvl4pPr marL="1371600" indent="0">
+              <a:buNone/>
+              <a:defRPr sz="1600" b="1"/>
+            </a:lvl4pPr>
+            <a:lvl5pPr marL="1828800" indent="0">
+              <a:buNone/>
+              <a:defRPr sz="1600" b="1"/>
+            </a:lvl5pPr>
+            <a:lvl6pPr marL="2286000" indent="0">
+              <a:buNone/>
+              <a:defRPr sz="1600" b="1"/>
+            </a:lvl6pPr>
+            <a:lvl7pPr marL="2743200" indent="0">
+              <a:buNone/>
+              <a:defRPr sz="1600" b="1"/>
+            </a:lvl7pPr>
+            <a:lvl8pPr marL="3200400" indent="0">
+              <a:buNone/>
+              <a:defRPr sz="1600" b="1"/>
+            </a:lvl8pPr>
+            <a:lvl9pPr marL="3657600" indent="0">
+              <a:buNone/>
+              <a:defRPr sz="1600" b="1"/>
+            </a:lvl9pPr>
+          </a:lstStyle>
+          <a:p>
+            <a:pPr lvl="0"/>
+            <a:r>
+              <a:rPr lang="en-US"/>
+              <a:t>Click to edit Master text styles</a:t>
+            </a:r>
+          </a:p>
+        </p:txBody>
+      </p:sp>
+      <p:sp>
+        <p:nvSpPr>
+          <p:cNvPr id="23" name="Picture Placeholder 2"/>
+          <p:cNvSpPr>
+            <a:spLocks noGrp="1" noChangeAspect="1"/>
+          </p:cNvSpPr>
+          <p:nvPr>
+            <p:ph type="pic" idx="21"/>
+          </p:nvPr>
+        </p:nvSpPr>
+        <p:spPr>
+          <a:xfrm>
+            <a:off x="4545743" y="1939094"/>
+            <a:ext cx="3092368" cy="1608164"/>
+          </a:xfrm>
+          <a:prstGeom prst="roundRect">
+            <a:avLst>
+              <a:gd name="adj" fmla="val 1858"/>
+            </a:avLst>
+          </a:prstGeom>
+          <a:effectLst>
+            <a:outerShdw blurRad="38100" dist="25400" dir="4440000">
+              <a:srgbClr val="000000">
+                <a:alpha val="36000"/>
+              </a:srgbClr>
+            </a:outerShdw>
+          </a:effectLst>
+        </p:spPr>
+        <p:txBody>
+          <a:bodyPr anchor="t">
+            <a:normAutofit/>
+          </a:bodyPr>
+          <a:lstStyle>
+            <a:lvl1pPr marL="0" indent="0" algn="ctr">
+              <a:buNone/>
+              <a:defRPr sz="1600"/>
+            </a:lvl1pPr>
+            <a:lvl2pPr marL="457200" indent="0">
+              <a:buNone/>
+              <a:defRPr sz="1600"/>
+            </a:lvl2pPr>
+            <a:lvl3pPr marL="914400" indent="0">
+              <a:buNone/>
+              <a:defRPr sz="1600"/>
+            </a:lvl3pPr>
+            <a:lvl4pPr marL="1371600" indent="0">
+              <a:buNone/>
+              <a:defRPr sz="1600"/>
+            </a:lvl4pPr>
+            <a:lvl5pPr marL="1828800" indent="0">
+              <a:buNone/>
+              <a:defRPr sz="1600"/>
+            </a:lvl5pPr>
+            <a:lvl6pPr marL="2286000" indent="0">
+              <a:buNone/>
+              <a:defRPr sz="1600"/>
+            </a:lvl6pPr>
+            <a:lvl7pPr marL="2743200" indent="0">
+              <a:buNone/>
+              <a:defRPr sz="1600"/>
+            </a:lvl7pPr>
+            <a:lvl8pPr marL="3200400" indent="0">
+              <a:buNone/>
+              <a:defRPr sz="1600"/>
+            </a:lvl8pPr>
+            <a:lvl9pPr marL="3657600" indent="0">
+              <a:buNone/>
+              <a:defRPr sz="1600"/>
+            </a:lvl9pPr>
+          </a:lstStyle>
+          <a:p>
+            <a:r>
+              <a:rPr lang="en-US"/>
+              <a:t>Click icon to add picture</a:t>
+            </a:r>
+            <a:endParaRPr lang="en-US" dirty="0"/>
+          </a:p>
+        </p:txBody>
+      </p:sp>
+      <p:sp>
+        <p:nvSpPr>
+          <p:cNvPr id="24" name="Text Placeholder 3"/>
+          <p:cNvSpPr>
+            <a:spLocks noGrp="1"/>
+          </p:cNvSpPr>
+          <p:nvPr>
+            <p:ph type="body" sz="half" idx="19"/>
+          </p:nvPr>
+        </p:nvSpPr>
+        <p:spPr>
+          <a:xfrm>
+            <a:off x="4441435" y="4480367"/>
+            <a:ext cx="3300984" cy="1310833"/>
+          </a:xfrm>
+        </p:spPr>
+        <p:txBody>
+          <a:bodyPr anchor="t">
+            <a:normAutofit/>
+          </a:bodyPr>
+          <a:lstStyle>
+            <a:lvl1pPr marL="0" indent="0" algn="ctr">
+              <a:buNone/>
+              <a:defRPr sz="1400"/>
+            </a:lvl1pPr>
+            <a:lvl2pPr marL="457200" indent="0">
+              <a:buNone/>
+              <a:defRPr sz="1200"/>
+            </a:lvl2pPr>
+            <a:lvl3pPr marL="914400" indent="0">
+              <a:buNone/>
+              <a:defRPr sz="1000"/>
+            </a:lvl3pPr>
+            <a:lvl4pPr marL="1371600" indent="0">
+              <a:buNone/>
+              <a:defRPr sz="900"/>
+            </a:lvl4pPr>
+            <a:lvl5pPr marL="1828800" indent="0">
+              <a:buNone/>
+              <a:defRPr sz="900"/>
+            </a:lvl5pPr>
+            <a:lvl6pPr marL="2286000" indent="0">
+              <a:buNone/>
+              <a:defRPr sz="900"/>
+            </a:lvl6pPr>
+            <a:lvl7pPr marL="2743200" indent="0">
+              <a:buNone/>
+              <a:defRPr sz="900"/>
+            </a:lvl7pPr>
+            <a:lvl8pPr marL="3200400" indent="0">
+              <a:buNone/>
+              <a:defRPr sz="900"/>
+            </a:lvl8pPr>
+            <a:lvl9pPr marL="3657600" indent="0">
+              <a:buNone/>
+              <a:defRPr sz="900"/>
+            </a:lvl9pPr>
+          </a:lstStyle>
+          <a:p>
+            <a:pPr lvl="0"/>
+            <a:r>
+              <a:rPr lang="en-US"/>
+              <a:t>Click to edit Master text styles</a:t>
+            </a:r>
+          </a:p>
+        </p:txBody>
+      </p:sp>
+      <p:sp>
+        <p:nvSpPr>
+          <p:cNvPr id="25" name="Text Placeholder 4"/>
+          <p:cNvSpPr>
+            <a:spLocks noGrp="1"/>
+          </p:cNvSpPr>
+          <p:nvPr>
+            <p:ph type="body" sz="quarter" idx="13"/>
+          </p:nvPr>
+        </p:nvSpPr>
+        <p:spPr>
+          <a:xfrm>
+            <a:off x="7966697" y="3904106"/>
+            <a:ext cx="3300984" cy="576262"/>
+          </a:xfrm>
+        </p:spPr>
+        <p:txBody>
+          <a:bodyPr anchor="b">
+            <a:noAutofit/>
+          </a:bodyPr>
+          <a:lstStyle>
+            <a:lvl1pPr marL="0" indent="0" algn="ctr">
+              <a:buNone/>
+              <a:defRPr sz="2000" b="0">
+                <a:solidFill>
+                  <a:schemeClr val="tx1"/>
+                </a:solidFill>
+              </a:defRPr>
+            </a:lvl1pPr>
+            <a:lvl2pPr marL="457200" indent="0">
+              <a:buNone/>
+              <a:defRPr sz="2000" b="1"/>
+            </a:lvl2pPr>
+            <a:lvl3pPr marL="914400" indent="0">
+              <a:buNone/>
+              <a:defRPr sz="1800" b="1"/>
+            </a:lvl3pPr>
+            <a:lvl4pPr marL="1371600" indent="0">
+              <a:buNone/>
+              <a:defRPr sz="1600" b="1"/>
+            </a:lvl4pPr>
+            <a:lvl5pPr marL="1828800" indent="0">
+              <a:buNone/>
+              <a:defRPr sz="1600" b="1"/>
+            </a:lvl5pPr>
+            <a:lvl6pPr marL="2286000" indent="0">
+              <a:buNone/>
+              <a:defRPr sz="1600" b="1"/>
+            </a:lvl6pPr>
+            <a:lvl7pPr marL="2743200" indent="0">
+              <a:buNone/>
+              <a:defRPr sz="1600" b="1"/>
+            </a:lvl7pPr>
+            <a:lvl8pPr marL="3200400" indent="0">
+              <a:buNone/>
+              <a:defRPr sz="1600" b="1"/>
+            </a:lvl8pPr>
+            <a:lvl9pPr marL="3657600" indent="0">
+              <a:buNone/>
+              <a:defRPr sz="1600" b="1"/>
+            </a:lvl9pPr>
+          </a:lstStyle>
+          <a:p>
+            <a:pPr lvl="0"/>
+            <a:r>
+              <a:rPr lang="en-US"/>
+              <a:t>Click to edit Master text styles</a:t>
+            </a:r>
+          </a:p>
+        </p:txBody>
+      </p:sp>
+      <p:sp>
+        <p:nvSpPr>
+          <p:cNvPr id="26" name="Picture Placeholder 2"/>
+          <p:cNvSpPr>
+            <a:spLocks noGrp="1" noChangeAspect="1"/>
+          </p:cNvSpPr>
+          <p:nvPr>
+            <p:ph type="pic" idx="22"/>
+          </p:nvPr>
+        </p:nvSpPr>
+        <p:spPr>
+          <a:xfrm>
+            <a:off x="8075698" y="1934432"/>
+            <a:ext cx="3092368" cy="1607294"/>
+          </a:xfrm>
+          <a:prstGeom prst="roundRect">
+            <a:avLst>
+              <a:gd name="adj" fmla="val 1858"/>
+            </a:avLst>
+          </a:prstGeom>
+          <a:effectLst>
+            <a:outerShdw blurRad="38100" dist="25400" dir="4440000">
+              <a:srgbClr val="000000">
+                <a:alpha val="36000"/>
+              </a:srgbClr>
+            </a:outerShdw>
+          </a:effectLst>
+        </p:spPr>
+        <p:txBody>
+          <a:bodyPr anchor="t">
+            <a:normAutofit/>
+          </a:bodyPr>
+          <a:lstStyle>
+            <a:lvl1pPr marL="0" indent="0" algn="ctr">
+              <a:buNone/>
+              <a:defRPr sz="1600"/>
+            </a:lvl1pPr>
+            <a:lvl2pPr marL="457200" indent="0">
+              <a:buNone/>
+              <a:defRPr sz="1600"/>
+            </a:lvl2pPr>
+            <a:lvl3pPr marL="914400" indent="0">
+              <a:buNone/>
+              <a:defRPr sz="1600"/>
+            </a:lvl3pPr>
+            <a:lvl4pPr marL="1371600" indent="0">
+              <a:buNone/>
+              <a:defRPr sz="1600"/>
+            </a:lvl4pPr>
+            <a:lvl5pPr marL="1828800" indent="0">
+              <a:buNone/>
+              <a:defRPr sz="1600"/>
+            </a:lvl5pPr>
+            <a:lvl6pPr marL="2286000" indent="0">
+              <a:buNone/>
+              <a:defRPr sz="1600"/>
+            </a:lvl6pPr>
+            <a:lvl7pPr marL="2743200" indent="0">
+              <a:buNone/>
+              <a:defRPr sz="1600"/>
+            </a:lvl7pPr>
+            <a:lvl8pPr marL="3200400" indent="0">
+              <a:buNone/>
+              <a:defRPr sz="1600"/>
+            </a:lvl8pPr>
+            <a:lvl9pPr marL="3657600" indent="0">
+              <a:buNone/>
+              <a:defRPr sz="1600"/>
+            </a:lvl9pPr>
+          </a:lstStyle>
+          <a:p>
+            <a:r>
+              <a:rPr lang="en-US"/>
+              <a:t>Click icon to add picture</a:t>
+            </a:r>
+            <a:endParaRPr lang="en-US" dirty="0"/>
+          </a:p>
+        </p:txBody>
+      </p:sp>
+      <p:sp>
+        <p:nvSpPr>
+          <p:cNvPr id="27" name="Text Placeholder 3"/>
+          <p:cNvSpPr>
+            <a:spLocks noGrp="1"/>
+          </p:cNvSpPr>
+          <p:nvPr>
+            <p:ph type="body" sz="half" idx="20"/>
+          </p:nvPr>
+        </p:nvSpPr>
+        <p:spPr>
+          <a:xfrm>
+            <a:off x="7966572" y="4480365"/>
+            <a:ext cx="3300984" cy="1310835"/>
+          </a:xfrm>
+        </p:spPr>
+        <p:txBody>
+          <a:bodyPr anchor="t">
+            <a:normAutofit/>
+          </a:bodyPr>
+          <a:lstStyle>
+            <a:lvl1pPr marL="0" indent="0" algn="ctr">
+              <a:buNone/>
+              <a:defRPr sz="1400"/>
+            </a:lvl1pPr>
+            <a:lvl2pPr marL="457200" indent="0">
+              <a:buNone/>
+              <a:defRPr sz="1200"/>
+            </a:lvl2pPr>
+            <a:lvl3pPr marL="914400" indent="0">
+              <a:buNone/>
+              <a:defRPr sz="1000"/>
+            </a:lvl3pPr>
+            <a:lvl4pPr marL="1371600" indent="0">
+              <a:buNone/>
+              <a:defRPr sz="900"/>
+            </a:lvl4pPr>
+            <a:lvl5pPr marL="1828800" indent="0">
+              <a:buNone/>
+              <a:defRPr sz="900"/>
+            </a:lvl5pPr>
+            <a:lvl6pPr marL="2286000" indent="0">
+              <a:buNone/>
+              <a:defRPr sz="900"/>
+            </a:lvl6pPr>
+            <a:lvl7pPr marL="2743200" indent="0">
+              <a:buNone/>
+              <a:defRPr sz="900"/>
+            </a:lvl7pPr>
+            <a:lvl8pPr marL="3200400" indent="0">
+              <a:buNone/>
+              <a:defRPr sz="900"/>
+            </a:lvl8pPr>
+            <a:lvl9pPr marL="3657600" indent="0">
+              <a:buNone/>
+              <a:defRPr sz="900"/>
+            </a:lvl9pPr>
+          </a:lstStyle>
+          <a:p>
+            <a:pPr lvl="0"/>
+            <a:r>
+              <a:rPr lang="en-US"/>
+              <a:t>Click to edit Master text styles</a:t>
+            </a:r>
+          </a:p>
+        </p:txBody>
+      </p:sp>
+      <p:sp>
+        <p:nvSpPr>
+          <p:cNvPr id="3" name="Date Placeholder 2"/>
+          <p:cNvSpPr>
+            <a:spLocks noGrp="1"/>
+          </p:cNvSpPr>
+          <p:nvPr>
+            <p:ph type="dt" sz="half" idx="10"/>
+          </p:nvPr>
+        </p:nvSpPr>
+        <p:spPr/>
+        <p:txBody>
+          <a:bodyPr/>
+          <a:lstStyle/>
+          <a:p>
+            <a:fld id="{92B336C5-86E9-42E2-A63F-0C75CEEC0EAF}" type="datetimeFigureOut">
+              <a:rPr lang="en-US" smtClean="0"/>
+              <a:t>7/17/2023</a:t>
+            </a:fld>
+            <a:endParaRPr lang="en-US"/>
+          </a:p>
+        </p:txBody>
+      </p:sp>
+      <p:sp>
+        <p:nvSpPr>
+          <p:cNvPr id="4" name="Footer Placeholder 3"/>
+          <p:cNvSpPr>
+            <a:spLocks noGrp="1"/>
+          </p:cNvSpPr>
+          <p:nvPr>
+            <p:ph type="ftr" sz="quarter" idx="11"/>
+          </p:nvPr>
+        </p:nvSpPr>
+        <p:spPr/>
+        <p:txBody>
+          <a:bodyPr/>
+          <a:lstStyle/>
+          <a:p>
+            <a:endParaRPr lang="en-US"/>
+          </a:p>
+        </p:txBody>
+      </p:sp>
+      <p:sp>
+        <p:nvSpPr>
+          <p:cNvPr id="5" name="Slide Number Placeholder 4"/>
+          <p:cNvSpPr>
+            <a:spLocks noGrp="1"/>
+          </p:cNvSpPr>
+          <p:nvPr>
+            <p:ph type="sldNum" sz="quarter" idx="12"/>
+          </p:nvPr>
+        </p:nvSpPr>
+        <p:spPr/>
+        <p:txBody>
+          <a:bodyPr/>
+          <a:lstStyle/>
+          <a:p>
+            <a:fld id="{F5A4624F-BCFF-4455-9737-4467BE9D44EC}" type="slidenum">
+              <a:rPr lang="en-US" smtClean="0"/>
+              <a:t>‹#›</a:t>
+            </a:fld>
+            <a:endParaRPr lang="en-US"/>
+          </a:p>
+        </p:txBody>
+      </p:sp>
+    </p:spTree>
+    <p:extLst>
+      <p:ext uri="{BB962C8B-B14F-4D97-AF65-F5344CB8AC3E}">
+        <p14:creationId xmlns:p14="http://schemas.microsoft.com/office/powerpoint/2010/main" val="1113320138"/>
+      </p:ext>
+    </p:extLst>
+  </p:cSld>
+  <p:clrMapOvr>
+    <a:masterClrMapping/>
+  </p:clrMapOvr>
+</p:sldLayout>
+</file>
+
+<file path=ppt/slideLayouts/slideLayout16.xml><?xml version="1.0" encoding="utf-8"?>
 <p:sldLayout xmlns:a="http://schemas.openxmlformats.org/drawingml/2006/main" xmlns:r="http://schemas.openxmlformats.org/officeDocument/2006/relationships" xmlns:p="http://schemas.openxmlformats.org/presentationml/2006/main" type="vertTx" preserve="1">
   <p:cSld name="Title and Vertical Text">
     <p:spTree>
@@ -471,13 +3190,7 @@
       </p:grpSpPr>
       <p:sp>
         <p:nvSpPr>
-          <p:cNvPr id="2" name="Title 1">
-            <a:extLst>
-              <a:ext uri="{FF2B5EF4-FFF2-40B4-BE49-F238E27FC236}">
-                <a16:creationId xmlns:a16="http://schemas.microsoft.com/office/drawing/2014/main" id="{CF91637E-196D-6D93-0790-C6B2D9C5FD55}"/>
-              </a:ext>
-            </a:extLst>
-          </p:cNvPr>
+          <p:cNvPr id="2" name="Title 1"/>
           <p:cNvSpPr>
             <a:spLocks noGrp="1"/>
           </p:cNvSpPr>
@@ -494,18 +3207,13 @@
               <a:rPr lang="en-US"/>
               <a:t>Click to edit Master title style</a:t>
             </a:r>
-          </a:p>
-        </p:txBody>
-      </p:sp>
-      <p:sp>
-        <p:nvSpPr>
-          <p:cNvPr id="3" name="Vertical Text Placeholder 2">
-            <a:extLst>
-              <a:ext uri="{FF2B5EF4-FFF2-40B4-BE49-F238E27FC236}">
-                <a16:creationId xmlns:a16="http://schemas.microsoft.com/office/drawing/2014/main" id="{610747B2-9D4A-D074-B333-2C4AEA140728}"/>
-              </a:ext>
-            </a:extLst>
-          </p:cNvPr>
+            <a:endParaRPr lang="en-US" dirty="0"/>
+          </a:p>
+        </p:txBody>
+      </p:sp>
+      <p:sp>
+        <p:nvSpPr>
+          <p:cNvPr id="3" name="Vertical Text Placeholder 2"/>
           <p:cNvSpPr>
             <a:spLocks noGrp="1"/>
           </p:cNvSpPr>
@@ -515,7 +3223,7 @@
         </p:nvSpPr>
         <p:spPr/>
         <p:txBody>
-          <a:bodyPr vert="eaVert"/>
+          <a:bodyPr vert="eaVert" anchor="t"/>
           <a:lstStyle/>
           <a:p>
             <a:pPr lvl="0"/>
@@ -551,18 +3259,13 @@
               <a:rPr lang="en-US"/>
               <a:t>Fifth level</a:t>
             </a:r>
-          </a:p>
-        </p:txBody>
-      </p:sp>
-      <p:sp>
-        <p:nvSpPr>
-          <p:cNvPr id="4" name="Date Placeholder 3">
-            <a:extLst>
-              <a:ext uri="{FF2B5EF4-FFF2-40B4-BE49-F238E27FC236}">
-                <a16:creationId xmlns:a16="http://schemas.microsoft.com/office/drawing/2014/main" id="{56A94C47-61DD-458B-CAD3-F0922F76BA60}"/>
-              </a:ext>
-            </a:extLst>
-          </p:cNvPr>
+            <a:endParaRPr lang="en-US" dirty="0"/>
+          </a:p>
+        </p:txBody>
+      </p:sp>
+      <p:sp>
+        <p:nvSpPr>
+          <p:cNvPr id="4" name="Date Placeholder 3"/>
           <p:cNvSpPr>
             <a:spLocks noGrp="1"/>
           </p:cNvSpPr>
@@ -585,13 +3288,7 @@
       </p:sp>
       <p:sp>
         <p:nvSpPr>
-          <p:cNvPr id="5" name="Footer Placeholder 4">
-            <a:extLst>
-              <a:ext uri="{FF2B5EF4-FFF2-40B4-BE49-F238E27FC236}">
-                <a16:creationId xmlns:a16="http://schemas.microsoft.com/office/drawing/2014/main" id="{CBCE9164-B627-99ED-9E9B-D48C3EDCADE4}"/>
-              </a:ext>
-            </a:extLst>
-          </p:cNvPr>
+          <p:cNvPr id="5" name="Footer Placeholder 4"/>
           <p:cNvSpPr>
             <a:spLocks noGrp="1"/>
           </p:cNvSpPr>
@@ -610,13 +3307,7 @@
       </p:sp>
       <p:sp>
         <p:nvSpPr>
-          <p:cNvPr id="6" name="Slide Number Placeholder 5">
-            <a:extLst>
-              <a:ext uri="{FF2B5EF4-FFF2-40B4-BE49-F238E27FC236}">
-                <a16:creationId xmlns:a16="http://schemas.microsoft.com/office/drawing/2014/main" id="{E9EBB975-A75F-2ABA-C145-72005660BAC7}"/>
-              </a:ext>
-            </a:extLst>
-          </p:cNvPr>
+          <p:cNvPr id="6" name="Slide Number Placeholder 5"/>
           <p:cNvSpPr>
             <a:spLocks noGrp="1"/>
           </p:cNvSpPr>
@@ -640,7 +3331,7 @@
     </p:spTree>
     <p:extLst>
       <p:ext uri="{BB962C8B-B14F-4D97-AF65-F5344CB8AC3E}">
-        <p14:creationId xmlns:p14="http://schemas.microsoft.com/office/powerpoint/2010/main" val="3463591000"/>
+        <p14:creationId xmlns:p14="http://schemas.microsoft.com/office/powerpoint/2010/main" val="1555408514"/>
       </p:ext>
     </p:extLst>
   </p:cSld>
@@ -650,7 +3341,7 @@
 </p:sldLayout>
 </file>
 
-<file path=ppt/slideLayouts/slideLayout11.xml><?xml version="1.0" encoding="utf-8"?>
+<file path=ppt/slideLayouts/slideLayout17.xml><?xml version="1.0" encoding="utf-8"?>
 <p:sldLayout xmlns:a="http://schemas.openxmlformats.org/drawingml/2006/main" xmlns:r="http://schemas.openxmlformats.org/officeDocument/2006/relationships" xmlns:p="http://schemas.openxmlformats.org/presentationml/2006/main" type="vertTitleAndTx" preserve="1">
   <p:cSld name="Vertical Title and Text">
     <p:spTree>
@@ -669,13 +3360,7 @@
       </p:grpSpPr>
       <p:sp>
         <p:nvSpPr>
-          <p:cNvPr id="2" name="Vertical Title 1">
-            <a:extLst>
-              <a:ext uri="{FF2B5EF4-FFF2-40B4-BE49-F238E27FC236}">
-                <a16:creationId xmlns:a16="http://schemas.microsoft.com/office/drawing/2014/main" id="{F087AE0B-20F9-D088-6606-F356008B8C61}"/>
-              </a:ext>
-            </a:extLst>
-          </p:cNvPr>
+          <p:cNvPr id="2" name="Vertical Title 1"/>
           <p:cNvSpPr>
             <a:spLocks noGrp="1"/>
           </p:cNvSpPr>
@@ -685,30 +3370,29 @@
         </p:nvSpPr>
         <p:spPr>
           <a:xfrm>
-            <a:off x="8724900" y="365125"/>
-            <a:ext cx="2628900" cy="5811838"/>
+            <a:off x="8983068" y="609599"/>
+            <a:ext cx="2284487" cy="5181601"/>
           </a:xfrm>
         </p:spPr>
         <p:txBody>
           <a:bodyPr vert="eaVert"/>
-          <a:lstStyle/>
+          <a:lstStyle>
+            <a:lvl1pPr algn="l">
+              <a:defRPr/>
+            </a:lvl1pPr>
+          </a:lstStyle>
           <a:p>
             <a:r>
               <a:rPr lang="en-US"/>
               <a:t>Click to edit Master title style</a:t>
             </a:r>
-          </a:p>
-        </p:txBody>
-      </p:sp>
-      <p:sp>
-        <p:nvSpPr>
-          <p:cNvPr id="3" name="Vertical Text Placeholder 2">
-            <a:extLst>
-              <a:ext uri="{FF2B5EF4-FFF2-40B4-BE49-F238E27FC236}">
-                <a16:creationId xmlns:a16="http://schemas.microsoft.com/office/drawing/2014/main" id="{705F92F5-907E-0AAE-0140-DB32F6C54F03}"/>
-              </a:ext>
-            </a:extLst>
-          </p:cNvPr>
+            <a:endParaRPr lang="en-US" dirty="0"/>
+          </a:p>
+        </p:txBody>
+      </p:sp>
+      <p:sp>
+        <p:nvSpPr>
+          <p:cNvPr id="3" name="Vertical Text Placeholder 2"/>
           <p:cNvSpPr>
             <a:spLocks noGrp="1"/>
           </p:cNvSpPr>
@@ -718,12 +3402,12 @@
         </p:nvSpPr>
         <p:spPr>
           <a:xfrm>
-            <a:off x="838200" y="365125"/>
-            <a:ext cx="7734300" cy="5811838"/>
+            <a:off x="913796" y="609599"/>
+            <a:ext cx="7916872" cy="5181601"/>
           </a:xfrm>
         </p:spPr>
         <p:txBody>
-          <a:bodyPr vert="eaVert"/>
+          <a:bodyPr vert="eaVert" anchor="t"/>
           <a:lstStyle/>
           <a:p>
             <a:pPr lvl="0"/>
@@ -759,18 +3443,13 @@
               <a:rPr lang="en-US"/>
               <a:t>Fifth level</a:t>
             </a:r>
-          </a:p>
-        </p:txBody>
-      </p:sp>
-      <p:sp>
-        <p:nvSpPr>
-          <p:cNvPr id="4" name="Date Placeholder 3">
-            <a:extLst>
-              <a:ext uri="{FF2B5EF4-FFF2-40B4-BE49-F238E27FC236}">
-                <a16:creationId xmlns:a16="http://schemas.microsoft.com/office/drawing/2014/main" id="{AB6776E8-9193-7358-066C-D735122E5A16}"/>
-              </a:ext>
-            </a:extLst>
-          </p:cNvPr>
+            <a:endParaRPr lang="en-US" dirty="0"/>
+          </a:p>
+        </p:txBody>
+      </p:sp>
+      <p:sp>
+        <p:nvSpPr>
+          <p:cNvPr id="4" name="Date Placeholder 3"/>
           <p:cNvSpPr>
             <a:spLocks noGrp="1"/>
           </p:cNvSpPr>
@@ -793,13 +3472,7 @@
       </p:sp>
       <p:sp>
         <p:nvSpPr>
-          <p:cNvPr id="5" name="Footer Placeholder 4">
-            <a:extLst>
-              <a:ext uri="{FF2B5EF4-FFF2-40B4-BE49-F238E27FC236}">
-                <a16:creationId xmlns:a16="http://schemas.microsoft.com/office/drawing/2014/main" id="{A6BEE4AD-94ED-15C0-5981-0EAC44AC8851}"/>
-              </a:ext>
-            </a:extLst>
-          </p:cNvPr>
+          <p:cNvPr id="5" name="Footer Placeholder 4"/>
           <p:cNvSpPr>
             <a:spLocks noGrp="1"/>
           </p:cNvSpPr>
@@ -818,13 +3491,7 @@
       </p:sp>
       <p:sp>
         <p:nvSpPr>
-          <p:cNvPr id="6" name="Slide Number Placeholder 5">
-            <a:extLst>
-              <a:ext uri="{FF2B5EF4-FFF2-40B4-BE49-F238E27FC236}">
-                <a16:creationId xmlns:a16="http://schemas.microsoft.com/office/drawing/2014/main" id="{6890F0E5-537A-9DD9-6A4F-6D12DF672870}"/>
-              </a:ext>
-            </a:extLst>
-          </p:cNvPr>
+          <p:cNvPr id="6" name="Slide Number Placeholder 5"/>
           <p:cNvSpPr>
             <a:spLocks noGrp="1"/>
           </p:cNvSpPr>
@@ -848,7 +3515,7 @@
     </p:spTree>
     <p:extLst>
       <p:ext uri="{BB962C8B-B14F-4D97-AF65-F5344CB8AC3E}">
-        <p14:creationId xmlns:p14="http://schemas.microsoft.com/office/powerpoint/2010/main" val="2195784294"/>
+        <p14:creationId xmlns:p14="http://schemas.microsoft.com/office/powerpoint/2010/main" val="3514090668"/>
       </p:ext>
     </p:extLst>
   </p:cSld>
@@ -877,13 +3544,7 @@
       </p:grpSpPr>
       <p:sp>
         <p:nvSpPr>
-          <p:cNvPr id="2" name="Title 1">
-            <a:extLst>
-              <a:ext uri="{FF2B5EF4-FFF2-40B4-BE49-F238E27FC236}">
-                <a16:creationId xmlns:a16="http://schemas.microsoft.com/office/drawing/2014/main" id="{76A37DC7-0196-619A-6EC4-59BF9AEAF41E}"/>
-              </a:ext>
-            </a:extLst>
-          </p:cNvPr>
+          <p:cNvPr id="2" name="Title 1"/>
           <p:cNvSpPr>
             <a:spLocks noGrp="1"/>
           </p:cNvSpPr>
@@ -900,18 +3561,13 @@
               <a:rPr lang="en-US"/>
               <a:t>Click to edit Master title style</a:t>
             </a:r>
-          </a:p>
-        </p:txBody>
-      </p:sp>
-      <p:sp>
-        <p:nvSpPr>
-          <p:cNvPr id="3" name="Content Placeholder 2">
-            <a:extLst>
-              <a:ext uri="{FF2B5EF4-FFF2-40B4-BE49-F238E27FC236}">
-                <a16:creationId xmlns:a16="http://schemas.microsoft.com/office/drawing/2014/main" id="{27842E80-1A48-B16C-2994-E2A116AC3FE9}"/>
-              </a:ext>
-            </a:extLst>
-          </p:cNvPr>
+            <a:endParaRPr lang="en-US" dirty="0"/>
+          </a:p>
+        </p:txBody>
+      </p:sp>
+      <p:sp>
+        <p:nvSpPr>
+          <p:cNvPr id="3" name="Content Placeholder 2"/>
           <p:cNvSpPr>
             <a:spLocks noGrp="1"/>
           </p:cNvSpPr>
@@ -957,18 +3613,13 @@
               <a:rPr lang="en-US"/>
               <a:t>Fifth level</a:t>
             </a:r>
-          </a:p>
-        </p:txBody>
-      </p:sp>
-      <p:sp>
-        <p:nvSpPr>
-          <p:cNvPr id="4" name="Date Placeholder 3">
-            <a:extLst>
-              <a:ext uri="{FF2B5EF4-FFF2-40B4-BE49-F238E27FC236}">
-                <a16:creationId xmlns:a16="http://schemas.microsoft.com/office/drawing/2014/main" id="{F2031331-BDBB-0483-293E-C839EC5096C4}"/>
-              </a:ext>
-            </a:extLst>
-          </p:cNvPr>
+            <a:endParaRPr lang="en-US" dirty="0"/>
+          </a:p>
+        </p:txBody>
+      </p:sp>
+      <p:sp>
+        <p:nvSpPr>
+          <p:cNvPr id="4" name="Date Placeholder 3"/>
           <p:cNvSpPr>
             <a:spLocks noGrp="1"/>
           </p:cNvSpPr>
@@ -991,13 +3642,7 @@
       </p:sp>
       <p:sp>
         <p:nvSpPr>
-          <p:cNvPr id="5" name="Footer Placeholder 4">
-            <a:extLst>
-              <a:ext uri="{FF2B5EF4-FFF2-40B4-BE49-F238E27FC236}">
-                <a16:creationId xmlns:a16="http://schemas.microsoft.com/office/drawing/2014/main" id="{06C805EF-4D16-9492-47BC-387C2E07B3D2}"/>
-              </a:ext>
-            </a:extLst>
-          </p:cNvPr>
+          <p:cNvPr id="5" name="Footer Placeholder 4"/>
           <p:cNvSpPr>
             <a:spLocks noGrp="1"/>
           </p:cNvSpPr>
@@ -1016,13 +3661,7 @@
       </p:sp>
       <p:sp>
         <p:nvSpPr>
-          <p:cNvPr id="6" name="Slide Number Placeholder 5">
-            <a:extLst>
-              <a:ext uri="{FF2B5EF4-FFF2-40B4-BE49-F238E27FC236}">
-                <a16:creationId xmlns:a16="http://schemas.microsoft.com/office/drawing/2014/main" id="{4D2B9A07-9894-C9DE-806A-F8BB95960CEC}"/>
-              </a:ext>
-            </a:extLst>
-          </p:cNvPr>
+          <p:cNvPr id="6" name="Slide Number Placeholder 5"/>
           <p:cNvSpPr>
             <a:spLocks noGrp="1"/>
           </p:cNvSpPr>
@@ -1046,7 +3685,7 @@
     </p:spTree>
     <p:extLst>
       <p:ext uri="{BB962C8B-B14F-4D97-AF65-F5344CB8AC3E}">
-        <p14:creationId xmlns:p14="http://schemas.microsoft.com/office/powerpoint/2010/main" val="3577756308"/>
+        <p14:creationId xmlns:p14="http://schemas.microsoft.com/office/powerpoint/2010/main" val="3033096028"/>
       </p:ext>
     </p:extLst>
   </p:cSld>
@@ -1075,13 +3714,7 @@
       </p:grpSpPr>
       <p:sp>
         <p:nvSpPr>
-          <p:cNvPr id="2" name="Title 1">
-            <a:extLst>
-              <a:ext uri="{FF2B5EF4-FFF2-40B4-BE49-F238E27FC236}">
-                <a16:creationId xmlns:a16="http://schemas.microsoft.com/office/drawing/2014/main" id="{072E9455-328C-7A38-F822-3D4666C0A2CF}"/>
-              </a:ext>
-            </a:extLst>
-          </p:cNvPr>
+          <p:cNvPr id="2" name="Title 1"/>
           <p:cNvSpPr>
             <a:spLocks noGrp="1"/>
           </p:cNvSpPr>
@@ -1091,15 +3724,15 @@
         </p:nvSpPr>
         <p:spPr>
           <a:xfrm>
-            <a:off x="831850" y="1709738"/>
-            <a:ext cx="10515600" cy="2852737"/>
+            <a:off x="1295401" y="1761067"/>
+            <a:ext cx="9590550" cy="1828813"/>
           </a:xfrm>
         </p:spPr>
         <p:txBody>
           <a:bodyPr anchor="b"/>
           <a:lstStyle>
-            <a:lvl1pPr>
-              <a:defRPr sz="6000"/>
+            <a:lvl1pPr algn="ctr">
+              <a:defRPr sz="4000" b="0" cap="none"/>
             </a:lvl1pPr>
           </a:lstStyle>
           <a:p>
@@ -1107,18 +3740,13 @@
               <a:rPr lang="en-US"/>
               <a:t>Click to edit Master title style</a:t>
             </a:r>
-          </a:p>
-        </p:txBody>
-      </p:sp>
-      <p:sp>
-        <p:nvSpPr>
-          <p:cNvPr id="3" name="Text Placeholder 2">
-            <a:extLst>
-              <a:ext uri="{FF2B5EF4-FFF2-40B4-BE49-F238E27FC236}">
-                <a16:creationId xmlns:a16="http://schemas.microsoft.com/office/drawing/2014/main" id="{ED9899FE-824A-2DC8-9309-FA15F9AC7114}"/>
-              </a:ext>
-            </a:extLst>
-          </p:cNvPr>
+            <a:endParaRPr lang="en-US" dirty="0"/>
+          </a:p>
+        </p:txBody>
+      </p:sp>
+      <p:sp>
+        <p:nvSpPr>
+          <p:cNvPr id="3" name="Text Placeholder 2"/>
           <p:cNvSpPr>
             <a:spLocks noGrp="1"/>
           </p:cNvSpPr>
@@ -1128,26 +3756,24 @@
         </p:nvSpPr>
         <p:spPr>
           <a:xfrm>
-            <a:off x="831850" y="4589463"/>
-            <a:ext cx="10515600" cy="1500187"/>
+            <a:off x="1295401" y="3589879"/>
+            <a:ext cx="9590550" cy="1507054"/>
           </a:xfrm>
         </p:spPr>
         <p:txBody>
-          <a:bodyPr/>
+          <a:bodyPr anchor="t"/>
           <a:lstStyle>
-            <a:lvl1pPr marL="0" indent="0">
-              <a:buNone/>
-              <a:defRPr sz="2400">
+            <a:lvl1pPr marL="0" indent="0" algn="ctr">
+              <a:buNone/>
+              <a:defRPr sz="2000">
                 <a:solidFill>
-                  <a:schemeClr val="tx1">
-                    <a:tint val="75000"/>
-                  </a:schemeClr>
+                  <a:schemeClr val="tx1"/>
                 </a:solidFill>
               </a:defRPr>
             </a:lvl1pPr>
             <a:lvl2pPr marL="457200" indent="0">
               <a:buNone/>
-              <a:defRPr sz="2000">
+              <a:defRPr sz="1800">
                 <a:solidFill>
                   <a:schemeClr val="tx1">
                     <a:tint val="75000"/>
@@ -1157,7 +3783,7 @@
             </a:lvl2pPr>
             <a:lvl3pPr marL="914400" indent="0">
               <a:buNone/>
-              <a:defRPr sz="1800">
+              <a:defRPr sz="1600">
                 <a:solidFill>
                   <a:schemeClr val="tx1">
                     <a:tint val="75000"/>
@@ -1167,7 +3793,7 @@
             </a:lvl3pPr>
             <a:lvl4pPr marL="1371600" indent="0">
               <a:buNone/>
-              <a:defRPr sz="1600">
+              <a:defRPr sz="1400">
                 <a:solidFill>
                   <a:schemeClr val="tx1">
                     <a:tint val="75000"/>
@@ -1177,7 +3803,7 @@
             </a:lvl4pPr>
             <a:lvl5pPr marL="1828800" indent="0">
               <a:buNone/>
-              <a:defRPr sz="1600">
+              <a:defRPr sz="1400">
                 <a:solidFill>
                   <a:schemeClr val="tx1">
                     <a:tint val="75000"/>
@@ -1187,7 +3813,7 @@
             </a:lvl5pPr>
             <a:lvl6pPr marL="2286000" indent="0">
               <a:buNone/>
-              <a:defRPr sz="1600">
+              <a:defRPr sz="1400">
                 <a:solidFill>
                   <a:schemeClr val="tx1">
                     <a:tint val="75000"/>
@@ -1197,7 +3823,7 @@
             </a:lvl6pPr>
             <a:lvl7pPr marL="2743200" indent="0">
               <a:buNone/>
-              <a:defRPr sz="1600">
+              <a:defRPr sz="1400">
                 <a:solidFill>
                   <a:schemeClr val="tx1">
                     <a:tint val="75000"/>
@@ -1207,7 +3833,7 @@
             </a:lvl7pPr>
             <a:lvl8pPr marL="3200400" indent="0">
               <a:buNone/>
-              <a:defRPr sz="1600">
+              <a:defRPr sz="1400">
                 <a:solidFill>
                   <a:schemeClr val="tx1">
                     <a:tint val="75000"/>
@@ -1217,7 +3843,7 @@
             </a:lvl8pPr>
             <a:lvl9pPr marL="3657600" indent="0">
               <a:buNone/>
-              <a:defRPr sz="1600">
+              <a:defRPr sz="1400">
                 <a:solidFill>
                   <a:schemeClr val="tx1">
                     <a:tint val="75000"/>
@@ -1237,13 +3863,7 @@
       </p:sp>
       <p:sp>
         <p:nvSpPr>
-          <p:cNvPr id="4" name="Date Placeholder 3">
-            <a:extLst>
-              <a:ext uri="{FF2B5EF4-FFF2-40B4-BE49-F238E27FC236}">
-                <a16:creationId xmlns:a16="http://schemas.microsoft.com/office/drawing/2014/main" id="{5E87E580-A01F-3D85-0DED-D572C4BB69F5}"/>
-              </a:ext>
-            </a:extLst>
-          </p:cNvPr>
+          <p:cNvPr id="4" name="Date Placeholder 3"/>
           <p:cNvSpPr>
             <a:spLocks noGrp="1"/>
           </p:cNvSpPr>
@@ -1266,13 +3886,7 @@
       </p:sp>
       <p:sp>
         <p:nvSpPr>
-          <p:cNvPr id="5" name="Footer Placeholder 4">
-            <a:extLst>
-              <a:ext uri="{FF2B5EF4-FFF2-40B4-BE49-F238E27FC236}">
-                <a16:creationId xmlns:a16="http://schemas.microsoft.com/office/drawing/2014/main" id="{6362EC54-EF1B-8311-B25B-1D061C88ECF4}"/>
-              </a:ext>
-            </a:extLst>
-          </p:cNvPr>
+          <p:cNvPr id="5" name="Footer Placeholder 4"/>
           <p:cNvSpPr>
             <a:spLocks noGrp="1"/>
           </p:cNvSpPr>
@@ -1291,13 +3905,7 @@
       </p:sp>
       <p:sp>
         <p:nvSpPr>
-          <p:cNvPr id="6" name="Slide Number Placeholder 5">
-            <a:extLst>
-              <a:ext uri="{FF2B5EF4-FFF2-40B4-BE49-F238E27FC236}">
-                <a16:creationId xmlns:a16="http://schemas.microsoft.com/office/drawing/2014/main" id="{023CDD5E-FA9C-EF93-F3C2-959EA49CC8F2}"/>
-              </a:ext>
-            </a:extLst>
-          </p:cNvPr>
+          <p:cNvPr id="6" name="Slide Number Placeholder 5"/>
           <p:cNvSpPr>
             <a:spLocks noGrp="1"/>
           </p:cNvSpPr>
@@ -1321,7 +3929,7 @@
     </p:spTree>
     <p:extLst>
       <p:ext uri="{BB962C8B-B14F-4D97-AF65-F5344CB8AC3E}">
-        <p14:creationId xmlns:p14="http://schemas.microsoft.com/office/powerpoint/2010/main" val="2058583392"/>
+        <p14:creationId xmlns:p14="http://schemas.microsoft.com/office/powerpoint/2010/main" val="4220932455"/>
       </p:ext>
     </p:extLst>
   </p:cSld>
@@ -1350,13 +3958,7 @@
       </p:grpSpPr>
       <p:sp>
         <p:nvSpPr>
-          <p:cNvPr id="2" name="Title 1">
-            <a:extLst>
-              <a:ext uri="{FF2B5EF4-FFF2-40B4-BE49-F238E27FC236}">
-                <a16:creationId xmlns:a16="http://schemas.microsoft.com/office/drawing/2014/main" id="{16878178-6E36-A1E8-CC41-6A87E3398CA3}"/>
-              </a:ext>
-            </a:extLst>
-          </p:cNvPr>
+          <p:cNvPr id="2" name="Title 1"/>
           <p:cNvSpPr>
             <a:spLocks noGrp="1"/>
           </p:cNvSpPr>
@@ -1373,18 +3975,13 @@
               <a:rPr lang="en-US"/>
               <a:t>Click to edit Master title style</a:t>
             </a:r>
-          </a:p>
-        </p:txBody>
-      </p:sp>
-      <p:sp>
-        <p:nvSpPr>
-          <p:cNvPr id="3" name="Content Placeholder 2">
-            <a:extLst>
-              <a:ext uri="{FF2B5EF4-FFF2-40B4-BE49-F238E27FC236}">
-                <a16:creationId xmlns:a16="http://schemas.microsoft.com/office/drawing/2014/main" id="{D78B815E-12D2-CA8A-E33D-118BD3BC90E1}"/>
-              </a:ext>
-            </a:extLst>
-          </p:cNvPr>
+            <a:endParaRPr lang="en-US" dirty="0"/>
+          </a:p>
+        </p:txBody>
+      </p:sp>
+      <p:sp>
+        <p:nvSpPr>
+          <p:cNvPr id="3" name="Content Placeholder 2"/>
           <p:cNvSpPr>
             <a:spLocks noGrp="1"/>
           </p:cNvSpPr>
@@ -1394,12 +3991,14 @@
         </p:nvSpPr>
         <p:spPr>
           <a:xfrm>
-            <a:off x="838200" y="1825625"/>
-            <a:ext cx="5181600" cy="4351338"/>
+            <a:off x="913795" y="1732449"/>
+            <a:ext cx="5060497" cy="4058750"/>
           </a:xfrm>
         </p:spPr>
         <p:txBody>
-          <a:bodyPr/>
+          <a:bodyPr anchor="t">
+            <a:normAutofit/>
+          </a:bodyPr>
           <a:lstStyle/>
           <a:p>
             <a:pPr lvl="0"/>
@@ -1435,18 +4034,13 @@
               <a:rPr lang="en-US"/>
               <a:t>Fifth level</a:t>
             </a:r>
-          </a:p>
-        </p:txBody>
-      </p:sp>
-      <p:sp>
-        <p:nvSpPr>
-          <p:cNvPr id="4" name="Content Placeholder 3">
-            <a:extLst>
-              <a:ext uri="{FF2B5EF4-FFF2-40B4-BE49-F238E27FC236}">
-                <a16:creationId xmlns:a16="http://schemas.microsoft.com/office/drawing/2014/main" id="{6DD61465-8777-4C6E-551C-1817136EF245}"/>
-              </a:ext>
-            </a:extLst>
-          </p:cNvPr>
+            <a:endParaRPr lang="en-US" dirty="0"/>
+          </a:p>
+        </p:txBody>
+      </p:sp>
+      <p:sp>
+        <p:nvSpPr>
+          <p:cNvPr id="4" name="Content Placeholder 3"/>
           <p:cNvSpPr>
             <a:spLocks noGrp="1"/>
           </p:cNvSpPr>
@@ -1456,12 +4050,14 @@
         </p:nvSpPr>
         <p:spPr>
           <a:xfrm>
-            <a:off x="6172200" y="1825625"/>
-            <a:ext cx="5181600" cy="4351338"/>
+            <a:off x="6202892" y="1732449"/>
+            <a:ext cx="5064665" cy="4058751"/>
           </a:xfrm>
         </p:spPr>
         <p:txBody>
-          <a:bodyPr/>
+          <a:bodyPr anchor="t">
+            <a:normAutofit/>
+          </a:bodyPr>
           <a:lstStyle/>
           <a:p>
             <a:pPr lvl="0"/>
@@ -1497,18 +4093,13 @@
               <a:rPr lang="en-US"/>
               <a:t>Fifth level</a:t>
             </a:r>
-          </a:p>
-        </p:txBody>
-      </p:sp>
-      <p:sp>
-        <p:nvSpPr>
-          <p:cNvPr id="5" name="Date Placeholder 4">
-            <a:extLst>
-              <a:ext uri="{FF2B5EF4-FFF2-40B4-BE49-F238E27FC236}">
-                <a16:creationId xmlns:a16="http://schemas.microsoft.com/office/drawing/2014/main" id="{D3F81FDA-6044-769D-0E0F-D2657E168BA4}"/>
-              </a:ext>
-            </a:extLst>
-          </p:cNvPr>
+            <a:endParaRPr lang="en-US" dirty="0"/>
+          </a:p>
+        </p:txBody>
+      </p:sp>
+      <p:sp>
+        <p:nvSpPr>
+          <p:cNvPr id="5" name="Date Placeholder 4"/>
           <p:cNvSpPr>
             <a:spLocks noGrp="1"/>
           </p:cNvSpPr>
@@ -1531,13 +4122,7 @@
       </p:sp>
       <p:sp>
         <p:nvSpPr>
-          <p:cNvPr id="6" name="Footer Placeholder 5">
-            <a:extLst>
-              <a:ext uri="{FF2B5EF4-FFF2-40B4-BE49-F238E27FC236}">
-                <a16:creationId xmlns:a16="http://schemas.microsoft.com/office/drawing/2014/main" id="{66F1966F-0C05-F4BE-86AC-4D3241C05D92}"/>
-              </a:ext>
-            </a:extLst>
-          </p:cNvPr>
+          <p:cNvPr id="6" name="Footer Placeholder 5"/>
           <p:cNvSpPr>
             <a:spLocks noGrp="1"/>
           </p:cNvSpPr>
@@ -1556,13 +4141,7 @@
       </p:sp>
       <p:sp>
         <p:nvSpPr>
-          <p:cNvPr id="7" name="Slide Number Placeholder 6">
-            <a:extLst>
-              <a:ext uri="{FF2B5EF4-FFF2-40B4-BE49-F238E27FC236}">
-                <a16:creationId xmlns:a16="http://schemas.microsoft.com/office/drawing/2014/main" id="{33259AC0-BC57-1C9D-146A-188B30275A10}"/>
-              </a:ext>
-            </a:extLst>
-          </p:cNvPr>
+          <p:cNvPr id="7" name="Slide Number Placeholder 6"/>
           <p:cNvSpPr>
             <a:spLocks noGrp="1"/>
           </p:cNvSpPr>
@@ -1586,7 +4165,7 @@
     </p:spTree>
     <p:extLst>
       <p:ext uri="{BB962C8B-B14F-4D97-AF65-F5344CB8AC3E}">
-        <p14:creationId xmlns:p14="http://schemas.microsoft.com/office/powerpoint/2010/main" val="1683186814"/>
+        <p14:creationId xmlns:p14="http://schemas.microsoft.com/office/powerpoint/2010/main" val="2540384865"/>
       </p:ext>
     </p:extLst>
   </p:cSld>
@@ -1613,67 +4192,117 @@
           <a:chExt cx="0" cy="0"/>
         </a:xfrm>
       </p:grpSpPr>
-      <p:sp>
-        <p:nvSpPr>
-          <p:cNvPr id="2" name="Title 1">
+      <p:pic>
+        <p:nvPicPr>
+          <p:cNvPr id="20" name="Picture 19" descr="Slate-V2-HD-compPhotoInset.png"/>
+          <p:cNvPicPr>
+            <a:picLocks noChangeAspect="1"/>
+          </p:cNvPicPr>
+          <p:nvPr/>
+        </p:nvPicPr>
+        <p:blipFill>
+          <a:blip r:embed="rId2">
             <a:extLst>
-              <a:ext uri="{FF2B5EF4-FFF2-40B4-BE49-F238E27FC236}">
-                <a16:creationId xmlns:a16="http://schemas.microsoft.com/office/drawing/2014/main" id="{6DCC11E6-6FE1-803B-DA5E-29EBE508569C}"/>
+              <a:ext uri="{28A0092B-C50C-407E-A947-70E740481C1C}">
+                <a14:useLocalDpi xmlns:a14="http://schemas.microsoft.com/office/drawing/2010/main" val="0"/>
               </a:ext>
             </a:extLst>
-          </p:cNvPr>
-          <p:cNvSpPr>
-            <a:spLocks noGrp="1"/>
-          </p:cNvSpPr>
-          <p:nvPr>
-            <p:ph type="title"/>
-          </p:nvPr>
-        </p:nvSpPr>
+          </a:blip>
+          <a:stretch>
+            <a:fillRect/>
+          </a:stretch>
+        </p:blipFill>
         <p:spPr>
           <a:xfrm>
-            <a:off x="839788" y="365125"/>
-            <a:ext cx="10515600" cy="1325563"/>
+            <a:off x="913795" y="1734506"/>
+            <a:ext cx="5089072" cy="4148769"/>
+          </a:xfrm>
+          <a:prstGeom prst="rect">
+            <a:avLst/>
+          </a:prstGeom>
+        </p:spPr>
+      </p:pic>
+      <p:pic>
+        <p:nvPicPr>
+          <p:cNvPr id="21" name="Picture 20" descr="Slate-V2-HD-compPhotoInset.png"/>
+          <p:cNvPicPr>
+            <a:picLocks noChangeAspect="1"/>
+          </p:cNvPicPr>
+          <p:nvPr/>
+        </p:nvPicPr>
+        <p:blipFill>
+          <a:blip r:embed="rId2">
+            <a:extLst>
+              <a:ext uri="{28A0092B-C50C-407E-A947-70E740481C1C}">
+                <a14:useLocalDpi xmlns:a14="http://schemas.microsoft.com/office/drawing/2010/main" val="0"/>
+              </a:ext>
+            </a:extLst>
+          </a:blip>
+          <a:stretch>
+            <a:fillRect/>
+          </a:stretch>
+        </p:blipFill>
+        <p:spPr>
+          <a:xfrm>
+            <a:off x="6178485" y="1734506"/>
+            <a:ext cx="5089072" cy="4148769"/>
+          </a:xfrm>
+          <a:prstGeom prst="rect">
+            <a:avLst/>
+          </a:prstGeom>
+        </p:spPr>
+      </p:pic>
+      <p:sp>
+        <p:nvSpPr>
+          <p:cNvPr id="2" name="Title 1"/>
+          <p:cNvSpPr>
+            <a:spLocks noGrp="1"/>
+          </p:cNvSpPr>
+          <p:nvPr>
+            <p:ph type="title"/>
+          </p:nvPr>
+        </p:nvSpPr>
+        <p:spPr/>
+        <p:txBody>
+          <a:bodyPr/>
+          <a:lstStyle>
+            <a:lvl1pPr>
+              <a:defRPr/>
+            </a:lvl1pPr>
+          </a:lstStyle>
+          <a:p>
+            <a:r>
+              <a:rPr lang="en-US"/>
+              <a:t>Click to edit Master title style</a:t>
+            </a:r>
+            <a:endParaRPr lang="en-US" dirty="0"/>
+          </a:p>
+        </p:txBody>
+      </p:sp>
+      <p:sp>
+        <p:nvSpPr>
+          <p:cNvPr id="3" name="Text Placeholder 2"/>
+          <p:cNvSpPr>
+            <a:spLocks noGrp="1"/>
+          </p:cNvSpPr>
+          <p:nvPr>
+            <p:ph type="body" idx="1"/>
+          </p:nvPr>
+        </p:nvSpPr>
+        <p:spPr>
+          <a:xfrm>
+            <a:off x="1005872" y="1835254"/>
+            <a:ext cx="4876344" cy="544884"/>
           </a:xfrm>
         </p:spPr>
         <p:txBody>
-          <a:bodyPr/>
-          <a:lstStyle/>
-          <a:p>
-            <a:r>
-              <a:rPr lang="en-US"/>
-              <a:t>Click to edit Master title style</a:t>
-            </a:r>
-          </a:p>
-        </p:txBody>
-      </p:sp>
-      <p:sp>
-        <p:nvSpPr>
-          <p:cNvPr id="3" name="Text Placeholder 2">
-            <a:extLst>
-              <a:ext uri="{FF2B5EF4-FFF2-40B4-BE49-F238E27FC236}">
-                <a16:creationId xmlns:a16="http://schemas.microsoft.com/office/drawing/2014/main" id="{A17CC123-9B96-2A94-E497-882B1F91004F}"/>
-              </a:ext>
-            </a:extLst>
-          </p:cNvPr>
-          <p:cNvSpPr>
-            <a:spLocks noGrp="1"/>
-          </p:cNvSpPr>
-          <p:nvPr>
-            <p:ph type="body" idx="1"/>
-          </p:nvPr>
-        </p:nvSpPr>
-        <p:spPr>
-          <a:xfrm>
-            <a:off x="839788" y="1681163"/>
-            <a:ext cx="5157787" cy="823912"/>
-          </a:xfrm>
-        </p:spPr>
-        <p:txBody>
-          <a:bodyPr anchor="b"/>
+          <a:bodyPr anchor="b">
+            <a:noAutofit/>
+          </a:bodyPr>
           <a:lstStyle>
-            <a:lvl1pPr marL="0" indent="0">
-              <a:buNone/>
-              <a:defRPr sz="2400" b="1"/>
+            <a:lvl1pPr marL="0" indent="0" algn="ctr">
+              <a:buNone/>
+              <a:defRPr sz="2400" b="0"/>
             </a:lvl1pPr>
             <a:lvl2pPr marL="457200" indent="0">
               <a:buNone/>
@@ -1719,13 +4348,7 @@
       </p:sp>
       <p:sp>
         <p:nvSpPr>
-          <p:cNvPr id="4" name="Content Placeholder 3">
-            <a:extLst>
-              <a:ext uri="{FF2B5EF4-FFF2-40B4-BE49-F238E27FC236}">
-                <a16:creationId xmlns:a16="http://schemas.microsoft.com/office/drawing/2014/main" id="{DB968E3D-80D5-0817-0FE9-BCB42744B0B4}"/>
-              </a:ext>
-            </a:extLst>
-          </p:cNvPr>
+          <p:cNvPr id="4" name="Content Placeholder 3"/>
           <p:cNvSpPr>
             <a:spLocks noGrp="1"/>
           </p:cNvSpPr>
@@ -1735,13 +4358,31 @@
         </p:nvSpPr>
         <p:spPr>
           <a:xfrm>
-            <a:off x="839788" y="2505075"/>
-            <a:ext cx="5157787" cy="3684588"/>
+            <a:off x="1005872" y="2380137"/>
+            <a:ext cx="4876344" cy="3411063"/>
           </a:xfrm>
         </p:spPr>
         <p:txBody>
-          <a:bodyPr/>
-          <a:lstStyle/>
+          <a:bodyPr anchor="t">
+            <a:normAutofit/>
+          </a:bodyPr>
+          <a:lstStyle>
+            <a:lvl1pPr>
+              <a:defRPr sz="1800"/>
+            </a:lvl1pPr>
+            <a:lvl2pPr>
+              <a:defRPr sz="1600"/>
+            </a:lvl2pPr>
+            <a:lvl3pPr>
+              <a:defRPr sz="1400"/>
+            </a:lvl3pPr>
+            <a:lvl4pPr>
+              <a:defRPr sz="1200"/>
+            </a:lvl4pPr>
+            <a:lvl5pPr>
+              <a:defRPr sz="1200"/>
+            </a:lvl5pPr>
+          </a:lstStyle>
           <a:p>
             <a:pPr lvl="0"/>
             <a:r>
@@ -1776,18 +4417,13 @@
               <a:rPr lang="en-US"/>
               <a:t>Fifth level</a:t>
             </a:r>
-          </a:p>
-        </p:txBody>
-      </p:sp>
-      <p:sp>
-        <p:nvSpPr>
-          <p:cNvPr id="5" name="Text Placeholder 4">
-            <a:extLst>
-              <a:ext uri="{FF2B5EF4-FFF2-40B4-BE49-F238E27FC236}">
-                <a16:creationId xmlns:a16="http://schemas.microsoft.com/office/drawing/2014/main" id="{70073155-3BA5-2C9D-85A2-08C22886F2C4}"/>
-              </a:ext>
-            </a:extLst>
-          </p:cNvPr>
+            <a:endParaRPr lang="en-US" dirty="0"/>
+          </a:p>
+        </p:txBody>
+      </p:sp>
+      <p:sp>
+        <p:nvSpPr>
+          <p:cNvPr id="5" name="Text Placeholder 4"/>
           <p:cNvSpPr>
             <a:spLocks noGrp="1"/>
           </p:cNvSpPr>
@@ -1797,16 +4433,18 @@
         </p:nvSpPr>
         <p:spPr>
           <a:xfrm>
-            <a:off x="6172200" y="1681163"/>
-            <a:ext cx="5183188" cy="823912"/>
+            <a:off x="6294967" y="1835254"/>
+            <a:ext cx="4895330" cy="544883"/>
           </a:xfrm>
         </p:spPr>
         <p:txBody>
-          <a:bodyPr anchor="b"/>
+          <a:bodyPr anchor="b">
+            <a:noAutofit/>
+          </a:bodyPr>
           <a:lstStyle>
-            <a:lvl1pPr marL="0" indent="0">
-              <a:buNone/>
-              <a:defRPr sz="2400" b="1"/>
+            <a:lvl1pPr marL="0" indent="0" algn="ctr">
+              <a:buNone/>
+              <a:defRPr sz="2400" b="0"/>
             </a:lvl1pPr>
             <a:lvl2pPr marL="457200" indent="0">
               <a:buNone/>
@@ -1852,13 +4490,7 @@
       </p:sp>
       <p:sp>
         <p:nvSpPr>
-          <p:cNvPr id="6" name="Content Placeholder 5">
-            <a:extLst>
-              <a:ext uri="{FF2B5EF4-FFF2-40B4-BE49-F238E27FC236}">
-                <a16:creationId xmlns:a16="http://schemas.microsoft.com/office/drawing/2014/main" id="{74E96B56-41A5-3F11-C67C-37C35E32B5AB}"/>
-              </a:ext>
-            </a:extLst>
-          </p:cNvPr>
+          <p:cNvPr id="6" name="Content Placeholder 5"/>
           <p:cNvSpPr>
             <a:spLocks noGrp="1"/>
           </p:cNvSpPr>
@@ -1868,13 +4500,31 @@
         </p:nvSpPr>
         <p:spPr>
           <a:xfrm>
-            <a:off x="6172200" y="2505075"/>
-            <a:ext cx="5183188" cy="3684588"/>
+            <a:off x="6294967" y="2380137"/>
+            <a:ext cx="4895330" cy="3411063"/>
           </a:xfrm>
         </p:spPr>
         <p:txBody>
-          <a:bodyPr/>
-          <a:lstStyle/>
+          <a:bodyPr anchor="t">
+            <a:normAutofit/>
+          </a:bodyPr>
+          <a:lstStyle>
+            <a:lvl1pPr>
+              <a:defRPr sz="1800"/>
+            </a:lvl1pPr>
+            <a:lvl2pPr>
+              <a:defRPr sz="1600"/>
+            </a:lvl2pPr>
+            <a:lvl3pPr>
+              <a:defRPr sz="1400"/>
+            </a:lvl3pPr>
+            <a:lvl4pPr>
+              <a:defRPr sz="1200"/>
+            </a:lvl4pPr>
+            <a:lvl5pPr>
+              <a:defRPr sz="1200"/>
+            </a:lvl5pPr>
+          </a:lstStyle>
           <a:p>
             <a:pPr lvl="0"/>
             <a:r>
@@ -1909,18 +4559,13 @@
               <a:rPr lang="en-US"/>
               <a:t>Fifth level</a:t>
             </a:r>
-          </a:p>
-        </p:txBody>
-      </p:sp>
-      <p:sp>
-        <p:nvSpPr>
-          <p:cNvPr id="7" name="Date Placeholder 6">
-            <a:extLst>
-              <a:ext uri="{FF2B5EF4-FFF2-40B4-BE49-F238E27FC236}">
-                <a16:creationId xmlns:a16="http://schemas.microsoft.com/office/drawing/2014/main" id="{05B24D82-2E8C-EA1F-04BF-99D3E77A61D7}"/>
-              </a:ext>
-            </a:extLst>
-          </p:cNvPr>
+            <a:endParaRPr lang="en-US" dirty="0"/>
+          </a:p>
+        </p:txBody>
+      </p:sp>
+      <p:sp>
+        <p:nvSpPr>
+          <p:cNvPr id="7" name="Date Placeholder 6"/>
           <p:cNvSpPr>
             <a:spLocks noGrp="1"/>
           </p:cNvSpPr>
@@ -1943,13 +4588,7 @@
       </p:sp>
       <p:sp>
         <p:nvSpPr>
-          <p:cNvPr id="8" name="Footer Placeholder 7">
-            <a:extLst>
-              <a:ext uri="{FF2B5EF4-FFF2-40B4-BE49-F238E27FC236}">
-                <a16:creationId xmlns:a16="http://schemas.microsoft.com/office/drawing/2014/main" id="{B065E047-39A6-A096-41BF-B4A8D404CC25}"/>
-              </a:ext>
-            </a:extLst>
-          </p:cNvPr>
+          <p:cNvPr id="8" name="Footer Placeholder 7"/>
           <p:cNvSpPr>
             <a:spLocks noGrp="1"/>
           </p:cNvSpPr>
@@ -1968,13 +4607,7 @@
       </p:sp>
       <p:sp>
         <p:nvSpPr>
-          <p:cNvPr id="9" name="Slide Number Placeholder 8">
-            <a:extLst>
-              <a:ext uri="{FF2B5EF4-FFF2-40B4-BE49-F238E27FC236}">
-                <a16:creationId xmlns:a16="http://schemas.microsoft.com/office/drawing/2014/main" id="{66EF87F6-3725-B549-A151-3C4586AD64ED}"/>
-              </a:ext>
-            </a:extLst>
-          </p:cNvPr>
+          <p:cNvPr id="9" name="Slide Number Placeholder 8"/>
           <p:cNvSpPr>
             <a:spLocks noGrp="1"/>
           </p:cNvSpPr>
@@ -1998,7 +4631,7 @@
     </p:spTree>
     <p:extLst>
       <p:ext uri="{BB962C8B-B14F-4D97-AF65-F5344CB8AC3E}">
-        <p14:creationId xmlns:p14="http://schemas.microsoft.com/office/powerpoint/2010/main" val="4217923194"/>
+        <p14:creationId xmlns:p14="http://schemas.microsoft.com/office/powerpoint/2010/main" val="2642772134"/>
       </p:ext>
     </p:extLst>
   </p:cSld>
@@ -2027,13 +4660,7 @@
       </p:grpSpPr>
       <p:sp>
         <p:nvSpPr>
-          <p:cNvPr id="2" name="Title 1">
-            <a:extLst>
-              <a:ext uri="{FF2B5EF4-FFF2-40B4-BE49-F238E27FC236}">
-                <a16:creationId xmlns:a16="http://schemas.microsoft.com/office/drawing/2014/main" id="{FE8DFA8D-553B-2D04-36CB-80D64DE073A0}"/>
-              </a:ext>
-            </a:extLst>
-          </p:cNvPr>
+          <p:cNvPr id="2" name="Title 1"/>
           <p:cNvSpPr>
             <a:spLocks noGrp="1"/>
           </p:cNvSpPr>
@@ -2050,18 +4677,13 @@
               <a:rPr lang="en-US"/>
               <a:t>Click to edit Master title style</a:t>
             </a:r>
-          </a:p>
-        </p:txBody>
-      </p:sp>
-      <p:sp>
-        <p:nvSpPr>
-          <p:cNvPr id="3" name="Date Placeholder 2">
-            <a:extLst>
-              <a:ext uri="{FF2B5EF4-FFF2-40B4-BE49-F238E27FC236}">
-                <a16:creationId xmlns:a16="http://schemas.microsoft.com/office/drawing/2014/main" id="{21A225A4-E250-D272-112E-FB78E3794B98}"/>
-              </a:ext>
-            </a:extLst>
-          </p:cNvPr>
+            <a:endParaRPr lang="en-US" dirty="0"/>
+          </a:p>
+        </p:txBody>
+      </p:sp>
+      <p:sp>
+        <p:nvSpPr>
+          <p:cNvPr id="3" name="Date Placeholder 2"/>
           <p:cNvSpPr>
             <a:spLocks noGrp="1"/>
           </p:cNvSpPr>
@@ -2084,13 +4706,7 @@
       </p:sp>
       <p:sp>
         <p:nvSpPr>
-          <p:cNvPr id="4" name="Footer Placeholder 3">
-            <a:extLst>
-              <a:ext uri="{FF2B5EF4-FFF2-40B4-BE49-F238E27FC236}">
-                <a16:creationId xmlns:a16="http://schemas.microsoft.com/office/drawing/2014/main" id="{81E60212-DA22-DC83-D97A-56FD17CBCB68}"/>
-              </a:ext>
-            </a:extLst>
-          </p:cNvPr>
+          <p:cNvPr id="4" name="Footer Placeholder 3"/>
           <p:cNvSpPr>
             <a:spLocks noGrp="1"/>
           </p:cNvSpPr>
@@ -2109,13 +4725,7 @@
       </p:sp>
       <p:sp>
         <p:nvSpPr>
-          <p:cNvPr id="5" name="Slide Number Placeholder 4">
-            <a:extLst>
-              <a:ext uri="{FF2B5EF4-FFF2-40B4-BE49-F238E27FC236}">
-                <a16:creationId xmlns:a16="http://schemas.microsoft.com/office/drawing/2014/main" id="{370F5258-5889-89A9-849A-E5658E0CED92}"/>
-              </a:ext>
-            </a:extLst>
-          </p:cNvPr>
+          <p:cNvPr id="5" name="Slide Number Placeholder 4"/>
           <p:cNvSpPr>
             <a:spLocks noGrp="1"/>
           </p:cNvSpPr>
@@ -2139,7 +4749,7 @@
     </p:spTree>
     <p:extLst>
       <p:ext uri="{BB962C8B-B14F-4D97-AF65-F5344CB8AC3E}">
-        <p14:creationId xmlns:p14="http://schemas.microsoft.com/office/powerpoint/2010/main" val="595408080"/>
+        <p14:creationId xmlns:p14="http://schemas.microsoft.com/office/powerpoint/2010/main" val="1933742339"/>
       </p:ext>
     </p:extLst>
   </p:cSld>
@@ -2168,13 +4778,7 @@
       </p:grpSpPr>
       <p:sp>
         <p:nvSpPr>
-          <p:cNvPr id="2" name="Date Placeholder 1">
-            <a:extLst>
-              <a:ext uri="{FF2B5EF4-FFF2-40B4-BE49-F238E27FC236}">
-                <a16:creationId xmlns:a16="http://schemas.microsoft.com/office/drawing/2014/main" id="{5BD4DF51-9CFE-121E-609D-C355997689D1}"/>
-              </a:ext>
-            </a:extLst>
-          </p:cNvPr>
+          <p:cNvPr id="2" name="Date Placeholder 1"/>
           <p:cNvSpPr>
             <a:spLocks noGrp="1"/>
           </p:cNvSpPr>
@@ -2197,13 +4801,7 @@
       </p:sp>
       <p:sp>
         <p:nvSpPr>
-          <p:cNvPr id="3" name="Footer Placeholder 2">
-            <a:extLst>
-              <a:ext uri="{FF2B5EF4-FFF2-40B4-BE49-F238E27FC236}">
-                <a16:creationId xmlns:a16="http://schemas.microsoft.com/office/drawing/2014/main" id="{06EBB6E9-38EF-400B-0FFE-32DFDF5384B8}"/>
-              </a:ext>
-            </a:extLst>
-          </p:cNvPr>
+          <p:cNvPr id="3" name="Footer Placeholder 2"/>
           <p:cNvSpPr>
             <a:spLocks noGrp="1"/>
           </p:cNvSpPr>
@@ -2222,13 +4820,7 @@
       </p:sp>
       <p:sp>
         <p:nvSpPr>
-          <p:cNvPr id="4" name="Slide Number Placeholder 3">
-            <a:extLst>
-              <a:ext uri="{FF2B5EF4-FFF2-40B4-BE49-F238E27FC236}">
-                <a16:creationId xmlns:a16="http://schemas.microsoft.com/office/drawing/2014/main" id="{41F32028-0F39-09FE-9262-1FBDAA69A255}"/>
-              </a:ext>
-            </a:extLst>
-          </p:cNvPr>
+          <p:cNvPr id="4" name="Slide Number Placeholder 3"/>
           <p:cNvSpPr>
             <a:spLocks noGrp="1"/>
           </p:cNvSpPr>
@@ -2252,7 +4844,7 @@
     </p:spTree>
     <p:extLst>
       <p:ext uri="{BB962C8B-B14F-4D97-AF65-F5344CB8AC3E}">
-        <p14:creationId xmlns:p14="http://schemas.microsoft.com/office/powerpoint/2010/main" val="1095359679"/>
+        <p14:creationId xmlns:p14="http://schemas.microsoft.com/office/powerpoint/2010/main" val="3233041565"/>
       </p:ext>
     </p:extLst>
   </p:cSld>
@@ -2281,13 +4873,7 @@
       </p:grpSpPr>
       <p:sp>
         <p:nvSpPr>
-          <p:cNvPr id="2" name="Title 1">
-            <a:extLst>
-              <a:ext uri="{FF2B5EF4-FFF2-40B4-BE49-F238E27FC236}">
-                <a16:creationId xmlns:a16="http://schemas.microsoft.com/office/drawing/2014/main" id="{088D0DD0-4978-4875-4317-B04683D8F168}"/>
-              </a:ext>
-            </a:extLst>
-          </p:cNvPr>
+          <p:cNvPr id="2" name="Title 1"/>
           <p:cNvSpPr>
             <a:spLocks noGrp="1"/>
           </p:cNvSpPr>
@@ -2297,15 +4883,17 @@
         </p:nvSpPr>
         <p:spPr>
           <a:xfrm>
-            <a:off x="839788" y="457200"/>
-            <a:ext cx="3932237" cy="1600200"/>
+            <a:off x="913795" y="609600"/>
+            <a:ext cx="3706889" cy="1821918"/>
           </a:xfrm>
         </p:spPr>
         <p:txBody>
-          <a:bodyPr anchor="b"/>
+          <a:bodyPr anchor="b">
+            <a:normAutofit/>
+          </a:bodyPr>
           <a:lstStyle>
-            <a:lvl1pPr>
-              <a:defRPr sz="3200"/>
+            <a:lvl1pPr algn="ctr">
+              <a:defRPr sz="2400" b="0"/>
             </a:lvl1pPr>
           </a:lstStyle>
           <a:p>
@@ -2313,18 +4901,13 @@
               <a:rPr lang="en-US"/>
               <a:t>Click to edit Master title style</a:t>
             </a:r>
-          </a:p>
-        </p:txBody>
-      </p:sp>
-      <p:sp>
-        <p:nvSpPr>
-          <p:cNvPr id="3" name="Content Placeholder 2">
-            <a:extLst>
-              <a:ext uri="{FF2B5EF4-FFF2-40B4-BE49-F238E27FC236}">
-                <a16:creationId xmlns:a16="http://schemas.microsoft.com/office/drawing/2014/main" id="{5A9242CF-167B-8AB4-0762-CF6CE59B4C87}"/>
-              </a:ext>
-            </a:extLst>
-          </p:cNvPr>
+            <a:endParaRPr lang="en-US" dirty="0"/>
+          </a:p>
+        </p:txBody>
+      </p:sp>
+      <p:sp>
+        <p:nvSpPr>
+          <p:cNvPr id="3" name="Content Placeholder 2"/>
           <p:cNvSpPr>
             <a:spLocks noGrp="1"/>
           </p:cNvSpPr>
@@ -2334,41 +4917,15 @@
         </p:nvSpPr>
         <p:spPr>
           <a:xfrm>
-            <a:off x="5183188" y="987425"/>
-            <a:ext cx="6172200" cy="4873625"/>
+            <a:off x="4855633" y="609600"/>
+            <a:ext cx="6411924" cy="5181600"/>
           </a:xfrm>
         </p:spPr>
         <p:txBody>
-          <a:bodyPr/>
-          <a:lstStyle>
-            <a:lvl1pPr>
-              <a:defRPr sz="3200"/>
-            </a:lvl1pPr>
-            <a:lvl2pPr>
-              <a:defRPr sz="2800"/>
-            </a:lvl2pPr>
-            <a:lvl3pPr>
-              <a:defRPr sz="2400"/>
-            </a:lvl3pPr>
-            <a:lvl4pPr>
-              <a:defRPr sz="2000"/>
-            </a:lvl4pPr>
-            <a:lvl5pPr>
-              <a:defRPr sz="2000"/>
-            </a:lvl5pPr>
-            <a:lvl6pPr>
-              <a:defRPr sz="2000"/>
-            </a:lvl6pPr>
-            <a:lvl7pPr>
-              <a:defRPr sz="2000"/>
-            </a:lvl7pPr>
-            <a:lvl8pPr>
-              <a:defRPr sz="2000"/>
-            </a:lvl8pPr>
-            <a:lvl9pPr>
-              <a:defRPr sz="2000"/>
-            </a:lvl9pPr>
-          </a:lstStyle>
+          <a:bodyPr>
+            <a:normAutofit/>
+          </a:bodyPr>
+          <a:lstStyle/>
           <a:p>
             <a:pPr lvl="0"/>
             <a:r>
@@ -2403,18 +4960,13 @@
               <a:rPr lang="en-US"/>
               <a:t>Fifth level</a:t>
             </a:r>
-          </a:p>
-        </p:txBody>
-      </p:sp>
-      <p:sp>
-        <p:nvSpPr>
-          <p:cNvPr id="4" name="Text Placeholder 3">
-            <a:extLst>
-              <a:ext uri="{FF2B5EF4-FFF2-40B4-BE49-F238E27FC236}">
-                <a16:creationId xmlns:a16="http://schemas.microsoft.com/office/drawing/2014/main" id="{0128EE47-67D6-569B-4DC0-A35B06F00364}"/>
-              </a:ext>
-            </a:extLst>
-          </p:cNvPr>
+            <a:endParaRPr lang="en-US" dirty="0"/>
+          </a:p>
+        </p:txBody>
+      </p:sp>
+      <p:sp>
+        <p:nvSpPr>
+          <p:cNvPr id="4" name="Text Placeholder 3"/>
           <p:cNvSpPr>
             <a:spLocks noGrp="1"/>
           </p:cNvSpPr>
@@ -2424,48 +4976,50 @@
         </p:nvSpPr>
         <p:spPr>
           <a:xfrm>
-            <a:off x="839788" y="2057400"/>
-            <a:ext cx="3932237" cy="3811588"/>
+            <a:off x="913795" y="2431518"/>
+            <a:ext cx="3706889" cy="3359681"/>
           </a:xfrm>
         </p:spPr>
         <p:txBody>
-          <a:bodyPr/>
+          <a:bodyPr anchor="t">
+            <a:normAutofit/>
+          </a:bodyPr>
           <a:lstStyle>
-            <a:lvl1pPr marL="0" indent="0">
+            <a:lvl1pPr marL="0" indent="0" algn="ctr">
               <a:buNone/>
               <a:defRPr sz="1600"/>
             </a:lvl1pPr>
             <a:lvl2pPr marL="457200" indent="0">
               <a:buNone/>
-              <a:defRPr sz="1400"/>
+              <a:defRPr sz="1200"/>
             </a:lvl2pPr>
             <a:lvl3pPr marL="914400" indent="0">
               <a:buNone/>
-              <a:defRPr sz="1200"/>
+              <a:defRPr sz="1000"/>
             </a:lvl3pPr>
             <a:lvl4pPr marL="1371600" indent="0">
               <a:buNone/>
-              <a:defRPr sz="1000"/>
+              <a:defRPr sz="900"/>
             </a:lvl4pPr>
             <a:lvl5pPr marL="1828800" indent="0">
               <a:buNone/>
-              <a:defRPr sz="1000"/>
+              <a:defRPr sz="900"/>
             </a:lvl5pPr>
             <a:lvl6pPr marL="2286000" indent="0">
               <a:buNone/>
-              <a:defRPr sz="1000"/>
+              <a:defRPr sz="900"/>
             </a:lvl6pPr>
             <a:lvl7pPr marL="2743200" indent="0">
               <a:buNone/>
-              <a:defRPr sz="1000"/>
+              <a:defRPr sz="900"/>
             </a:lvl7pPr>
             <a:lvl8pPr marL="3200400" indent="0">
               <a:buNone/>
-              <a:defRPr sz="1000"/>
+              <a:defRPr sz="900"/>
             </a:lvl8pPr>
             <a:lvl9pPr marL="3657600" indent="0">
               <a:buNone/>
-              <a:defRPr sz="1000"/>
+              <a:defRPr sz="900"/>
             </a:lvl9pPr>
           </a:lstStyle>
           <a:p>
@@ -2479,13 +5033,7 @@
       </p:sp>
       <p:sp>
         <p:nvSpPr>
-          <p:cNvPr id="5" name="Date Placeholder 4">
-            <a:extLst>
-              <a:ext uri="{FF2B5EF4-FFF2-40B4-BE49-F238E27FC236}">
-                <a16:creationId xmlns:a16="http://schemas.microsoft.com/office/drawing/2014/main" id="{11E5D8FD-6210-FE65-ED95-24FEB12085A5}"/>
-              </a:ext>
-            </a:extLst>
-          </p:cNvPr>
+          <p:cNvPr id="5" name="Date Placeholder 4"/>
           <p:cNvSpPr>
             <a:spLocks noGrp="1"/>
           </p:cNvSpPr>
@@ -2508,13 +5056,7 @@
       </p:sp>
       <p:sp>
         <p:nvSpPr>
-          <p:cNvPr id="6" name="Footer Placeholder 5">
-            <a:extLst>
-              <a:ext uri="{FF2B5EF4-FFF2-40B4-BE49-F238E27FC236}">
-                <a16:creationId xmlns:a16="http://schemas.microsoft.com/office/drawing/2014/main" id="{B2E5E737-67F2-889B-FBF0-C49E5CFA4F09}"/>
-              </a:ext>
-            </a:extLst>
-          </p:cNvPr>
+          <p:cNvPr id="6" name="Footer Placeholder 5"/>
           <p:cNvSpPr>
             <a:spLocks noGrp="1"/>
           </p:cNvSpPr>
@@ -2533,13 +5075,7 @@
       </p:sp>
       <p:sp>
         <p:nvSpPr>
-          <p:cNvPr id="7" name="Slide Number Placeholder 6">
-            <a:extLst>
-              <a:ext uri="{FF2B5EF4-FFF2-40B4-BE49-F238E27FC236}">
-                <a16:creationId xmlns:a16="http://schemas.microsoft.com/office/drawing/2014/main" id="{D008DED2-3147-3E7B-A519-791CAFD91DB1}"/>
-              </a:ext>
-            </a:extLst>
-          </p:cNvPr>
+          <p:cNvPr id="7" name="Slide Number Placeholder 6"/>
           <p:cNvSpPr>
             <a:spLocks noGrp="1"/>
           </p:cNvSpPr>
@@ -2563,7 +5099,7 @@
     </p:spTree>
     <p:extLst>
       <p:ext uri="{BB962C8B-B14F-4D97-AF65-F5344CB8AC3E}">
-        <p14:creationId xmlns:p14="http://schemas.microsoft.com/office/powerpoint/2010/main" val="2231078401"/>
+        <p14:creationId xmlns:p14="http://schemas.microsoft.com/office/powerpoint/2010/main" val="140889099"/>
       </p:ext>
     </p:extLst>
   </p:cSld>
@@ -2590,33 +5126,59 @@
           <a:chExt cx="0" cy="0"/>
         </a:xfrm>
       </p:grpSpPr>
-      <p:sp>
-        <p:nvSpPr>
-          <p:cNvPr id="2" name="Title 1">
+      <p:pic>
+        <p:nvPicPr>
+          <p:cNvPr id="22" name="Picture 21" descr="Slate-V2-HD-vertPhotoInset.png"/>
+          <p:cNvPicPr>
+            <a:picLocks noChangeAspect="1"/>
+          </p:cNvPicPr>
+          <p:nvPr/>
+        </p:nvPicPr>
+        <p:blipFill>
+          <a:blip r:embed="rId2">
             <a:extLst>
-              <a:ext uri="{FF2B5EF4-FFF2-40B4-BE49-F238E27FC236}">
-                <a16:creationId xmlns:a16="http://schemas.microsoft.com/office/drawing/2014/main" id="{79DDE489-38E8-C3EB-229D-2EFD44AD42E7}"/>
+              <a:ext uri="{28A0092B-C50C-407E-A947-70E740481C1C}">
+                <a14:useLocalDpi xmlns:a14="http://schemas.microsoft.com/office/drawing/2010/main" val="0"/>
               </a:ext>
             </a:extLst>
-          </p:cNvPr>
-          <p:cNvSpPr>
-            <a:spLocks noGrp="1"/>
-          </p:cNvSpPr>
-          <p:nvPr>
-            <p:ph type="title"/>
-          </p:nvPr>
-        </p:nvSpPr>
+          </a:blip>
+          <a:stretch>
+            <a:fillRect/>
+          </a:stretch>
+        </p:blipFill>
         <p:spPr>
           <a:xfrm>
-            <a:off x="839788" y="457200"/>
-            <a:ext cx="3932237" cy="1600200"/>
+            <a:off x="7293665" y="609600"/>
+            <a:ext cx="3584166" cy="5204832"/>
+          </a:xfrm>
+          <a:prstGeom prst="rect">
+            <a:avLst/>
+          </a:prstGeom>
+        </p:spPr>
+      </p:pic>
+      <p:sp>
+        <p:nvSpPr>
+          <p:cNvPr id="2" name="Title 1"/>
+          <p:cNvSpPr>
+            <a:spLocks noGrp="1"/>
+          </p:cNvSpPr>
+          <p:nvPr>
+            <p:ph type="title"/>
+          </p:nvPr>
+        </p:nvSpPr>
+        <p:spPr>
+          <a:xfrm>
+            <a:off x="913795" y="609923"/>
+            <a:ext cx="5934949" cy="1829338"/>
           </a:xfrm>
         </p:spPr>
         <p:txBody>
-          <a:bodyPr anchor="b"/>
+          <a:bodyPr anchor="b">
+            <a:noAutofit/>
+          </a:bodyPr>
           <a:lstStyle>
-            <a:lvl1pPr>
-              <a:defRPr sz="3200"/>
+            <a:lvl1pPr algn="ctr">
+              <a:defRPr sz="3200" b="0"/>
             </a:lvl1pPr>
           </a:lstStyle>
           <a:p>
@@ -2624,20 +5186,15 @@
               <a:rPr lang="en-US"/>
               <a:t>Click to edit Master title style</a:t>
             </a:r>
-          </a:p>
-        </p:txBody>
-      </p:sp>
-      <p:sp>
-        <p:nvSpPr>
-          <p:cNvPr id="3" name="Picture Placeholder 2">
-            <a:extLst>
-              <a:ext uri="{FF2B5EF4-FFF2-40B4-BE49-F238E27FC236}">
-                <a16:creationId xmlns:a16="http://schemas.microsoft.com/office/drawing/2014/main" id="{23DB7F50-34BF-88AE-906F-ACB712B5B7CD}"/>
-              </a:ext>
-            </a:extLst>
-          </p:cNvPr>
-          <p:cNvSpPr>
-            <a:spLocks noGrp="1"/>
+            <a:endParaRPr lang="en-US" dirty="0"/>
+          </a:p>
+        </p:txBody>
+      </p:sp>
+      <p:sp>
+        <p:nvSpPr>
+          <p:cNvPr id="3" name="Picture Placeholder 2"/>
+          <p:cNvSpPr>
+            <a:spLocks noGrp="1" noChangeAspect="1"/>
           </p:cNvSpPr>
           <p:nvPr>
             <p:ph type="pic" idx="1"/>
@@ -2645,118 +5202,127 @@
         </p:nvSpPr>
         <p:spPr>
           <a:xfrm>
-            <a:off x="5183188" y="987425"/>
-            <a:ext cx="6172200" cy="4873625"/>
+            <a:off x="7442551" y="763702"/>
+            <a:ext cx="3275751" cy="4912822"/>
           </a:xfrm>
+          <a:effectLst>
+            <a:outerShdw blurRad="38100" dist="25400" dir="4440000">
+              <a:srgbClr val="000000">
+                <a:alpha val="36000"/>
+              </a:srgbClr>
+            </a:outerShdw>
+          </a:effectLst>
         </p:spPr>
         <p:txBody>
-          <a:bodyPr/>
+          <a:bodyPr anchor="t">
+            <a:normAutofit/>
+          </a:bodyPr>
           <a:lstStyle>
-            <a:lvl1pPr marL="0" indent="0">
-              <a:buNone/>
-              <a:defRPr sz="3200"/>
-            </a:lvl1pPr>
-            <a:lvl2pPr marL="457200" indent="0">
-              <a:buNone/>
-              <a:defRPr sz="2800"/>
-            </a:lvl2pPr>
-            <a:lvl3pPr marL="914400" indent="0">
-              <a:buNone/>
-              <a:defRPr sz="2400"/>
-            </a:lvl3pPr>
-            <a:lvl4pPr marL="1371600" indent="0">
-              <a:buNone/>
-              <a:defRPr sz="2000"/>
-            </a:lvl4pPr>
-            <a:lvl5pPr marL="1828800" indent="0">
-              <a:buNone/>
-              <a:defRPr sz="2000"/>
-            </a:lvl5pPr>
-            <a:lvl6pPr marL="2286000" indent="0">
-              <a:buNone/>
-              <a:defRPr sz="2000"/>
-            </a:lvl6pPr>
-            <a:lvl7pPr marL="2743200" indent="0">
-              <a:buNone/>
-              <a:defRPr sz="2000"/>
-            </a:lvl7pPr>
-            <a:lvl8pPr marL="3200400" indent="0">
-              <a:buNone/>
-              <a:defRPr sz="2000"/>
-            </a:lvl8pPr>
-            <a:lvl9pPr marL="3657600" indent="0">
-              <a:buNone/>
-              <a:defRPr sz="2000"/>
-            </a:lvl9pPr>
-          </a:lstStyle>
-          <a:p>
-            <a:endParaRPr lang="en-US"/>
-          </a:p>
-        </p:txBody>
-      </p:sp>
-      <p:sp>
-        <p:nvSpPr>
-          <p:cNvPr id="4" name="Text Placeholder 3">
-            <a:extLst>
-              <a:ext uri="{FF2B5EF4-FFF2-40B4-BE49-F238E27FC236}">
-                <a16:creationId xmlns:a16="http://schemas.microsoft.com/office/drawing/2014/main" id="{4629864A-3709-6B1E-E664-E9C4DC51B738}"/>
-              </a:ext>
-            </a:extLst>
-          </p:cNvPr>
-          <p:cNvSpPr>
-            <a:spLocks noGrp="1"/>
-          </p:cNvSpPr>
-          <p:nvPr>
-            <p:ph type="body" sz="half" idx="2"/>
-          </p:nvPr>
-        </p:nvSpPr>
-        <p:spPr>
-          <a:xfrm>
-            <a:off x="839788" y="2057400"/>
-            <a:ext cx="3932237" cy="3811588"/>
-          </a:xfrm>
-        </p:spPr>
-        <p:txBody>
-          <a:bodyPr/>
-          <a:lstStyle>
-            <a:lvl1pPr marL="0" indent="0">
+            <a:lvl1pPr marL="0" indent="0" algn="ctr">
               <a:buNone/>
               <a:defRPr sz="1600"/>
             </a:lvl1pPr>
             <a:lvl2pPr marL="457200" indent="0">
               <a:buNone/>
-              <a:defRPr sz="1400"/>
+              <a:defRPr sz="1600"/>
             </a:lvl2pPr>
             <a:lvl3pPr marL="914400" indent="0">
               <a:buNone/>
-              <a:defRPr sz="1200"/>
+              <a:defRPr sz="1600"/>
             </a:lvl3pPr>
             <a:lvl4pPr marL="1371600" indent="0">
               <a:buNone/>
-              <a:defRPr sz="1000"/>
+              <a:defRPr sz="1600"/>
             </a:lvl4pPr>
             <a:lvl5pPr marL="1828800" indent="0">
               <a:buNone/>
-              <a:defRPr sz="1000"/>
+              <a:defRPr sz="1600"/>
             </a:lvl5pPr>
             <a:lvl6pPr marL="2286000" indent="0">
               <a:buNone/>
-              <a:defRPr sz="1000"/>
+              <a:defRPr sz="1600"/>
             </a:lvl6pPr>
             <a:lvl7pPr marL="2743200" indent="0">
               <a:buNone/>
-              <a:defRPr sz="1000"/>
+              <a:defRPr sz="1600"/>
             </a:lvl7pPr>
             <a:lvl8pPr marL="3200400" indent="0">
               <a:buNone/>
-              <a:defRPr sz="1000"/>
+              <a:defRPr sz="1600"/>
             </a:lvl8pPr>
             <a:lvl9pPr marL="3657600" indent="0">
               <a:buNone/>
-              <a:defRPr sz="1000"/>
+              <a:defRPr sz="1600"/>
             </a:lvl9pPr>
           </a:lstStyle>
           <a:p>
+            <a:r>
+              <a:rPr lang="en-US"/>
+              <a:t>Click icon to add picture</a:t>
+            </a:r>
+            <a:endParaRPr lang="en-US" dirty="0"/>
+          </a:p>
+        </p:txBody>
+      </p:sp>
+      <p:sp>
+        <p:nvSpPr>
+          <p:cNvPr id="4" name="Text Placeholder 3"/>
+          <p:cNvSpPr>
+            <a:spLocks noGrp="1"/>
+          </p:cNvSpPr>
+          <p:nvPr>
+            <p:ph type="body" sz="half" idx="2"/>
+          </p:nvPr>
+        </p:nvSpPr>
+        <p:spPr>
+          <a:xfrm>
+            <a:off x="913795" y="2439261"/>
+            <a:ext cx="5934949" cy="3376134"/>
+          </a:xfrm>
+        </p:spPr>
+        <p:txBody>
+          <a:bodyPr anchor="t">
+            <a:normAutofit/>
+          </a:bodyPr>
+          <a:lstStyle>
+            <a:lvl1pPr marL="0" indent="0" algn="ctr">
+              <a:buNone/>
+              <a:defRPr sz="1600"/>
+            </a:lvl1pPr>
+            <a:lvl2pPr marL="457200" indent="0">
+              <a:buNone/>
+              <a:defRPr sz="1200"/>
+            </a:lvl2pPr>
+            <a:lvl3pPr marL="914400" indent="0">
+              <a:buNone/>
+              <a:defRPr sz="1000"/>
+            </a:lvl3pPr>
+            <a:lvl4pPr marL="1371600" indent="0">
+              <a:buNone/>
+              <a:defRPr sz="900"/>
+            </a:lvl4pPr>
+            <a:lvl5pPr marL="1828800" indent="0">
+              <a:buNone/>
+              <a:defRPr sz="900"/>
+            </a:lvl5pPr>
+            <a:lvl6pPr marL="2286000" indent="0">
+              <a:buNone/>
+              <a:defRPr sz="900"/>
+            </a:lvl6pPr>
+            <a:lvl7pPr marL="2743200" indent="0">
+              <a:buNone/>
+              <a:defRPr sz="900"/>
+            </a:lvl7pPr>
+            <a:lvl8pPr marL="3200400" indent="0">
+              <a:buNone/>
+              <a:defRPr sz="900"/>
+            </a:lvl8pPr>
+            <a:lvl9pPr marL="3657600" indent="0">
+              <a:buNone/>
+              <a:defRPr sz="900"/>
+            </a:lvl9pPr>
+          </a:lstStyle>
+          <a:p>
             <a:pPr lvl="0"/>
             <a:r>
               <a:rPr lang="en-US"/>
@@ -2767,13 +5333,7 @@
       </p:sp>
       <p:sp>
         <p:nvSpPr>
-          <p:cNvPr id="5" name="Date Placeholder 4">
-            <a:extLst>
-              <a:ext uri="{FF2B5EF4-FFF2-40B4-BE49-F238E27FC236}">
-                <a16:creationId xmlns:a16="http://schemas.microsoft.com/office/drawing/2014/main" id="{313EBC77-5D60-FA3F-3701-FDF4300E885E}"/>
-              </a:ext>
-            </a:extLst>
-          </p:cNvPr>
+          <p:cNvPr id="5" name="Date Placeholder 4"/>
           <p:cNvSpPr>
             <a:spLocks noGrp="1"/>
           </p:cNvSpPr>
@@ -2796,13 +5356,7 @@
       </p:sp>
       <p:sp>
         <p:nvSpPr>
-          <p:cNvPr id="6" name="Footer Placeholder 5">
-            <a:extLst>
-              <a:ext uri="{FF2B5EF4-FFF2-40B4-BE49-F238E27FC236}">
-                <a16:creationId xmlns:a16="http://schemas.microsoft.com/office/drawing/2014/main" id="{BCDE7007-C6E1-255C-8E7C-4EC958672383}"/>
-              </a:ext>
-            </a:extLst>
-          </p:cNvPr>
+          <p:cNvPr id="6" name="Footer Placeholder 5"/>
           <p:cNvSpPr>
             <a:spLocks noGrp="1"/>
           </p:cNvSpPr>
@@ -2821,13 +5375,7 @@
       </p:sp>
       <p:sp>
         <p:nvSpPr>
-          <p:cNvPr id="7" name="Slide Number Placeholder 6">
-            <a:extLst>
-              <a:ext uri="{FF2B5EF4-FFF2-40B4-BE49-F238E27FC236}">
-                <a16:creationId xmlns:a16="http://schemas.microsoft.com/office/drawing/2014/main" id="{E53366CF-79EF-D31A-5875-2B4351370666}"/>
-              </a:ext>
-            </a:extLst>
-          </p:cNvPr>
+          <p:cNvPr id="7" name="Slide Number Placeholder 6"/>
           <p:cNvSpPr>
             <a:spLocks noGrp="1"/>
           </p:cNvSpPr>
@@ -2851,7 +5399,7 @@
     </p:spTree>
     <p:extLst>
       <p:ext uri="{BB962C8B-B14F-4D97-AF65-F5344CB8AC3E}">
-        <p14:creationId xmlns:p14="http://schemas.microsoft.com/office/powerpoint/2010/main" val="4224053220"/>
+        <p14:creationId xmlns:p14="http://schemas.microsoft.com/office/powerpoint/2010/main" val="1562976034"/>
       </p:ext>
     </p:extLst>
   </p:cSld>
@@ -2865,8 +5413,8 @@
 <p:sldMaster xmlns:a="http://schemas.openxmlformats.org/drawingml/2006/main" xmlns:r="http://schemas.openxmlformats.org/officeDocument/2006/relationships" xmlns:p="http://schemas.openxmlformats.org/presentationml/2006/main">
   <p:cSld>
     <p:bg>
-      <p:bgRef idx="1001">
-        <a:schemeClr val="bg1"/>
+      <p:bgRef idx="1003">
+        <a:schemeClr val="bg2"/>
       </p:bgRef>
     </p:bg>
     <p:spTree>
@@ -2885,13 +5433,7 @@
       </p:grpSpPr>
       <p:sp>
         <p:nvSpPr>
-          <p:cNvPr id="2" name="Title Placeholder 1">
-            <a:extLst>
-              <a:ext uri="{FF2B5EF4-FFF2-40B4-BE49-F238E27FC236}">
-                <a16:creationId xmlns:a16="http://schemas.microsoft.com/office/drawing/2014/main" id="{0E5B6B0F-1151-77DD-6E54-2C1EA0E682B2}"/>
-              </a:ext>
-            </a:extLst>
-          </p:cNvPr>
+          <p:cNvPr id="2" name="Title Placeholder 1"/>
           <p:cNvSpPr>
             <a:spLocks noGrp="1"/>
           </p:cNvSpPr>
@@ -2901,12 +5443,19 @@
         </p:nvSpPr>
         <p:spPr>
           <a:xfrm>
-            <a:off x="838200" y="365125"/>
-            <a:ext cx="10515600" cy="1325563"/>
+            <a:off x="913795" y="609600"/>
+            <a:ext cx="10353762" cy="970450"/>
           </a:xfrm>
           <a:prstGeom prst="rect">
             <a:avLst/>
           </a:prstGeom>
+          <a:effectLst>
+            <a:outerShdw blurRad="25400" dir="17880000">
+              <a:srgbClr val="000000">
+                <a:alpha val="46000"/>
+              </a:srgbClr>
+            </a:outerShdw>
+          </a:effectLst>
         </p:spPr>
         <p:txBody>
           <a:bodyPr vert="horz" lIns="91440" tIns="45720" rIns="91440" bIns="45720" rtlCol="0" anchor="ctr">
@@ -2918,18 +5467,13 @@
               <a:rPr lang="en-US"/>
               <a:t>Click to edit Master title style</a:t>
             </a:r>
-          </a:p>
-        </p:txBody>
-      </p:sp>
-      <p:sp>
-        <p:nvSpPr>
-          <p:cNvPr id="3" name="Text Placeholder 2">
-            <a:extLst>
-              <a:ext uri="{FF2B5EF4-FFF2-40B4-BE49-F238E27FC236}">
-                <a16:creationId xmlns:a16="http://schemas.microsoft.com/office/drawing/2014/main" id="{C1C19935-B126-D03B-BB37-A1D767ADC543}"/>
-              </a:ext>
-            </a:extLst>
-          </p:cNvPr>
+            <a:endParaRPr lang="en-US" dirty="0"/>
+          </a:p>
+        </p:txBody>
+      </p:sp>
+      <p:sp>
+        <p:nvSpPr>
+          <p:cNvPr id="3" name="Text Placeholder 2"/>
           <p:cNvSpPr>
             <a:spLocks noGrp="1"/>
           </p:cNvSpPr>
@@ -2939,15 +5483,22 @@
         </p:nvSpPr>
         <p:spPr>
           <a:xfrm>
-            <a:off x="838200" y="1825625"/>
-            <a:ext cx="10515600" cy="4351338"/>
+            <a:off x="913795" y="1732449"/>
+            <a:ext cx="10353762" cy="4058751"/>
           </a:xfrm>
           <a:prstGeom prst="rect">
             <a:avLst/>
           </a:prstGeom>
+          <a:effectLst>
+            <a:outerShdw blurRad="25400" dir="17880000">
+              <a:srgbClr val="000000">
+                <a:alpha val="46000"/>
+              </a:srgbClr>
+            </a:outerShdw>
+          </a:effectLst>
         </p:spPr>
         <p:txBody>
-          <a:bodyPr vert="horz" lIns="91440" tIns="45720" rIns="91440" bIns="45720" rtlCol="0">
+          <a:bodyPr vert="horz" lIns="91440" tIns="45720" rIns="91440" bIns="45720" rtlCol="0" anchor="t">
             <a:normAutofit/>
           </a:bodyPr>
           <a:lstStyle/>
@@ -2985,18 +5536,13 @@
               <a:rPr lang="en-US"/>
               <a:t>Fifth level</a:t>
             </a:r>
-          </a:p>
-        </p:txBody>
-      </p:sp>
-      <p:sp>
-        <p:nvSpPr>
-          <p:cNvPr id="4" name="Date Placeholder 3">
-            <a:extLst>
-              <a:ext uri="{FF2B5EF4-FFF2-40B4-BE49-F238E27FC236}">
-                <a16:creationId xmlns:a16="http://schemas.microsoft.com/office/drawing/2014/main" id="{9A4619D3-9B00-C167-CE86-1C74BD4BC2C1}"/>
-              </a:ext>
-            </a:extLst>
-          </p:cNvPr>
+            <a:endParaRPr lang="en-US" dirty="0"/>
+          </a:p>
+        </p:txBody>
+      </p:sp>
+      <p:sp>
+        <p:nvSpPr>
+          <p:cNvPr id="4" name="Date Placeholder 3"/>
           <p:cNvSpPr>
             <a:spLocks noGrp="1"/>
           </p:cNvSpPr>
@@ -3006,7 +5552,7 @@
         </p:nvSpPr>
         <p:spPr>
           <a:xfrm>
-            <a:off x="838200" y="6356350"/>
+            <a:off x="7678736" y="5883275"/>
             <a:ext cx="2743200" cy="365125"/>
           </a:xfrm>
           <a:prstGeom prst="rect">
@@ -3016,13 +5562,20 @@
         <p:txBody>
           <a:bodyPr vert="horz" lIns="91440" tIns="45720" rIns="91440" bIns="45720" rtlCol="0" anchor="ctr"/>
           <a:lstStyle>
-            <a:lvl1pPr algn="l">
-              <a:defRPr sz="1200">
+            <a:lvl1pPr algn="r">
+              <a:defRPr sz="1000">
                 <a:solidFill>
                   <a:schemeClr val="tx1">
-                    <a:tint val="75000"/>
+                    <a:lumMod val="95000"/>
                   </a:schemeClr>
                 </a:solidFill>
+                <a:effectLst>
+                  <a:outerShdw blurRad="50800" dist="38100" dir="2700000" algn="tl" rotWithShape="0">
+                    <a:schemeClr val="bg1">
+                      <a:alpha val="43000"/>
+                    </a:schemeClr>
+                  </a:outerShdw>
+                </a:effectLst>
               </a:defRPr>
             </a:lvl1pPr>
           </a:lstStyle>
@@ -3037,13 +5590,7 @@
       </p:sp>
       <p:sp>
         <p:nvSpPr>
-          <p:cNvPr id="5" name="Footer Placeholder 4">
-            <a:extLst>
-              <a:ext uri="{FF2B5EF4-FFF2-40B4-BE49-F238E27FC236}">
-                <a16:creationId xmlns:a16="http://schemas.microsoft.com/office/drawing/2014/main" id="{4FA98838-55B4-2AA0-EE82-7601A34AEE36}"/>
-              </a:ext>
-            </a:extLst>
-          </p:cNvPr>
+          <p:cNvPr id="5" name="Footer Placeholder 4"/>
           <p:cNvSpPr>
             <a:spLocks noGrp="1"/>
           </p:cNvSpPr>
@@ -3053,8 +5600,8 @@
         </p:nvSpPr>
         <p:spPr>
           <a:xfrm>
-            <a:off x="4038600" y="6356350"/>
-            <a:ext cx="4114800" cy="365125"/>
+            <a:off x="913795" y="5883275"/>
+            <a:ext cx="6672865" cy="365125"/>
           </a:xfrm>
           <a:prstGeom prst="rect">
             <a:avLst/>
@@ -3063,13 +5610,20 @@
         <p:txBody>
           <a:bodyPr vert="horz" lIns="91440" tIns="45720" rIns="91440" bIns="45720" rtlCol="0" anchor="ctr"/>
           <a:lstStyle>
-            <a:lvl1pPr algn="ctr">
-              <a:defRPr sz="1200">
+            <a:lvl1pPr algn="l">
+              <a:defRPr sz="1000">
                 <a:solidFill>
                   <a:schemeClr val="tx1">
-                    <a:tint val="75000"/>
+                    <a:lumMod val="95000"/>
                   </a:schemeClr>
                 </a:solidFill>
+                <a:effectLst>
+                  <a:outerShdw blurRad="50800" dist="38100" dir="2700000" algn="tl" rotWithShape="0">
+                    <a:schemeClr val="bg1">
+                      <a:alpha val="43000"/>
+                    </a:schemeClr>
+                  </a:outerShdw>
+                </a:effectLst>
               </a:defRPr>
             </a:lvl1pPr>
           </a:lstStyle>
@@ -3080,13 +5634,7 @@
       </p:sp>
       <p:sp>
         <p:nvSpPr>
-          <p:cNvPr id="6" name="Slide Number Placeholder 5">
-            <a:extLst>
-              <a:ext uri="{FF2B5EF4-FFF2-40B4-BE49-F238E27FC236}">
-                <a16:creationId xmlns:a16="http://schemas.microsoft.com/office/drawing/2014/main" id="{777FC744-BAC3-21EB-8767-1B0659204DEB}"/>
-              </a:ext>
-            </a:extLst>
-          </p:cNvPr>
+          <p:cNvPr id="6" name="Slide Number Placeholder 5"/>
           <p:cNvSpPr>
             <a:spLocks noGrp="1"/>
           </p:cNvSpPr>
@@ -3096,8 +5644,8 @@
         </p:nvSpPr>
         <p:spPr>
           <a:xfrm>
-            <a:off x="8610600" y="6356350"/>
-            <a:ext cx="2743200" cy="365125"/>
+            <a:off x="10514011" y="5883275"/>
+            <a:ext cx="753545" cy="365125"/>
           </a:xfrm>
           <a:prstGeom prst="rect">
             <a:avLst/>
@@ -3107,12 +5655,19 @@
           <a:bodyPr vert="horz" lIns="91440" tIns="45720" rIns="91440" bIns="45720" rtlCol="0" anchor="ctr"/>
           <a:lstStyle>
             <a:lvl1pPr algn="r">
-              <a:defRPr sz="1200">
+              <a:defRPr sz="1000">
                 <a:solidFill>
                   <a:schemeClr val="tx1">
-                    <a:tint val="75000"/>
+                    <a:lumMod val="95000"/>
                   </a:schemeClr>
                 </a:solidFill>
+                <a:effectLst>
+                  <a:outerShdw blurRad="50800" dist="38100" dir="2700000" algn="tl" rotWithShape="0">
+                    <a:schemeClr val="bg1">
+                      <a:alpha val="43000"/>
+                    </a:schemeClr>
+                  </a:outerShdw>
+                </a:effectLst>
               </a:defRPr>
             </a:lvl1pPr>
           </a:lstStyle>
@@ -3128,202 +5683,457 @@
     </p:spTree>
     <p:extLst>
       <p:ext uri="{BB962C8B-B14F-4D97-AF65-F5344CB8AC3E}">
-        <p14:creationId xmlns:p14="http://schemas.microsoft.com/office/powerpoint/2010/main" val="418377604"/>
+        <p14:creationId xmlns:p14="http://schemas.microsoft.com/office/powerpoint/2010/main" val="1978164377"/>
       </p:ext>
     </p:extLst>
   </p:cSld>
-  <p:clrMap bg1="lt1" tx1="dk1" bg2="lt2" tx2="dk2" accent1="accent1" accent2="accent2" accent3="accent3" accent4="accent4" accent5="accent5" accent6="accent6" hlink="hlink" folHlink="folHlink"/>
+  <p:clrMap bg1="dk1" tx1="lt1" bg2="dk2" tx2="lt2" accent1="accent1" accent2="accent2" accent3="accent3" accent4="accent4" accent5="accent5" accent6="accent6" hlink="hlink" folHlink="folHlink"/>
   <p:sldLayoutIdLst>
-    <p:sldLayoutId id="2147483649" r:id="rId1"/>
-    <p:sldLayoutId id="2147483650" r:id="rId2"/>
-    <p:sldLayoutId id="2147483651" r:id="rId3"/>
-    <p:sldLayoutId id="2147483652" r:id="rId4"/>
-    <p:sldLayoutId id="2147483653" r:id="rId5"/>
-    <p:sldLayoutId id="2147483654" r:id="rId6"/>
-    <p:sldLayoutId id="2147483655" r:id="rId7"/>
-    <p:sldLayoutId id="2147483656" r:id="rId8"/>
-    <p:sldLayoutId id="2147483657" r:id="rId9"/>
-    <p:sldLayoutId id="2147483658" r:id="rId10"/>
-    <p:sldLayoutId id="2147483659" r:id="rId11"/>
+    <p:sldLayoutId id="2147483661" r:id="rId1"/>
+    <p:sldLayoutId id="2147483662" r:id="rId2"/>
+    <p:sldLayoutId id="2147483663" r:id="rId3"/>
+    <p:sldLayoutId id="2147483664" r:id="rId4"/>
+    <p:sldLayoutId id="2147483665" r:id="rId5"/>
+    <p:sldLayoutId id="2147483666" r:id="rId6"/>
+    <p:sldLayoutId id="2147483667" r:id="rId7"/>
+    <p:sldLayoutId id="2147483668" r:id="rId8"/>
+    <p:sldLayoutId id="2147483669" r:id="rId9"/>
+    <p:sldLayoutId id="2147483670" r:id="rId10"/>
+    <p:sldLayoutId id="2147483671" r:id="rId11"/>
+    <p:sldLayoutId id="2147483672" r:id="rId12"/>
+    <p:sldLayoutId id="2147483673" r:id="rId13"/>
+    <p:sldLayoutId id="2147483674" r:id="rId14"/>
+    <p:sldLayoutId id="2147483675" r:id="rId15"/>
+    <p:sldLayoutId id="2147483676" r:id="rId16"/>
+    <p:sldLayoutId id="2147483677" r:id="rId17"/>
   </p:sldLayoutIdLst>
   <p:txStyles>
     <p:titleStyle>
-      <a:lvl1pPr algn="l" defTabSz="914400" rtl="0" eaLnBrk="1" latinLnBrk="0" hangingPunct="1">
-        <a:lnSpc>
-          <a:spcPct val="90000"/>
-        </a:lnSpc>
+      <a:lvl1pPr algn="ctr" defTabSz="457200" rtl="0" eaLnBrk="1" latinLnBrk="0" hangingPunct="1">
         <a:spcBef>
           <a:spcPct val="0"/>
         </a:spcBef>
         <a:buNone/>
-        <a:defRPr sz="4400" kern="1200">
+        <a:defRPr sz="4000" kern="1200">
+          <a:ln>
+            <a:solidFill>
+              <a:schemeClr val="bg1">
+                <a:lumMod val="75000"/>
+                <a:lumOff val="25000"/>
+                <a:alpha val="10000"/>
+              </a:schemeClr>
+            </a:solidFill>
+          </a:ln>
           <a:solidFill>
-            <a:schemeClr val="tx1"/>
+            <a:schemeClr val="tx2"/>
           </a:solidFill>
+          <a:effectLst>
+            <a:outerShdw blurRad="9525" dist="25400" dir="14640000" algn="tl" rotWithShape="0">
+              <a:schemeClr val="bg1">
+                <a:alpha val="30000"/>
+              </a:schemeClr>
+            </a:outerShdw>
+          </a:effectLst>
           <a:latin typeface="+mj-lt"/>
           <a:ea typeface="+mj-ea"/>
-          <a:cs typeface="+mj-cs"/>
+          <a:cs typeface="Trebuchet MS"/>
         </a:defRPr>
       </a:lvl1pPr>
+      <a:lvl2pPr eaLnBrk="1" hangingPunct="1">
+        <a:defRPr>
+          <a:solidFill>
+            <a:schemeClr val="tx2"/>
+          </a:solidFill>
+        </a:defRPr>
+      </a:lvl2pPr>
+      <a:lvl3pPr eaLnBrk="1" hangingPunct="1">
+        <a:defRPr>
+          <a:solidFill>
+            <a:schemeClr val="tx2"/>
+          </a:solidFill>
+        </a:defRPr>
+      </a:lvl3pPr>
+      <a:lvl4pPr eaLnBrk="1" hangingPunct="1">
+        <a:defRPr>
+          <a:solidFill>
+            <a:schemeClr val="tx2"/>
+          </a:solidFill>
+        </a:defRPr>
+      </a:lvl4pPr>
+      <a:lvl5pPr eaLnBrk="1" hangingPunct="1">
+        <a:defRPr>
+          <a:solidFill>
+            <a:schemeClr val="tx2"/>
+          </a:solidFill>
+        </a:defRPr>
+      </a:lvl5pPr>
+      <a:lvl6pPr eaLnBrk="1" hangingPunct="1">
+        <a:defRPr>
+          <a:solidFill>
+            <a:schemeClr val="tx2"/>
+          </a:solidFill>
+        </a:defRPr>
+      </a:lvl6pPr>
+      <a:lvl7pPr eaLnBrk="1" hangingPunct="1">
+        <a:defRPr>
+          <a:solidFill>
+            <a:schemeClr val="tx2"/>
+          </a:solidFill>
+        </a:defRPr>
+      </a:lvl7pPr>
+      <a:lvl8pPr eaLnBrk="1" hangingPunct="1">
+        <a:defRPr>
+          <a:solidFill>
+            <a:schemeClr val="tx2"/>
+          </a:solidFill>
+        </a:defRPr>
+      </a:lvl8pPr>
+      <a:lvl9pPr eaLnBrk="1" hangingPunct="1">
+        <a:defRPr>
+          <a:solidFill>
+            <a:schemeClr val="tx2"/>
+          </a:solidFill>
+        </a:defRPr>
+      </a:lvl9pPr>
     </p:titleStyle>
     <p:bodyStyle>
-      <a:lvl1pPr marL="228600" indent="-228600" algn="l" defTabSz="914400" rtl="0" eaLnBrk="1" latinLnBrk="0" hangingPunct="1">
-        <a:lnSpc>
-          <a:spcPct val="90000"/>
-        </a:lnSpc>
+      <a:lvl1pPr marL="342900" indent="-306000" algn="l" defTabSz="457200" rtl="0" eaLnBrk="1" latinLnBrk="0" hangingPunct="1">
         <a:spcBef>
-          <a:spcPts val="1000"/>
+          <a:spcPct val="20000"/>
         </a:spcBef>
-        <a:buFont typeface="Arial" panose="020B0604020202020204" pitchFamily="34" charset="0"/>
-        <a:buChar char="•"/>
-        <a:defRPr sz="2800" kern="1200">
+        <a:spcAft>
+          <a:spcPts val="600"/>
+        </a:spcAft>
+        <a:buClr>
+          <a:schemeClr val="tx2"/>
+        </a:buClr>
+        <a:buSzPct val="70000"/>
+        <a:buFont typeface="Wingdings 2" charset="2"/>
+        <a:buChar char=""/>
+        <a:defRPr sz="2000" kern="1200">
+          <a:ln>
+            <a:solidFill>
+              <a:schemeClr val="bg1">
+                <a:lumMod val="75000"/>
+                <a:lumOff val="25000"/>
+                <a:alpha val="10000"/>
+              </a:schemeClr>
+            </a:solidFill>
+          </a:ln>
           <a:solidFill>
-            <a:schemeClr val="tx1"/>
+            <a:schemeClr val="tx2"/>
           </a:solidFill>
+          <a:effectLst>
+            <a:outerShdw blurRad="9525" dist="25400" dir="14640000" algn="tl" rotWithShape="0">
+              <a:schemeClr val="bg1">
+                <a:alpha val="30000"/>
+              </a:schemeClr>
+            </a:outerShdw>
+          </a:effectLst>
           <a:latin typeface="+mn-lt"/>
           <a:ea typeface="+mn-ea"/>
           <a:cs typeface="+mn-cs"/>
         </a:defRPr>
       </a:lvl1pPr>
-      <a:lvl2pPr marL="685800" indent="-228600" algn="l" defTabSz="914400" rtl="0" eaLnBrk="1" latinLnBrk="0" hangingPunct="1">
-        <a:lnSpc>
-          <a:spcPct val="90000"/>
-        </a:lnSpc>
+      <a:lvl2pPr marL="720000" indent="-270000" algn="l" defTabSz="457200" rtl="0" eaLnBrk="1" latinLnBrk="0" hangingPunct="1">
         <a:spcBef>
-          <a:spcPts val="500"/>
+          <a:spcPct val="20000"/>
         </a:spcBef>
-        <a:buFont typeface="Arial" panose="020B0604020202020204" pitchFamily="34" charset="0"/>
-        <a:buChar char="•"/>
-        <a:defRPr sz="2400" kern="1200">
+        <a:spcAft>
+          <a:spcPts val="600"/>
+        </a:spcAft>
+        <a:buClr>
+          <a:schemeClr val="tx2"/>
+        </a:buClr>
+        <a:buSzPct val="70000"/>
+        <a:buFont typeface="Wingdings 2" charset="2"/>
+        <a:buChar char=""/>
+        <a:defRPr sz="1800" kern="1200">
+          <a:ln>
+            <a:solidFill>
+              <a:schemeClr val="bg1">
+                <a:lumMod val="75000"/>
+                <a:lumOff val="25000"/>
+                <a:alpha val="10000"/>
+              </a:schemeClr>
+            </a:solidFill>
+          </a:ln>
           <a:solidFill>
-            <a:schemeClr val="tx1"/>
+            <a:schemeClr val="tx2"/>
           </a:solidFill>
+          <a:effectLst>
+            <a:outerShdw blurRad="9525" dist="25400" dir="14640000" algn="tl" rotWithShape="0">
+              <a:schemeClr val="bg1">
+                <a:alpha val="30000"/>
+              </a:schemeClr>
+            </a:outerShdw>
+          </a:effectLst>
           <a:latin typeface="+mn-lt"/>
           <a:ea typeface="+mn-ea"/>
           <a:cs typeface="+mn-cs"/>
         </a:defRPr>
       </a:lvl2pPr>
-      <a:lvl3pPr marL="1143000" indent="-228600" algn="l" defTabSz="914400" rtl="0" eaLnBrk="1" latinLnBrk="0" hangingPunct="1">
-        <a:lnSpc>
-          <a:spcPct val="90000"/>
-        </a:lnSpc>
+      <a:lvl3pPr marL="1026000" indent="-216000" algn="l" defTabSz="457200" rtl="0" eaLnBrk="1" latinLnBrk="0" hangingPunct="1">
         <a:spcBef>
-          <a:spcPts val="500"/>
+          <a:spcPct val="20000"/>
         </a:spcBef>
-        <a:buFont typeface="Arial" panose="020B0604020202020204" pitchFamily="34" charset="0"/>
-        <a:buChar char="•"/>
-        <a:defRPr sz="2000" kern="1200">
+        <a:spcAft>
+          <a:spcPts val="600"/>
+        </a:spcAft>
+        <a:buClr>
+          <a:schemeClr val="tx2"/>
+        </a:buClr>
+        <a:buSzPct val="70000"/>
+        <a:buFont typeface="Wingdings 2" charset="2"/>
+        <a:buChar char=""/>
+        <a:defRPr sz="1600" kern="1200">
+          <a:ln>
+            <a:solidFill>
+              <a:schemeClr val="bg1">
+                <a:lumMod val="75000"/>
+                <a:lumOff val="25000"/>
+                <a:alpha val="10000"/>
+              </a:schemeClr>
+            </a:solidFill>
+          </a:ln>
           <a:solidFill>
-            <a:schemeClr val="tx1"/>
+            <a:schemeClr val="tx2"/>
           </a:solidFill>
+          <a:effectLst>
+            <a:outerShdw blurRad="9525" dist="25400" dir="14640000" algn="tl" rotWithShape="0">
+              <a:schemeClr val="bg1">
+                <a:alpha val="30000"/>
+              </a:schemeClr>
+            </a:outerShdw>
+          </a:effectLst>
           <a:latin typeface="+mn-lt"/>
           <a:ea typeface="+mn-ea"/>
           <a:cs typeface="+mn-cs"/>
         </a:defRPr>
       </a:lvl3pPr>
-      <a:lvl4pPr marL="1600200" indent="-228600" algn="l" defTabSz="914400" rtl="0" eaLnBrk="1" latinLnBrk="0" hangingPunct="1">
-        <a:lnSpc>
-          <a:spcPct val="90000"/>
-        </a:lnSpc>
+      <a:lvl4pPr marL="1386000" indent="-216000" algn="l" defTabSz="457200" rtl="0" eaLnBrk="1" latinLnBrk="0" hangingPunct="1">
         <a:spcBef>
-          <a:spcPts val="500"/>
+          <a:spcPct val="20000"/>
         </a:spcBef>
-        <a:buFont typeface="Arial" panose="020B0604020202020204" pitchFamily="34" charset="0"/>
-        <a:buChar char="•"/>
-        <a:defRPr sz="1800" kern="1200">
+        <a:spcAft>
+          <a:spcPts val="600"/>
+        </a:spcAft>
+        <a:buClr>
+          <a:schemeClr val="tx2"/>
+        </a:buClr>
+        <a:buSzPct val="70000"/>
+        <a:buFont typeface="Wingdings 2" charset="2"/>
+        <a:buChar char=""/>
+        <a:defRPr sz="1400" kern="1200">
+          <a:ln>
+            <a:solidFill>
+              <a:schemeClr val="bg1">
+                <a:lumMod val="75000"/>
+                <a:lumOff val="25000"/>
+                <a:alpha val="10000"/>
+              </a:schemeClr>
+            </a:solidFill>
+          </a:ln>
           <a:solidFill>
-            <a:schemeClr val="tx1"/>
+            <a:schemeClr val="tx2"/>
           </a:solidFill>
+          <a:effectLst>
+            <a:outerShdw blurRad="9525" dist="25400" dir="14640000" algn="tl" rotWithShape="0">
+              <a:schemeClr val="bg1">
+                <a:alpha val="30000"/>
+              </a:schemeClr>
+            </a:outerShdw>
+          </a:effectLst>
           <a:latin typeface="+mn-lt"/>
           <a:ea typeface="+mn-ea"/>
           <a:cs typeface="+mn-cs"/>
         </a:defRPr>
       </a:lvl4pPr>
-      <a:lvl5pPr marL="2057400" indent="-228600" algn="l" defTabSz="914400" rtl="0" eaLnBrk="1" latinLnBrk="0" hangingPunct="1">
-        <a:lnSpc>
-          <a:spcPct val="90000"/>
-        </a:lnSpc>
+      <a:lvl5pPr marL="1674000" indent="-216000" algn="l" defTabSz="457200" rtl="0" eaLnBrk="1" latinLnBrk="0" hangingPunct="1">
         <a:spcBef>
-          <a:spcPts val="500"/>
+          <a:spcPct val="20000"/>
         </a:spcBef>
-        <a:buFont typeface="Arial" panose="020B0604020202020204" pitchFamily="34" charset="0"/>
-        <a:buChar char="•"/>
-        <a:defRPr sz="1800" kern="1200">
+        <a:spcAft>
+          <a:spcPts val="600"/>
+        </a:spcAft>
+        <a:buClr>
+          <a:schemeClr val="tx2"/>
+        </a:buClr>
+        <a:buSzPct val="70000"/>
+        <a:buFont typeface="Wingdings 2" charset="2"/>
+        <a:buChar char=""/>
+        <a:defRPr sz="1400" kern="1200">
+          <a:ln>
+            <a:solidFill>
+              <a:schemeClr val="bg1">
+                <a:lumMod val="75000"/>
+                <a:lumOff val="25000"/>
+                <a:alpha val="10000"/>
+              </a:schemeClr>
+            </a:solidFill>
+          </a:ln>
           <a:solidFill>
-            <a:schemeClr val="tx1"/>
+            <a:schemeClr val="tx2"/>
           </a:solidFill>
+          <a:effectLst>
+            <a:outerShdw blurRad="9525" dist="25400" dir="14640000" algn="tl" rotWithShape="0">
+              <a:schemeClr val="bg1">
+                <a:alpha val="30000"/>
+              </a:schemeClr>
+            </a:outerShdw>
+          </a:effectLst>
           <a:latin typeface="+mn-lt"/>
           <a:ea typeface="+mn-ea"/>
           <a:cs typeface="+mn-cs"/>
         </a:defRPr>
       </a:lvl5pPr>
-      <a:lvl6pPr marL="2514600" indent="-228600" algn="l" defTabSz="914400" rtl="0" eaLnBrk="1" latinLnBrk="0" hangingPunct="1">
-        <a:lnSpc>
-          <a:spcPct val="90000"/>
-        </a:lnSpc>
+      <a:lvl6pPr marL="2014600" indent="-228600" algn="l" defTabSz="457200" rtl="0" eaLnBrk="1" latinLnBrk="0" hangingPunct="1">
         <a:spcBef>
-          <a:spcPts val="500"/>
+          <a:spcPct val="20000"/>
         </a:spcBef>
-        <a:buFont typeface="Arial" panose="020B0604020202020204" pitchFamily="34" charset="0"/>
-        <a:buChar char="•"/>
-        <a:defRPr sz="1800" kern="1200">
+        <a:spcAft>
+          <a:spcPts val="600"/>
+        </a:spcAft>
+        <a:buClr>
+          <a:schemeClr val="tx2"/>
+        </a:buClr>
+        <a:buSzPct val="70000"/>
+        <a:buFont typeface="Wingdings 2" charset="2"/>
+        <a:buChar char=""/>
+        <a:defRPr sz="1400" kern="1200">
+          <a:ln>
+            <a:solidFill>
+              <a:schemeClr val="bg1">
+                <a:lumMod val="75000"/>
+                <a:lumOff val="25000"/>
+                <a:alpha val="10000"/>
+              </a:schemeClr>
+            </a:solidFill>
+          </a:ln>
           <a:solidFill>
-            <a:schemeClr val="tx1"/>
+            <a:schemeClr val="tx2"/>
           </a:solidFill>
+          <a:effectLst>
+            <a:outerShdw blurRad="9525" dist="25400" dir="14640000" algn="tl" rotWithShape="0">
+              <a:schemeClr val="bg1">
+                <a:alpha val="30000"/>
+              </a:schemeClr>
+            </a:outerShdw>
+          </a:effectLst>
           <a:latin typeface="+mn-lt"/>
           <a:ea typeface="+mn-ea"/>
           <a:cs typeface="+mn-cs"/>
         </a:defRPr>
       </a:lvl6pPr>
-      <a:lvl7pPr marL="2971800" indent="-228600" algn="l" defTabSz="914400" rtl="0" eaLnBrk="1" latinLnBrk="0" hangingPunct="1">
-        <a:lnSpc>
-          <a:spcPct val="90000"/>
-        </a:lnSpc>
+      <a:lvl7pPr marL="2401800" indent="-228600" algn="l" defTabSz="457200" rtl="0" eaLnBrk="1" latinLnBrk="0" hangingPunct="1">
         <a:spcBef>
-          <a:spcPts val="500"/>
+          <a:spcPct val="20000"/>
         </a:spcBef>
-        <a:buFont typeface="Arial" panose="020B0604020202020204" pitchFamily="34" charset="0"/>
-        <a:buChar char="•"/>
-        <a:defRPr sz="1800" kern="1200">
+        <a:spcAft>
+          <a:spcPts val="600"/>
+        </a:spcAft>
+        <a:buClr>
+          <a:schemeClr val="tx2"/>
+        </a:buClr>
+        <a:buSzPct val="70000"/>
+        <a:buFont typeface="Wingdings 2" charset="2"/>
+        <a:buChar char=""/>
+        <a:defRPr sz="1400" kern="1200">
+          <a:ln>
+            <a:solidFill>
+              <a:schemeClr val="bg1">
+                <a:lumMod val="75000"/>
+                <a:lumOff val="25000"/>
+                <a:alpha val="10000"/>
+              </a:schemeClr>
+            </a:solidFill>
+          </a:ln>
           <a:solidFill>
-            <a:schemeClr val="tx1"/>
+            <a:schemeClr val="tx2"/>
           </a:solidFill>
+          <a:effectLst>
+            <a:outerShdw blurRad="9525" dist="25400" dir="14640000" algn="tl" rotWithShape="0">
+              <a:schemeClr val="bg1">
+                <a:alpha val="30000"/>
+              </a:schemeClr>
+            </a:outerShdw>
+          </a:effectLst>
           <a:latin typeface="+mn-lt"/>
           <a:ea typeface="+mn-ea"/>
           <a:cs typeface="+mn-cs"/>
         </a:defRPr>
       </a:lvl7pPr>
-      <a:lvl8pPr marL="3429000" indent="-228600" algn="l" defTabSz="914400" rtl="0" eaLnBrk="1" latinLnBrk="0" hangingPunct="1">
-        <a:lnSpc>
-          <a:spcPct val="90000"/>
-        </a:lnSpc>
+      <a:lvl8pPr marL="2789000" indent="-228600" algn="l" defTabSz="457200" rtl="0" eaLnBrk="1" latinLnBrk="0" hangingPunct="1">
         <a:spcBef>
-          <a:spcPts val="500"/>
+          <a:spcPct val="20000"/>
         </a:spcBef>
-        <a:buFont typeface="Arial" panose="020B0604020202020204" pitchFamily="34" charset="0"/>
-        <a:buChar char="•"/>
-        <a:defRPr sz="1800" kern="1200">
+        <a:spcAft>
+          <a:spcPts val="600"/>
+        </a:spcAft>
+        <a:buClr>
+          <a:schemeClr val="tx2"/>
+        </a:buClr>
+        <a:buSzPct val="70000"/>
+        <a:buFont typeface="Wingdings 2" charset="2"/>
+        <a:buChar char=""/>
+        <a:defRPr sz="1400" kern="1200">
+          <a:ln>
+            <a:solidFill>
+              <a:schemeClr val="bg1">
+                <a:lumMod val="75000"/>
+                <a:lumOff val="25000"/>
+                <a:alpha val="10000"/>
+              </a:schemeClr>
+            </a:solidFill>
+          </a:ln>
           <a:solidFill>
-            <a:schemeClr val="tx1"/>
+            <a:schemeClr val="tx2"/>
           </a:solidFill>
+          <a:effectLst>
+            <a:outerShdw blurRad="9525" dist="25400" dir="14640000" algn="tl" rotWithShape="0">
+              <a:schemeClr val="bg1">
+                <a:alpha val="30000"/>
+              </a:schemeClr>
+            </a:outerShdw>
+          </a:effectLst>
           <a:latin typeface="+mn-lt"/>
           <a:ea typeface="+mn-ea"/>
           <a:cs typeface="+mn-cs"/>
         </a:defRPr>
       </a:lvl8pPr>
-      <a:lvl9pPr marL="3886200" indent="-228600" algn="l" defTabSz="914400" rtl="0" eaLnBrk="1" latinLnBrk="0" hangingPunct="1">
-        <a:lnSpc>
-          <a:spcPct val="90000"/>
-        </a:lnSpc>
+      <a:lvl9pPr marL="3106200" indent="-228600" algn="l" defTabSz="457200" rtl="0" eaLnBrk="1" latinLnBrk="0" hangingPunct="1">
         <a:spcBef>
-          <a:spcPts val="500"/>
+          <a:spcPct val="20000"/>
         </a:spcBef>
-        <a:buFont typeface="Arial" panose="020B0604020202020204" pitchFamily="34" charset="0"/>
-        <a:buChar char="•"/>
-        <a:defRPr sz="1800" kern="1200">
+        <a:spcAft>
+          <a:spcPts val="600"/>
+        </a:spcAft>
+        <a:buClr>
+          <a:schemeClr val="tx2"/>
+        </a:buClr>
+        <a:buSzPct val="70000"/>
+        <a:buFont typeface="Wingdings 2" charset="2"/>
+        <a:buChar char=""/>
+        <a:defRPr sz="1400" kern="1200">
+          <a:ln>
+            <a:solidFill>
+              <a:schemeClr val="bg1">
+                <a:lumMod val="75000"/>
+                <a:lumOff val="25000"/>
+                <a:alpha val="10000"/>
+              </a:schemeClr>
+            </a:solidFill>
+          </a:ln>
           <a:solidFill>
-            <a:schemeClr val="tx1"/>
+            <a:schemeClr val="tx2"/>
           </a:solidFill>
+          <a:effectLst>
+            <a:outerShdw blurRad="9525" dist="25400" dir="14640000" algn="tl" rotWithShape="0">
+              <a:schemeClr val="bg1">
+                <a:alpha val="30000"/>
+              </a:schemeClr>
+            </a:outerShdw>
+          </a:effectLst>
           <a:latin typeface="+mn-lt"/>
           <a:ea typeface="+mn-ea"/>
           <a:cs typeface="+mn-cs"/>
@@ -3334,7 +6144,7 @@
       <a:defPPr>
         <a:defRPr lang="en-US"/>
       </a:defPPr>
-      <a:lvl1pPr marL="0" algn="l" defTabSz="914400" rtl="0" eaLnBrk="1" latinLnBrk="0" hangingPunct="1">
+      <a:lvl1pPr marL="0" algn="l" defTabSz="457200" rtl="0" eaLnBrk="1" latinLnBrk="0" hangingPunct="1">
         <a:defRPr sz="1800" kern="1200">
           <a:solidFill>
             <a:schemeClr val="tx1"/>
@@ -3344,7 +6154,7 @@
           <a:cs typeface="+mn-cs"/>
         </a:defRPr>
       </a:lvl1pPr>
-      <a:lvl2pPr marL="457200" algn="l" defTabSz="914400" rtl="0" eaLnBrk="1" latinLnBrk="0" hangingPunct="1">
+      <a:lvl2pPr marL="457200" algn="l" defTabSz="457200" rtl="0" eaLnBrk="1" latinLnBrk="0" hangingPunct="1">
         <a:defRPr sz="1800" kern="1200">
           <a:solidFill>
             <a:schemeClr val="tx1"/>
@@ -3354,7 +6164,7 @@
           <a:cs typeface="+mn-cs"/>
         </a:defRPr>
       </a:lvl2pPr>
-      <a:lvl3pPr marL="914400" algn="l" defTabSz="914400" rtl="0" eaLnBrk="1" latinLnBrk="0" hangingPunct="1">
+      <a:lvl3pPr marL="914400" algn="l" defTabSz="457200" rtl="0" eaLnBrk="1" latinLnBrk="0" hangingPunct="1">
         <a:defRPr sz="1800" kern="1200">
           <a:solidFill>
             <a:schemeClr val="tx1"/>
@@ -3364,7 +6174,7 @@
           <a:cs typeface="+mn-cs"/>
         </a:defRPr>
       </a:lvl3pPr>
-      <a:lvl4pPr marL="1371600" algn="l" defTabSz="914400" rtl="0" eaLnBrk="1" latinLnBrk="0" hangingPunct="1">
+      <a:lvl4pPr marL="1371600" algn="l" defTabSz="457200" rtl="0" eaLnBrk="1" latinLnBrk="0" hangingPunct="1">
         <a:defRPr sz="1800" kern="1200">
           <a:solidFill>
             <a:schemeClr val="tx1"/>
@@ -3374,7 +6184,7 @@
           <a:cs typeface="+mn-cs"/>
         </a:defRPr>
       </a:lvl4pPr>
-      <a:lvl5pPr marL="1828800" algn="l" defTabSz="914400" rtl="0" eaLnBrk="1" latinLnBrk="0" hangingPunct="1">
+      <a:lvl5pPr marL="1828800" algn="l" defTabSz="457200" rtl="0" eaLnBrk="1" latinLnBrk="0" hangingPunct="1">
         <a:defRPr sz="1800" kern="1200">
           <a:solidFill>
             <a:schemeClr val="tx1"/>
@@ -3384,7 +6194,7 @@
           <a:cs typeface="+mn-cs"/>
         </a:defRPr>
       </a:lvl5pPr>
-      <a:lvl6pPr marL="2286000" algn="l" defTabSz="914400" rtl="0" eaLnBrk="1" latinLnBrk="0" hangingPunct="1">
+      <a:lvl6pPr marL="2286000" algn="l" defTabSz="457200" rtl="0" eaLnBrk="1" latinLnBrk="0" hangingPunct="1">
         <a:defRPr sz="1800" kern="1200">
           <a:solidFill>
             <a:schemeClr val="tx1"/>
@@ -3394,7 +6204,7 @@
           <a:cs typeface="+mn-cs"/>
         </a:defRPr>
       </a:lvl6pPr>
-      <a:lvl7pPr marL="2743200" algn="l" defTabSz="914400" rtl="0" eaLnBrk="1" latinLnBrk="0" hangingPunct="1">
+      <a:lvl7pPr marL="2743200" algn="l" defTabSz="457200" rtl="0" eaLnBrk="1" latinLnBrk="0" hangingPunct="1">
         <a:defRPr sz="1800" kern="1200">
           <a:solidFill>
             <a:schemeClr val="tx1"/>
@@ -3404,7 +6214,7 @@
           <a:cs typeface="+mn-cs"/>
         </a:defRPr>
       </a:lvl7pPr>
-      <a:lvl8pPr marL="3200400" algn="l" defTabSz="914400" rtl="0" eaLnBrk="1" latinLnBrk="0" hangingPunct="1">
+      <a:lvl8pPr marL="3200400" algn="l" defTabSz="457200" rtl="0" eaLnBrk="1" latinLnBrk="0" hangingPunct="1">
         <a:defRPr sz="1800" kern="1200">
           <a:solidFill>
             <a:schemeClr val="tx1"/>
@@ -3414,7 +6224,7 @@
           <a:cs typeface="+mn-cs"/>
         </a:defRPr>
       </a:lvl8pPr>
-      <a:lvl9pPr marL="3657600" algn="l" defTabSz="914400" rtl="0" eaLnBrk="1" latinLnBrk="0" hangingPunct="1">
+      <a:lvl9pPr marL="3657600" algn="l" defTabSz="457200" rtl="0" eaLnBrk="1" latinLnBrk="0" hangingPunct="1">
         <a:defRPr sz="1800" kern="1200">
           <a:solidFill>
             <a:schemeClr val="tx1"/>
@@ -3432,6 +6242,25 @@
 <file path=ppt/slides/slide1.xml><?xml version="1.0" encoding="utf-8"?>
 <p:sld xmlns:a="http://schemas.openxmlformats.org/drawingml/2006/main" xmlns:r="http://schemas.openxmlformats.org/officeDocument/2006/relationships" xmlns:p="http://schemas.openxmlformats.org/presentationml/2006/main">
   <p:cSld>
+    <p:bg>
+      <p:bgPr>
+        <a:blipFill rotWithShape="1">
+          <a:blip r:embed="rId2">
+            <a:duotone>
+              <a:schemeClr val="bg2">
+                <a:shade val="80000"/>
+                <a:lumMod val="80000"/>
+              </a:schemeClr>
+              <a:schemeClr val="bg2">
+                <a:tint val="98000"/>
+              </a:schemeClr>
+            </a:duotone>
+          </a:blip>
+          <a:stretch/>
+        </a:blipFill>
+        <a:effectLst/>
+      </p:bgPr>
+    </p:bg>
     <p:spTree>
       <p:nvGrpSpPr>
         <p:cNvPr id="1" name=""/>
@@ -3448,6 +6277,626 @@
       </p:grpSpPr>
       <p:sp>
         <p:nvSpPr>
+          <p:cNvPr id="12" name="Rectangle 7">
+            <a:extLst>
+              <a:ext uri="{FF2B5EF4-FFF2-40B4-BE49-F238E27FC236}">
+                <a16:creationId xmlns:a16="http://schemas.microsoft.com/office/drawing/2014/main" id="{1976BAAA-75A1-48AA-B7DE-B6B8070992D3}"/>
+              </a:ext>
+              <a:ext uri="{C183D7F6-B498-43B3-948B-1728B52AA6E4}">
+                <adec:decorative xmlns:adec="http://schemas.microsoft.com/office/drawing/2017/decorative" val="1"/>
+              </a:ext>
+            </a:extLst>
+          </p:cNvPr>
+          <p:cNvSpPr>
+            <a:spLocks noGrp="1" noRot="1" noChangeAspect="1" noMove="1" noResize="1" noEditPoints="1" noAdjustHandles="1" noChangeArrowheads="1" noChangeShapeType="1" noTextEdit="1"/>
+          </p:cNvSpPr>
+          <p:nvPr>
+            <p:extLst>
+              <p:ext uri="{386F3935-93C4-4BCD-93E2-E3B085C9AB24}">
+                <p16:designElem xmlns:p16="http://schemas.microsoft.com/office/powerpoint/2015/main" val="1"/>
+              </p:ext>
+            </p:extLst>
+          </p:nvPr>
+        </p:nvSpPr>
+        <p:spPr>
+          <a:xfrm>
+            <a:off x="0" y="0"/>
+            <a:ext cx="12192000" cy="6858000"/>
+          </a:xfrm>
+          <a:prstGeom prst="rect">
+            <a:avLst/>
+          </a:prstGeom>
+          <a:solidFill>
+            <a:schemeClr val="bg2">
+              <a:lumMod val="75000"/>
+              <a:lumOff val="25000"/>
+            </a:schemeClr>
+          </a:solidFill>
+          <a:ln>
+            <a:noFill/>
+          </a:ln>
+        </p:spPr>
+        <p:style>
+          <a:lnRef idx="2">
+            <a:schemeClr val="accent1">
+              <a:shade val="50000"/>
+            </a:schemeClr>
+          </a:lnRef>
+          <a:fillRef idx="1">
+            <a:schemeClr val="accent1"/>
+          </a:fillRef>
+          <a:effectRef idx="0">
+            <a:schemeClr val="accent1"/>
+          </a:effectRef>
+          <a:fontRef idx="minor">
+            <a:schemeClr val="lt1"/>
+          </a:fontRef>
+        </p:style>
+        <p:txBody>
+          <a:bodyPr rtlCol="0" anchor="ctr"/>
+          <a:lstStyle/>
+          <a:p>
+            <a:pPr algn="ctr"/>
+            <a:endParaRPr lang="en-US"/>
+          </a:p>
+        </p:txBody>
+      </p:sp>
+      <p:sp>
+        <p:nvSpPr>
+          <p:cNvPr id="3" name="Subtitle 2">
+            <a:extLst>
+              <a:ext uri="{FF2B5EF4-FFF2-40B4-BE49-F238E27FC236}">
+                <a16:creationId xmlns:a16="http://schemas.microsoft.com/office/drawing/2014/main" id="{0E9F025C-14E3-8363-F3AA-31B828748F61}"/>
+              </a:ext>
+            </a:extLst>
+          </p:cNvPr>
+          <p:cNvSpPr>
+            <a:spLocks noGrp="1"/>
+          </p:cNvSpPr>
+          <p:nvPr>
+            <p:ph type="subTitle" idx="1"/>
+          </p:nvPr>
+        </p:nvSpPr>
+        <p:spPr>
+          <a:xfrm>
+            <a:off x="8817428" y="1257301"/>
+            <a:ext cx="2450127" cy="4343399"/>
+          </a:xfrm>
+          <a:effectLst/>
+        </p:spPr>
+        <p:txBody>
+          <a:bodyPr anchor="ctr">
+            <a:normAutofit/>
+          </a:bodyPr>
+          <a:lstStyle/>
+          <a:p>
+            <a:pPr algn="l"/>
+            <a:r>
+              <a:rPr lang="en-US"/>
+              <a:t>Work done by: </a:t>
+            </a:r>
+          </a:p>
+          <a:p>
+            <a:pPr algn="l"/>
+            <a:r>
+              <a:rPr lang="en-US"/>
+              <a:t>Edward Crouser, Eric Blanchard, Jess Nguyen, and Sarah McLain</a:t>
+            </a:r>
+          </a:p>
+        </p:txBody>
+      </p:sp>
+      <p:sp useBgFill="1">
+        <p:nvSpPr>
+          <p:cNvPr id="13" name="Freeform: Shape 9">
+            <a:extLst>
+              <a:ext uri="{FF2B5EF4-FFF2-40B4-BE49-F238E27FC236}">
+                <a16:creationId xmlns:a16="http://schemas.microsoft.com/office/drawing/2014/main" id="{65A5F259-CDF7-4A15-A66C-A9939D23E346}"/>
+              </a:ext>
+              <a:ext uri="{C183D7F6-B498-43B3-948B-1728B52AA6E4}">
+                <adec:decorative xmlns:adec="http://schemas.microsoft.com/office/drawing/2017/decorative" val="1"/>
+              </a:ext>
+            </a:extLst>
+          </p:cNvPr>
+          <p:cNvSpPr>
+            <a:spLocks noGrp="1" noRot="1" noChangeAspect="1" noMove="1" noResize="1" noEditPoints="1" noAdjustHandles="1" noChangeArrowheads="1" noChangeShapeType="1" noTextEdit="1"/>
+          </p:cNvSpPr>
+          <p:nvPr>
+            <p:extLst>
+              <p:ext uri="{386F3935-93C4-4BCD-93E2-E3B085C9AB24}">
+                <p16:designElem xmlns:p16="http://schemas.microsoft.com/office/powerpoint/2015/main" val="1"/>
+              </p:ext>
+            </p:extLst>
+          </p:nvPr>
+        </p:nvSpPr>
+        <p:spPr>
+          <a:xfrm>
+            <a:off x="1" y="-2"/>
+            <a:ext cx="8386486" cy="6858002"/>
+          </a:xfrm>
+          <a:custGeom>
+            <a:avLst/>
+            <a:gdLst>
+              <a:gd name="connsiteX0" fmla="*/ 0 w 6088489"/>
+              <a:gd name="connsiteY0" fmla="*/ 0 h 6858002"/>
+              <a:gd name="connsiteX1" fmla="*/ 3563332 w 6088489"/>
+              <a:gd name="connsiteY1" fmla="*/ 0 h 6858002"/>
+              <a:gd name="connsiteX2" fmla="*/ 3563332 w 6088489"/>
+              <a:gd name="connsiteY2" fmla="*/ 3 h 6858002"/>
+              <a:gd name="connsiteX3" fmla="*/ 5842099 w 6088489"/>
+              <a:gd name="connsiteY3" fmla="*/ 3 h 6858002"/>
+              <a:gd name="connsiteX4" fmla="*/ 5842099 w 6088489"/>
+              <a:gd name="connsiteY4" fmla="*/ 4 h 6858002"/>
+              <a:gd name="connsiteX5" fmla="*/ 5835346 w 6088489"/>
+              <a:gd name="connsiteY5" fmla="*/ 4 h 6858002"/>
+              <a:gd name="connsiteX6" fmla="*/ 5841229 w 6088489"/>
+              <a:gd name="connsiteY6" fmla="*/ 40466 h 6858002"/>
+              <a:gd name="connsiteX7" fmla="*/ 5858543 w 6088489"/>
+              <a:gd name="connsiteY7" fmla="*/ 159110 h 6858002"/>
+              <a:gd name="connsiteX8" fmla="*/ 5870645 w 6088489"/>
+              <a:gd name="connsiteY8" fmla="*/ 245521 h 6858002"/>
+              <a:gd name="connsiteX9" fmla="*/ 5883420 w 6088489"/>
+              <a:gd name="connsiteY9" fmla="*/ 348391 h 6858002"/>
+              <a:gd name="connsiteX10" fmla="*/ 5898716 w 6088489"/>
+              <a:gd name="connsiteY10" fmla="*/ 470463 h 6858002"/>
+              <a:gd name="connsiteX11" fmla="*/ 5914853 w 6088489"/>
+              <a:gd name="connsiteY11" fmla="*/ 605566 h 6858002"/>
+              <a:gd name="connsiteX12" fmla="*/ 5931830 w 6088489"/>
+              <a:gd name="connsiteY12" fmla="*/ 757813 h 6858002"/>
+              <a:gd name="connsiteX13" fmla="*/ 5949815 w 6088489"/>
+              <a:gd name="connsiteY13" fmla="*/ 923777 h 6858002"/>
+              <a:gd name="connsiteX14" fmla="*/ 5967801 w 6088489"/>
+              <a:gd name="connsiteY14" fmla="*/ 1104142 h 6858002"/>
+              <a:gd name="connsiteX15" fmla="*/ 5986122 w 6088489"/>
+              <a:gd name="connsiteY15" fmla="*/ 1296166 h 6858002"/>
+              <a:gd name="connsiteX16" fmla="*/ 6003099 w 6088489"/>
+              <a:gd name="connsiteY16" fmla="*/ 1503278 h 6858002"/>
+              <a:gd name="connsiteX17" fmla="*/ 6019404 w 6088489"/>
+              <a:gd name="connsiteY17" fmla="*/ 1719991 h 6858002"/>
+              <a:gd name="connsiteX18" fmla="*/ 6034196 w 6088489"/>
+              <a:gd name="connsiteY18" fmla="*/ 1949048 h 6858002"/>
+              <a:gd name="connsiteX19" fmla="*/ 6048315 w 6088489"/>
+              <a:gd name="connsiteY19" fmla="*/ 2187706 h 6858002"/>
+              <a:gd name="connsiteX20" fmla="*/ 6061595 w 6088489"/>
+              <a:gd name="connsiteY20" fmla="*/ 2436652 h 6858002"/>
+              <a:gd name="connsiteX21" fmla="*/ 6066301 w 6088489"/>
+              <a:gd name="connsiteY21" fmla="*/ 2564211 h 6858002"/>
+              <a:gd name="connsiteX22" fmla="*/ 6071512 w 6088489"/>
+              <a:gd name="connsiteY22" fmla="*/ 2694512 h 6858002"/>
+              <a:gd name="connsiteX23" fmla="*/ 6076386 w 6088489"/>
+              <a:gd name="connsiteY23" fmla="*/ 2826871 h 6858002"/>
+              <a:gd name="connsiteX24" fmla="*/ 6079580 w 6088489"/>
+              <a:gd name="connsiteY24" fmla="*/ 2959917 h 6858002"/>
+              <a:gd name="connsiteX25" fmla="*/ 6082438 w 6088489"/>
+              <a:gd name="connsiteY25" fmla="*/ 3095705 h 6858002"/>
+              <a:gd name="connsiteX26" fmla="*/ 6085463 w 6088489"/>
+              <a:gd name="connsiteY26" fmla="*/ 3232865 h 6858002"/>
+              <a:gd name="connsiteX27" fmla="*/ 6087480 w 6088489"/>
+              <a:gd name="connsiteY27" fmla="*/ 3372768 h 6858002"/>
+              <a:gd name="connsiteX28" fmla="*/ 6087480 w 6088489"/>
+              <a:gd name="connsiteY28" fmla="*/ 3514043 h 6858002"/>
+              <a:gd name="connsiteX29" fmla="*/ 6088489 w 6088489"/>
+              <a:gd name="connsiteY29" fmla="*/ 3656689 h 6858002"/>
+              <a:gd name="connsiteX30" fmla="*/ 6087480 w 6088489"/>
+              <a:gd name="connsiteY30" fmla="*/ 3800707 h 6858002"/>
+              <a:gd name="connsiteX31" fmla="*/ 6085463 w 6088489"/>
+              <a:gd name="connsiteY31" fmla="*/ 3946783 h 6858002"/>
+              <a:gd name="connsiteX32" fmla="*/ 6083614 w 6088489"/>
+              <a:gd name="connsiteY32" fmla="*/ 4092858 h 6858002"/>
+              <a:gd name="connsiteX33" fmla="*/ 6079580 w 6088489"/>
+              <a:gd name="connsiteY33" fmla="*/ 4240991 h 6858002"/>
+              <a:gd name="connsiteX34" fmla="*/ 6075378 w 6088489"/>
+              <a:gd name="connsiteY34" fmla="*/ 4390495 h 6858002"/>
+              <a:gd name="connsiteX35" fmla="*/ 6070503 w 6088489"/>
+              <a:gd name="connsiteY35" fmla="*/ 4540000 h 6858002"/>
+              <a:gd name="connsiteX36" fmla="*/ 6063612 w 6088489"/>
+              <a:gd name="connsiteY36" fmla="*/ 4690876 h 6858002"/>
+              <a:gd name="connsiteX37" fmla="*/ 6055375 w 6088489"/>
+              <a:gd name="connsiteY37" fmla="*/ 4843123 h 6858002"/>
+              <a:gd name="connsiteX38" fmla="*/ 6047475 w 6088489"/>
+              <a:gd name="connsiteY38" fmla="*/ 4996057 h 6858002"/>
+              <a:gd name="connsiteX39" fmla="*/ 6037390 w 6088489"/>
+              <a:gd name="connsiteY39" fmla="*/ 5148990 h 6858002"/>
+              <a:gd name="connsiteX40" fmla="*/ 6025287 w 6088489"/>
+              <a:gd name="connsiteY40" fmla="*/ 5303981 h 6858002"/>
+              <a:gd name="connsiteX41" fmla="*/ 6013185 w 6088489"/>
+              <a:gd name="connsiteY41" fmla="*/ 5456914 h 6858002"/>
+              <a:gd name="connsiteX42" fmla="*/ 5999233 w 6088489"/>
+              <a:gd name="connsiteY42" fmla="*/ 5612591 h 6858002"/>
+              <a:gd name="connsiteX43" fmla="*/ 5983937 w 6088489"/>
+              <a:gd name="connsiteY43" fmla="*/ 5768953 h 6858002"/>
+              <a:gd name="connsiteX44" fmla="*/ 5967801 w 6088489"/>
+              <a:gd name="connsiteY44" fmla="*/ 5923258 h 6858002"/>
+              <a:gd name="connsiteX45" fmla="*/ 5948975 w 6088489"/>
+              <a:gd name="connsiteY45" fmla="*/ 6079621 h 6858002"/>
+              <a:gd name="connsiteX46" fmla="*/ 5928804 w 6088489"/>
+              <a:gd name="connsiteY46" fmla="*/ 6235297 h 6858002"/>
+              <a:gd name="connsiteX47" fmla="*/ 5908801 w 6088489"/>
+              <a:gd name="connsiteY47" fmla="*/ 6391660 h 6858002"/>
+              <a:gd name="connsiteX48" fmla="*/ 5885437 w 6088489"/>
+              <a:gd name="connsiteY48" fmla="*/ 6547336 h 6858002"/>
+              <a:gd name="connsiteX49" fmla="*/ 5861568 w 6088489"/>
+              <a:gd name="connsiteY49" fmla="*/ 6702327 h 6858002"/>
+              <a:gd name="connsiteX50" fmla="*/ 5836524 w 6088489"/>
+              <a:gd name="connsiteY50" fmla="*/ 6858002 h 6858002"/>
+              <a:gd name="connsiteX51" fmla="*/ 3563332 w 6088489"/>
+              <a:gd name="connsiteY51" fmla="*/ 6858002 h 6858002"/>
+              <a:gd name="connsiteX52" fmla="*/ 1223490 w 6088489"/>
+              <a:gd name="connsiteY52" fmla="*/ 6858002 h 6858002"/>
+              <a:gd name="connsiteX53" fmla="*/ 0 w 6088489"/>
+              <a:gd name="connsiteY53" fmla="*/ 6858002 h 6858002"/>
+            </a:gdLst>
+            <a:ahLst/>
+            <a:cxnLst>
+              <a:cxn ang="0">
+                <a:pos x="connsiteX0" y="connsiteY0"/>
+              </a:cxn>
+              <a:cxn ang="0">
+                <a:pos x="connsiteX1" y="connsiteY1"/>
+              </a:cxn>
+              <a:cxn ang="0">
+                <a:pos x="connsiteX2" y="connsiteY2"/>
+              </a:cxn>
+              <a:cxn ang="0">
+                <a:pos x="connsiteX3" y="connsiteY3"/>
+              </a:cxn>
+              <a:cxn ang="0">
+                <a:pos x="connsiteX4" y="connsiteY4"/>
+              </a:cxn>
+              <a:cxn ang="0">
+                <a:pos x="connsiteX5" y="connsiteY5"/>
+              </a:cxn>
+              <a:cxn ang="0">
+                <a:pos x="connsiteX6" y="connsiteY6"/>
+              </a:cxn>
+              <a:cxn ang="0">
+                <a:pos x="connsiteX7" y="connsiteY7"/>
+              </a:cxn>
+              <a:cxn ang="0">
+                <a:pos x="connsiteX8" y="connsiteY8"/>
+              </a:cxn>
+              <a:cxn ang="0">
+                <a:pos x="connsiteX9" y="connsiteY9"/>
+              </a:cxn>
+              <a:cxn ang="0">
+                <a:pos x="connsiteX10" y="connsiteY10"/>
+              </a:cxn>
+              <a:cxn ang="0">
+                <a:pos x="connsiteX11" y="connsiteY11"/>
+              </a:cxn>
+              <a:cxn ang="0">
+                <a:pos x="connsiteX12" y="connsiteY12"/>
+              </a:cxn>
+              <a:cxn ang="0">
+                <a:pos x="connsiteX13" y="connsiteY13"/>
+              </a:cxn>
+              <a:cxn ang="0">
+                <a:pos x="connsiteX14" y="connsiteY14"/>
+              </a:cxn>
+              <a:cxn ang="0">
+                <a:pos x="connsiteX15" y="connsiteY15"/>
+              </a:cxn>
+              <a:cxn ang="0">
+                <a:pos x="connsiteX16" y="connsiteY16"/>
+              </a:cxn>
+              <a:cxn ang="0">
+                <a:pos x="connsiteX17" y="connsiteY17"/>
+              </a:cxn>
+              <a:cxn ang="0">
+                <a:pos x="connsiteX18" y="connsiteY18"/>
+              </a:cxn>
+              <a:cxn ang="0">
+                <a:pos x="connsiteX19" y="connsiteY19"/>
+              </a:cxn>
+              <a:cxn ang="0">
+                <a:pos x="connsiteX20" y="connsiteY20"/>
+              </a:cxn>
+              <a:cxn ang="0">
+                <a:pos x="connsiteX21" y="connsiteY21"/>
+              </a:cxn>
+              <a:cxn ang="0">
+                <a:pos x="connsiteX22" y="connsiteY22"/>
+              </a:cxn>
+              <a:cxn ang="0">
+                <a:pos x="connsiteX23" y="connsiteY23"/>
+              </a:cxn>
+              <a:cxn ang="0">
+                <a:pos x="connsiteX24" y="connsiteY24"/>
+              </a:cxn>
+              <a:cxn ang="0">
+                <a:pos x="connsiteX25" y="connsiteY25"/>
+              </a:cxn>
+              <a:cxn ang="0">
+                <a:pos x="connsiteX26" y="connsiteY26"/>
+              </a:cxn>
+              <a:cxn ang="0">
+                <a:pos x="connsiteX27" y="connsiteY27"/>
+              </a:cxn>
+              <a:cxn ang="0">
+                <a:pos x="connsiteX28" y="connsiteY28"/>
+              </a:cxn>
+              <a:cxn ang="0">
+                <a:pos x="connsiteX29" y="connsiteY29"/>
+              </a:cxn>
+              <a:cxn ang="0">
+                <a:pos x="connsiteX30" y="connsiteY30"/>
+              </a:cxn>
+              <a:cxn ang="0">
+                <a:pos x="connsiteX31" y="connsiteY31"/>
+              </a:cxn>
+              <a:cxn ang="0">
+                <a:pos x="connsiteX32" y="connsiteY32"/>
+              </a:cxn>
+              <a:cxn ang="0">
+                <a:pos x="connsiteX33" y="connsiteY33"/>
+              </a:cxn>
+              <a:cxn ang="0">
+                <a:pos x="connsiteX34" y="connsiteY34"/>
+              </a:cxn>
+              <a:cxn ang="0">
+                <a:pos x="connsiteX35" y="connsiteY35"/>
+              </a:cxn>
+              <a:cxn ang="0">
+                <a:pos x="connsiteX36" y="connsiteY36"/>
+              </a:cxn>
+              <a:cxn ang="0">
+                <a:pos x="connsiteX37" y="connsiteY37"/>
+              </a:cxn>
+              <a:cxn ang="0">
+                <a:pos x="connsiteX38" y="connsiteY38"/>
+              </a:cxn>
+              <a:cxn ang="0">
+                <a:pos x="connsiteX39" y="connsiteY39"/>
+              </a:cxn>
+              <a:cxn ang="0">
+                <a:pos x="connsiteX40" y="connsiteY40"/>
+              </a:cxn>
+              <a:cxn ang="0">
+                <a:pos x="connsiteX41" y="connsiteY41"/>
+              </a:cxn>
+              <a:cxn ang="0">
+                <a:pos x="connsiteX42" y="connsiteY42"/>
+              </a:cxn>
+              <a:cxn ang="0">
+                <a:pos x="connsiteX43" y="connsiteY43"/>
+              </a:cxn>
+              <a:cxn ang="0">
+                <a:pos x="connsiteX44" y="connsiteY44"/>
+              </a:cxn>
+              <a:cxn ang="0">
+                <a:pos x="connsiteX45" y="connsiteY45"/>
+              </a:cxn>
+              <a:cxn ang="0">
+                <a:pos x="connsiteX46" y="connsiteY46"/>
+              </a:cxn>
+              <a:cxn ang="0">
+                <a:pos x="connsiteX47" y="connsiteY47"/>
+              </a:cxn>
+              <a:cxn ang="0">
+                <a:pos x="connsiteX48" y="connsiteY48"/>
+              </a:cxn>
+              <a:cxn ang="0">
+                <a:pos x="connsiteX49" y="connsiteY49"/>
+              </a:cxn>
+              <a:cxn ang="0">
+                <a:pos x="connsiteX50" y="connsiteY50"/>
+              </a:cxn>
+              <a:cxn ang="0">
+                <a:pos x="connsiteX51" y="connsiteY51"/>
+              </a:cxn>
+              <a:cxn ang="0">
+                <a:pos x="connsiteX52" y="connsiteY52"/>
+              </a:cxn>
+              <a:cxn ang="0">
+                <a:pos x="connsiteX53" y="connsiteY53"/>
+              </a:cxn>
+            </a:cxnLst>
+            <a:rect l="l" t="t" r="r" b="b"/>
+            <a:pathLst>
+              <a:path w="6088489" h="6858002">
+                <a:moveTo>
+                  <a:pt x="0" y="0"/>
+                </a:moveTo>
+                <a:lnTo>
+                  <a:pt x="3563332" y="0"/>
+                </a:lnTo>
+                <a:lnTo>
+                  <a:pt x="3563332" y="3"/>
+                </a:lnTo>
+                <a:lnTo>
+                  <a:pt x="5842099" y="3"/>
+                </a:lnTo>
+                <a:lnTo>
+                  <a:pt x="5842099" y="4"/>
+                </a:lnTo>
+                <a:lnTo>
+                  <a:pt x="5835346" y="4"/>
+                </a:lnTo>
+                <a:lnTo>
+                  <a:pt x="5841229" y="40466"/>
+                </a:lnTo>
+                <a:lnTo>
+                  <a:pt x="5858543" y="159110"/>
+                </a:lnTo>
+                <a:lnTo>
+                  <a:pt x="5870645" y="245521"/>
+                </a:lnTo>
+                <a:lnTo>
+                  <a:pt x="5883420" y="348391"/>
+                </a:lnTo>
+                <a:lnTo>
+                  <a:pt x="5898716" y="470463"/>
+                </a:lnTo>
+                <a:lnTo>
+                  <a:pt x="5914853" y="605566"/>
+                </a:lnTo>
+                <a:lnTo>
+                  <a:pt x="5931830" y="757813"/>
+                </a:lnTo>
+                <a:lnTo>
+                  <a:pt x="5949815" y="923777"/>
+                </a:lnTo>
+                <a:lnTo>
+                  <a:pt x="5967801" y="1104142"/>
+                </a:lnTo>
+                <a:lnTo>
+                  <a:pt x="5986122" y="1296166"/>
+                </a:lnTo>
+                <a:lnTo>
+                  <a:pt x="6003099" y="1503278"/>
+                </a:lnTo>
+                <a:lnTo>
+                  <a:pt x="6019404" y="1719991"/>
+                </a:lnTo>
+                <a:lnTo>
+                  <a:pt x="6034196" y="1949048"/>
+                </a:lnTo>
+                <a:lnTo>
+                  <a:pt x="6048315" y="2187706"/>
+                </a:lnTo>
+                <a:lnTo>
+                  <a:pt x="6061595" y="2436652"/>
+                </a:lnTo>
+                <a:lnTo>
+                  <a:pt x="6066301" y="2564211"/>
+                </a:lnTo>
+                <a:lnTo>
+                  <a:pt x="6071512" y="2694512"/>
+                </a:lnTo>
+                <a:lnTo>
+                  <a:pt x="6076386" y="2826871"/>
+                </a:lnTo>
+                <a:lnTo>
+                  <a:pt x="6079580" y="2959917"/>
+                </a:lnTo>
+                <a:lnTo>
+                  <a:pt x="6082438" y="3095705"/>
+                </a:lnTo>
+                <a:lnTo>
+                  <a:pt x="6085463" y="3232865"/>
+                </a:lnTo>
+                <a:lnTo>
+                  <a:pt x="6087480" y="3372768"/>
+                </a:lnTo>
+                <a:lnTo>
+                  <a:pt x="6087480" y="3514043"/>
+                </a:lnTo>
+                <a:lnTo>
+                  <a:pt x="6088489" y="3656689"/>
+                </a:lnTo>
+                <a:lnTo>
+                  <a:pt x="6087480" y="3800707"/>
+                </a:lnTo>
+                <a:lnTo>
+                  <a:pt x="6085463" y="3946783"/>
+                </a:lnTo>
+                <a:lnTo>
+                  <a:pt x="6083614" y="4092858"/>
+                </a:lnTo>
+                <a:lnTo>
+                  <a:pt x="6079580" y="4240991"/>
+                </a:lnTo>
+                <a:lnTo>
+                  <a:pt x="6075378" y="4390495"/>
+                </a:lnTo>
+                <a:lnTo>
+                  <a:pt x="6070503" y="4540000"/>
+                </a:lnTo>
+                <a:lnTo>
+                  <a:pt x="6063612" y="4690876"/>
+                </a:lnTo>
+                <a:lnTo>
+                  <a:pt x="6055375" y="4843123"/>
+                </a:lnTo>
+                <a:lnTo>
+                  <a:pt x="6047475" y="4996057"/>
+                </a:lnTo>
+                <a:lnTo>
+                  <a:pt x="6037390" y="5148990"/>
+                </a:lnTo>
+                <a:lnTo>
+                  <a:pt x="6025287" y="5303981"/>
+                </a:lnTo>
+                <a:lnTo>
+                  <a:pt x="6013185" y="5456914"/>
+                </a:lnTo>
+                <a:lnTo>
+                  <a:pt x="5999233" y="5612591"/>
+                </a:lnTo>
+                <a:lnTo>
+                  <a:pt x="5983937" y="5768953"/>
+                </a:lnTo>
+                <a:lnTo>
+                  <a:pt x="5967801" y="5923258"/>
+                </a:lnTo>
+                <a:lnTo>
+                  <a:pt x="5948975" y="6079621"/>
+                </a:lnTo>
+                <a:lnTo>
+                  <a:pt x="5928804" y="6235297"/>
+                </a:lnTo>
+                <a:lnTo>
+                  <a:pt x="5908801" y="6391660"/>
+                </a:lnTo>
+                <a:lnTo>
+                  <a:pt x="5885437" y="6547336"/>
+                </a:lnTo>
+                <a:lnTo>
+                  <a:pt x="5861568" y="6702327"/>
+                </a:lnTo>
+                <a:lnTo>
+                  <a:pt x="5836524" y="6858002"/>
+                </a:lnTo>
+                <a:lnTo>
+                  <a:pt x="3563332" y="6858002"/>
+                </a:lnTo>
+                <a:lnTo>
+                  <a:pt x="1223490" y="6858002"/>
+                </a:lnTo>
+                <a:lnTo>
+                  <a:pt x="0" y="6858002"/>
+                </a:lnTo>
+                <a:close/>
+              </a:path>
+            </a:pathLst>
+          </a:custGeom>
+          <a:ln>
+            <a:noFill/>
+          </a:ln>
+          <a:effectLst>
+            <a:outerShdw blurRad="50800" dist="38100" algn="l" rotWithShape="0">
+              <a:prstClr val="black">
+                <a:alpha val="40000"/>
+              </a:prstClr>
+            </a:outerShdw>
+          </a:effectLst>
+        </p:spPr>
+        <p:style>
+          <a:lnRef idx="2">
+            <a:schemeClr val="accent1">
+              <a:shade val="50000"/>
+            </a:schemeClr>
+          </a:lnRef>
+          <a:fillRef idx="1">
+            <a:schemeClr val="accent1"/>
+          </a:fillRef>
+          <a:effectRef idx="0">
+            <a:schemeClr val="accent1"/>
+          </a:effectRef>
+          <a:fontRef idx="minor">
+            <a:schemeClr val="lt1"/>
+          </a:fontRef>
+        </p:style>
+        <p:txBody>
+          <a:bodyPr rtlCol="0" anchor="ctr"/>
+          <a:lstStyle/>
+          <a:p>
+            <a:pPr algn="ctr"/>
+            <a:endParaRPr lang="en-US"/>
+          </a:p>
+        </p:txBody>
+      </p:sp>
+      <p:sp>
+        <p:nvSpPr>
           <p:cNvPr id="2" name="Title 1">
             <a:extLst>
               <a:ext uri="{FF2B5EF4-FFF2-40B4-BE49-F238E27FC236}">
@@ -3462,48 +6911,21 @@
             <p:ph type="ctrTitle"/>
           </p:nvPr>
         </p:nvSpPr>
-        <p:spPr/>
-        <p:txBody>
-          <a:bodyPr/>
+        <p:spPr>
+          <a:xfrm>
+            <a:off x="913795" y="1257301"/>
+            <a:ext cx="6672865" cy="4343399"/>
+          </a:xfrm>
+        </p:spPr>
+        <p:txBody>
+          <a:bodyPr anchor="ctr">
+            <a:normAutofit/>
+          </a:bodyPr>
           <a:lstStyle/>
           <a:p>
             <a:r>
               <a:rPr lang="en-US" dirty="0"/>
-              <a:t>Car Accidents: Education Outreach</a:t>
-            </a:r>
-          </a:p>
-        </p:txBody>
-      </p:sp>
-      <p:sp>
-        <p:nvSpPr>
-          <p:cNvPr id="3" name="Subtitle 2">
-            <a:extLst>
-              <a:ext uri="{FF2B5EF4-FFF2-40B4-BE49-F238E27FC236}">
-                <a16:creationId xmlns:a16="http://schemas.microsoft.com/office/drawing/2014/main" id="{0E9F025C-14E3-8363-F3AA-31B828748F61}"/>
-              </a:ext>
-            </a:extLst>
-          </p:cNvPr>
-          <p:cNvSpPr>
-            <a:spLocks noGrp="1"/>
-          </p:cNvSpPr>
-          <p:nvPr>
-            <p:ph type="subTitle" idx="1"/>
-          </p:nvPr>
-        </p:nvSpPr>
-        <p:spPr/>
-        <p:txBody>
-          <a:bodyPr/>
-          <a:lstStyle/>
-          <a:p>
-            <a:r>
-              <a:rPr lang="en-US" dirty="0"/>
-              <a:t>Work done by: </a:t>
-            </a:r>
-          </a:p>
-          <a:p>
-            <a:r>
-              <a:rPr lang="en-US" dirty="0"/>
-              <a:t>Edward Crouser, Eric Blanchard, Jess Nguyen, and Sarah McLain</a:t>
+              <a:t>Car Accidents in Calderdale: Education Outreach</a:t>
             </a:r>
           </a:p>
         </p:txBody>
@@ -3524,6 +6946,14 @@
 <file path=ppt/slides/slide2.xml><?xml version="1.0" encoding="utf-8"?>
 <p:sld xmlns:a="http://schemas.openxmlformats.org/drawingml/2006/main" xmlns:r="http://schemas.openxmlformats.org/officeDocument/2006/relationships" xmlns:p="http://schemas.openxmlformats.org/presentationml/2006/main">
   <p:cSld>
+    <p:bg>
+      <p:bgPr>
+        <a:solidFill>
+          <a:schemeClr val="bg1"/>
+        </a:solidFill>
+        <a:effectLst/>
+      </p:bgPr>
+    </p:bg>
     <p:spTree>
       <p:nvGrpSpPr>
         <p:cNvPr id="1" name=""/>
@@ -3538,6 +6968,40 @@
           <a:chExt cx="0" cy="0"/>
         </a:xfrm>
       </p:grpSpPr>
+      <p:pic>
+        <p:nvPicPr>
+          <p:cNvPr id="5" name="Picture 4" descr="Blurred micro image of a street traffic">
+            <a:extLst>
+              <a:ext uri="{FF2B5EF4-FFF2-40B4-BE49-F238E27FC236}">
+                <a16:creationId xmlns:a16="http://schemas.microsoft.com/office/drawing/2014/main" id="{464AC761-4B0D-C9A9-9742-C9A8DB274F50}"/>
+              </a:ext>
+            </a:extLst>
+          </p:cNvPr>
+          <p:cNvPicPr>
+            <a:picLocks noChangeAspect="1"/>
+          </p:cNvPicPr>
+          <p:nvPr/>
+        </p:nvPicPr>
+        <p:blipFill rotWithShape="1">
+          <a:blip r:embed="rId2">
+            <a:alphaModFix amt="25000"/>
+          </a:blip>
+          <a:srcRect t="12080" b="3650"/>
+          <a:stretch/>
+        </p:blipFill>
+        <p:spPr>
+          <a:xfrm>
+            <a:off x="20" y="10"/>
+            <a:ext cx="12191980" cy="6857990"/>
+          </a:xfrm>
+          <a:prstGeom prst="rect">
+            <a:avLst/>
+          </a:prstGeom>
+          <a:effectLst>
+            <a:reflection stA="0" endPos="65000" dist="50800" dir="5400000" sy="-100000" algn="bl" rotWithShape="0"/>
+          </a:effectLst>
+        </p:spPr>
+      </p:pic>
       <p:sp>
         <p:nvSpPr>
           <p:cNvPr id="2" name="Title 1">
@@ -3554,9 +7018,16 @@
             <p:ph type="title"/>
           </p:nvPr>
         </p:nvSpPr>
-        <p:spPr/>
-        <p:txBody>
-          <a:bodyPr/>
+        <p:spPr>
+          <a:xfrm>
+            <a:off x="913795" y="609600"/>
+            <a:ext cx="10353762" cy="970450"/>
+          </a:xfrm>
+        </p:spPr>
+        <p:txBody>
+          <a:bodyPr>
+            <a:normAutofit/>
+          </a:bodyPr>
           <a:lstStyle/>
           <a:p>
             <a:r>
@@ -3584,47 +7055,53 @@
         </p:nvSpPr>
         <p:spPr>
           <a:xfrm>
-            <a:off x="838200" y="1473200"/>
-            <a:ext cx="10515600" cy="4703763"/>
+            <a:off x="913795" y="1732449"/>
+            <a:ext cx="10353762" cy="4058751"/>
           </a:xfrm>
         </p:spPr>
         <p:txBody>
-          <a:bodyPr/>
+          <a:bodyPr anchor="ctr">
+            <a:normAutofit/>
+          </a:bodyPr>
           <a:lstStyle/>
           <a:p>
             <a:pPr marL="457200" lvl="1" indent="0">
+              <a:buClr>
+                <a:srgbClr val="F4F74A"/>
+              </a:buClr>
               <a:buNone/>
             </a:pPr>
             <a:r>
-              <a:rPr lang="en-US" sz="3600" dirty="0"/>
+              <a:rPr lang="en-US" sz="2800" dirty="0"/>
               <a:t>The district of Calderdale would like to add a page to their website where users can access interactive crash data from previous years as part of their Safe Driving Initiative. </a:t>
             </a:r>
           </a:p>
           <a:p>
             <a:pPr marL="457200" lvl="1" indent="0">
+              <a:buClr>
+                <a:srgbClr val="F4F74A"/>
+              </a:buClr>
               <a:buNone/>
             </a:pPr>
-            <a:endParaRPr lang="en-US" sz="3600" dirty="0"/>
+            <a:endParaRPr lang="en-US" sz="2800" dirty="0"/>
           </a:p>
           <a:p>
             <a:pPr marL="457200" lvl="1" indent="0">
+              <a:buClr>
+                <a:srgbClr val="F4F74A"/>
+              </a:buClr>
               <a:buNone/>
             </a:pPr>
             <a:r>
-              <a:rPr lang="en-US" sz="3600" dirty="0"/>
-              <a:t>The goal of this website page is for users to be able to see when, where, and under what </a:t>
-            </a:r>
-            <a:r>
-              <a:rPr lang="en-US" sz="3600" dirty="0" err="1"/>
-              <a:t>conditionspreviousaccidents</a:t>
-            </a:r>
-            <a:r>
-              <a:rPr lang="en-US" sz="3600" dirty="0"/>
-              <a:t> have happened.</a:t>
+              <a:rPr lang="en-US" sz="2800" dirty="0"/>
+              <a:t>The goal of this website page is for users to be able to see when, where, and under what conditions previous accidents have taken place</a:t>
             </a:r>
           </a:p>
           <a:p>
             <a:pPr marL="457200" lvl="1" indent="0">
+              <a:buClr>
+                <a:srgbClr val="F4F74A"/>
+              </a:buClr>
               <a:buNone/>
             </a:pPr>
             <a:endParaRPr lang="en-US" dirty="0"/>
@@ -3718,7 +7195,7 @@
         </p:spPr>
         <p:txBody>
           <a:bodyPr>
-            <a:normAutofit fontScale="92500" lnSpcReduction="10000"/>
+            <a:normAutofit/>
           </a:bodyPr>
           <a:lstStyle/>
           <a:p>
@@ -3964,43 +7441,82 @@
             <p:ph idx="1"/>
           </p:nvPr>
         </p:nvSpPr>
-        <p:spPr/>
+        <p:spPr>
+          <a:xfrm>
+            <a:off x="975359" y="1732449"/>
+            <a:ext cx="10292197" cy="4058751"/>
+          </a:xfrm>
+        </p:spPr>
         <p:txBody>
           <a:bodyPr/>
           <a:lstStyle/>
           <a:p>
+            <a:pPr marL="0" indent="0">
+              <a:buNone/>
+            </a:pPr>
+            <a:r>
+              <a:rPr lang="en-US" sz="2400" dirty="0"/>
+              <a:t>Create:</a:t>
+            </a:r>
+          </a:p>
+          <a:p>
+            <a:r>
+              <a:rPr lang="en-US" sz="2400" dirty="0"/>
+              <a:t>	A user interactive dashboard displaying accident information:</a:t>
+            </a:r>
+          </a:p>
+          <a:p>
+            <a:pPr marL="0" indent="0">
+              <a:buNone/>
+            </a:pPr>
+            <a:r>
+              <a:rPr lang="en-US" sz="2400" dirty="0"/>
+              <a:t>		- Drop down menu to change data year</a:t>
+            </a:r>
+          </a:p>
+          <a:p>
+            <a:pPr marL="0" indent="0">
+              <a:buNone/>
+            </a:pPr>
+            <a:r>
+              <a:rPr lang="en-US" sz="2400" dirty="0"/>
+              <a:t>		- Bar and Pie charts displaying different accident conditions </a:t>
+            </a:r>
+          </a:p>
+          <a:p>
+            <a:r>
+              <a:rPr lang="en-US" sz="2400" dirty="0"/>
+              <a:t>JavaScript leaflet map where accident data is displayed in removable layers by the year.</a:t>
+            </a:r>
+          </a:p>
+          <a:p>
+            <a:r>
+              <a:rPr lang="en-US" sz="2400" dirty="0"/>
+              <a:t>Flask powered API, HTML, CSS, JS, and a Database for the data.</a:t>
+            </a:r>
+          </a:p>
+          <a:p>
             <a:r>
               <a:rPr lang="en-US" dirty="0"/>
-              <a:t>Create a user interactive dashboard displaying accident information:</a:t>
-            </a:r>
-          </a:p>
-          <a:p>
-            <a:pPr marL="0" indent="0">
-              <a:buNone/>
-            </a:pPr>
+              <a:t>Python </a:t>
+            </a:r>
+            <a:r>
+              <a:rPr lang="en-US" dirty="0" err="1"/>
+              <a:t>Jupyter</a:t>
+            </a:r>
             <a:r>
               <a:rPr lang="en-US" dirty="0"/>
-              <a:t>	- Drop down menu to change data year</a:t>
-            </a:r>
-          </a:p>
-          <a:p>
-            <a:pPr marL="0" indent="0">
-              <a:buNone/>
-            </a:pPr>
-            <a:r>
-              <a:rPr lang="en-US" dirty="0"/>
-              <a:t>	- Bar and Pie charts displaying different conditions when 	accidents happened.</a:t>
-            </a:r>
-          </a:p>
-          <a:p>
-            <a:r>
-              <a:rPr lang="en-US" dirty="0"/>
-              <a:t>Create a leaflet </a:t>
-            </a:r>
-            <a:r>
-              <a:rPr lang="en-US"/>
-              <a:t>map where the data is displayed in layers by the year.</a:t>
-            </a:r>
+              <a:t> notebook with cleaned data and statistical information on accident data.</a:t>
+            </a:r>
+          </a:p>
+          <a:p>
+            <a:endParaRPr lang="en-US" dirty="0"/>
+          </a:p>
+          <a:p>
+            <a:endParaRPr lang="en-US" dirty="0"/>
+          </a:p>
+          <a:p>
+            <a:endParaRPr lang="en-US" dirty="0"/>
           </a:p>
           <a:p>
             <a:endParaRPr lang="en-US" dirty="0"/>
@@ -4020,13 +7536,197 @@
   <p:clrMapOvr>
     <a:masterClrMapping/>
   </p:clrMapOvr>
+  <mc:AlternateContent xmlns:mc="http://schemas.openxmlformats.org/markup-compatibility/2006">
+    <mc:Choice xmlns:p14="http://schemas.microsoft.com/office/powerpoint/2010/main" Requires="p14">
+      <p:transition p14:dur="100">
+        <p:cut/>
+      </p:transition>
+    </mc:Choice>
+    <mc:Fallback>
+      <p:transition>
+        <p:cut/>
+      </p:transition>
+    </mc:Fallback>
+  </mc:AlternateContent>
+</p:sld>
+</file>
+
+<file path=ppt/slides/slide5.xml><?xml version="1.0" encoding="utf-8"?>
+<p:sld xmlns:a="http://schemas.openxmlformats.org/drawingml/2006/main" xmlns:r="http://schemas.openxmlformats.org/officeDocument/2006/relationships" xmlns:p="http://schemas.openxmlformats.org/presentationml/2006/main">
+  <p:cSld>
+    <p:spTree>
+      <p:nvGrpSpPr>
+        <p:cNvPr id="1" name=""/>
+        <p:cNvGrpSpPr/>
+        <p:nvPr/>
+      </p:nvGrpSpPr>
+      <p:grpSpPr>
+        <a:xfrm>
+          <a:off x="0" y="0"/>
+          <a:ext cx="0" cy="0"/>
+          <a:chOff x="0" y="0"/>
+          <a:chExt cx="0" cy="0"/>
+        </a:xfrm>
+      </p:grpSpPr>
+      <p:sp>
+        <p:nvSpPr>
+          <p:cNvPr id="2" name="Title 1">
+            <a:extLst>
+              <a:ext uri="{FF2B5EF4-FFF2-40B4-BE49-F238E27FC236}">
+                <a16:creationId xmlns:a16="http://schemas.microsoft.com/office/drawing/2014/main" id="{7F68D985-B9AB-65A5-DAAD-717FF9879C8B}"/>
+              </a:ext>
+            </a:extLst>
+          </p:cNvPr>
+          <p:cNvSpPr>
+            <a:spLocks noGrp="1"/>
+          </p:cNvSpPr>
+          <p:nvPr>
+            <p:ph type="title"/>
+          </p:nvPr>
+        </p:nvSpPr>
+        <p:spPr/>
+        <p:txBody>
+          <a:bodyPr/>
+          <a:lstStyle/>
+          <a:p>
+            <a:r>
+              <a:rPr lang="en-US" dirty="0"/>
+              <a:t>Website link:</a:t>
+            </a:r>
+          </a:p>
+        </p:txBody>
+      </p:sp>
+      <p:sp>
+        <p:nvSpPr>
+          <p:cNvPr id="3" name="Content Placeholder 2">
+            <a:extLst>
+              <a:ext uri="{FF2B5EF4-FFF2-40B4-BE49-F238E27FC236}">
+                <a16:creationId xmlns:a16="http://schemas.microsoft.com/office/drawing/2014/main" id="{625354D5-F328-1024-1165-C859E57453FA}"/>
+              </a:ext>
+            </a:extLst>
+          </p:cNvPr>
+          <p:cNvSpPr>
+            <a:spLocks noGrp="1"/>
+          </p:cNvSpPr>
+          <p:nvPr>
+            <p:ph idx="1"/>
+          </p:nvPr>
+        </p:nvSpPr>
+        <p:spPr/>
+        <p:txBody>
+          <a:bodyPr/>
+          <a:lstStyle/>
+          <a:p>
+            <a:endParaRPr lang="en-US" dirty="0"/>
+          </a:p>
+        </p:txBody>
+      </p:sp>
+    </p:spTree>
+    <p:extLst>
+      <p:ext uri="{BB962C8B-B14F-4D97-AF65-F5344CB8AC3E}">
+        <p14:creationId xmlns:p14="http://schemas.microsoft.com/office/powerpoint/2010/main" val="373847250"/>
+      </p:ext>
+    </p:extLst>
+  </p:cSld>
+  <p:clrMapOvr>
+    <a:masterClrMapping/>
+  </p:clrMapOvr>
+</p:sld>
+</file>
+
+<file path=ppt/slides/slide6.xml><?xml version="1.0" encoding="utf-8"?>
+<p:sld xmlns:a="http://schemas.openxmlformats.org/drawingml/2006/main" xmlns:r="http://schemas.openxmlformats.org/officeDocument/2006/relationships" xmlns:p="http://schemas.openxmlformats.org/presentationml/2006/main">
+  <p:cSld>
+    <p:spTree>
+      <p:nvGrpSpPr>
+        <p:cNvPr id="1" name=""/>
+        <p:cNvGrpSpPr/>
+        <p:nvPr/>
+      </p:nvGrpSpPr>
+      <p:grpSpPr>
+        <a:xfrm>
+          <a:off x="0" y="0"/>
+          <a:ext cx="0" cy="0"/>
+          <a:chOff x="0" y="0"/>
+          <a:chExt cx="0" cy="0"/>
+        </a:xfrm>
+      </p:grpSpPr>
+      <p:sp>
+        <p:nvSpPr>
+          <p:cNvPr id="2" name="Title 1">
+            <a:extLst>
+              <a:ext uri="{FF2B5EF4-FFF2-40B4-BE49-F238E27FC236}">
+                <a16:creationId xmlns:a16="http://schemas.microsoft.com/office/drawing/2014/main" id="{C09DB55B-2DA4-7AB5-7C69-33D3E8530AB9}"/>
+              </a:ext>
+            </a:extLst>
+          </p:cNvPr>
+          <p:cNvSpPr>
+            <a:spLocks noGrp="1"/>
+          </p:cNvSpPr>
+          <p:nvPr>
+            <p:ph type="title"/>
+          </p:nvPr>
+        </p:nvSpPr>
+        <p:spPr/>
+        <p:txBody>
+          <a:bodyPr/>
+          <a:lstStyle/>
+          <a:p>
+            <a:r>
+              <a:rPr lang="en-US" dirty="0"/>
+              <a:t>Coming Soon:</a:t>
+            </a:r>
+          </a:p>
+        </p:txBody>
+      </p:sp>
+      <p:sp>
+        <p:nvSpPr>
+          <p:cNvPr id="3" name="Content Placeholder 2">
+            <a:extLst>
+              <a:ext uri="{FF2B5EF4-FFF2-40B4-BE49-F238E27FC236}">
+                <a16:creationId xmlns:a16="http://schemas.microsoft.com/office/drawing/2014/main" id="{B68A82BA-3F1C-1132-1ED0-D0CA81864B5E}"/>
+              </a:ext>
+            </a:extLst>
+          </p:cNvPr>
+          <p:cNvSpPr>
+            <a:spLocks noGrp="1"/>
+          </p:cNvSpPr>
+          <p:nvPr>
+            <p:ph idx="1"/>
+          </p:nvPr>
+        </p:nvSpPr>
+        <p:spPr/>
+        <p:txBody>
+          <a:bodyPr/>
+          <a:lstStyle/>
+          <a:p>
+            <a:r>
+              <a:rPr lang="en-US" dirty="0"/>
+              <a:t>Research Questions &amp; conclusions:</a:t>
+            </a:r>
+          </a:p>
+          <a:p>
+            <a:endParaRPr lang="en-US" dirty="0"/>
+          </a:p>
+        </p:txBody>
+      </p:sp>
+    </p:spTree>
+    <p:extLst>
+      <p:ext uri="{BB962C8B-B14F-4D97-AF65-F5344CB8AC3E}">
+        <p14:creationId xmlns:p14="http://schemas.microsoft.com/office/powerpoint/2010/main" val="3893432848"/>
+      </p:ext>
+    </p:extLst>
+  </p:cSld>
+  <p:clrMapOvr>
+    <a:masterClrMapping/>
+  </p:clrMapOvr>
 </p:sld>
 </file>
 
 <file path=ppt/theme/theme1.xml><?xml version="1.0" encoding="utf-8"?>
-<a:theme xmlns:a="http://schemas.openxmlformats.org/drawingml/2006/main" name="Office Theme">
+<a:theme xmlns:a="http://schemas.openxmlformats.org/drawingml/2006/main" name="Slate">
   <a:themeElements>
-    <a:clrScheme name="Office">
+    <a:clrScheme name="Slate">
       <a:dk1>
         <a:sysClr val="windowText" lastClr="000000"/>
       </a:dk1>
@@ -4034,97 +7734,45 @@
         <a:sysClr val="window" lastClr="FFFFFF"/>
       </a:lt1>
       <a:dk2>
-        <a:srgbClr val="44546A"/>
+        <a:srgbClr val="212123"/>
       </a:dk2>
       <a:lt2>
-        <a:srgbClr val="E7E6E6"/>
+        <a:srgbClr val="DADADA"/>
       </a:lt2>
       <a:accent1>
-        <a:srgbClr val="4472C4"/>
+        <a:srgbClr val="BC451B"/>
       </a:accent1>
       <a:accent2>
-        <a:srgbClr val="ED7D31"/>
+        <a:srgbClr val="D3BA68"/>
       </a:accent2>
       <a:accent3>
-        <a:srgbClr val="A5A5A5"/>
+        <a:srgbClr val="BB8640"/>
       </a:accent3>
       <a:accent4>
-        <a:srgbClr val="FFC000"/>
+        <a:srgbClr val="AD9277"/>
       </a:accent4>
       <a:accent5>
-        <a:srgbClr val="5B9BD5"/>
+        <a:srgbClr val="A55A43"/>
       </a:accent5>
       <a:accent6>
-        <a:srgbClr val="70AD47"/>
+        <a:srgbClr val="AD9D7B"/>
       </a:accent6>
       <a:hlink>
-        <a:srgbClr val="0563C1"/>
+        <a:srgbClr val="E98052"/>
       </a:hlink>
       <a:folHlink>
-        <a:srgbClr val="954F72"/>
+        <a:srgbClr val="F4B69B"/>
       </a:folHlink>
     </a:clrScheme>
-    <a:fontScheme name="Office">
+    <a:fontScheme name="Slate">
       <a:majorFont>
-        <a:latin typeface="Calibri Light" panose="020F0302020204030204"/>
+        <a:latin typeface="Calisto MT" panose="02040603050505030304"/>
         <a:ea typeface=""/>
         <a:cs typeface=""/>
-        <a:font script="Jpan" typeface="游ゴシック Light"/>
-        <a:font script="Hang" typeface="맑은 고딕"/>
-        <a:font script="Hans" typeface="等线 Light"/>
-        <a:font script="Hant" typeface="新細明體"/>
-        <a:font script="Arab" typeface="Times New Roman"/>
-        <a:font script="Hebr" typeface="Times New Roman"/>
-        <a:font script="Thai" typeface="Angsana New"/>
-        <a:font script="Ethi" typeface="Nyala"/>
-        <a:font script="Beng" typeface="Vrinda"/>
-        <a:font script="Gujr" typeface="Shruti"/>
-        <a:font script="Khmr" typeface="MoolBoran"/>
-        <a:font script="Knda" typeface="Tunga"/>
-        <a:font script="Guru" typeface="Raavi"/>
-        <a:font script="Cans" typeface="Euphemia"/>
-        <a:font script="Cher" typeface="Plantagenet Cherokee"/>
-        <a:font script="Yiii" typeface="Microsoft Yi Baiti"/>
-        <a:font script="Tibt" typeface="Microsoft Himalaya"/>
-        <a:font script="Thaa" typeface="MV Boli"/>
-        <a:font script="Deva" typeface="Mangal"/>
-        <a:font script="Telu" typeface="Gautami"/>
-        <a:font script="Taml" typeface="Latha"/>
-        <a:font script="Syrc" typeface="Estrangelo Edessa"/>
-        <a:font script="Orya" typeface="Kalinga"/>
-        <a:font script="Mlym" typeface="Kartika"/>
-        <a:font script="Laoo" typeface="DokChampa"/>
-        <a:font script="Sinh" typeface="Iskoola Pota"/>
-        <a:font script="Mong" typeface="Mongolian Baiti"/>
-        <a:font script="Viet" typeface="Times New Roman"/>
-        <a:font script="Uigh" typeface="Microsoft Uighur"/>
-        <a:font script="Geor" typeface="Sylfaen"/>
-        <a:font script="Armn" typeface="Arial"/>
-        <a:font script="Bugi" typeface="Leelawadee UI"/>
-        <a:font script="Bopo" typeface="Microsoft JhengHei"/>
-        <a:font script="Java" typeface="Javanese Text"/>
-        <a:font script="Lisu" typeface="Segoe UI"/>
-        <a:font script="Mymr" typeface="Myanmar Text"/>
-        <a:font script="Nkoo" typeface="Ebrima"/>
-        <a:font script="Olck" typeface="Nirmala UI"/>
-        <a:font script="Osma" typeface="Ebrima"/>
-        <a:font script="Phag" typeface="Phagspa"/>
-        <a:font script="Syrn" typeface="Estrangelo Edessa"/>
-        <a:font script="Syrj" typeface="Estrangelo Edessa"/>
-        <a:font script="Syre" typeface="Estrangelo Edessa"/>
-        <a:font script="Sora" typeface="Nirmala UI"/>
-        <a:font script="Tale" typeface="Microsoft Tai Le"/>
-        <a:font script="Talu" typeface="Microsoft New Tai Lue"/>
-        <a:font script="Tfng" typeface="Ebrima"/>
-      </a:majorFont>
-      <a:minorFont>
-        <a:latin typeface="Calibri" panose="020F0502020204030204"/>
-        <a:ea typeface=""/>
-        <a:cs typeface=""/>
-        <a:font script="Jpan" typeface="游ゴシック"/>
-        <a:font script="Hang" typeface="맑은 고딕"/>
-        <a:font script="Hans" typeface="等线"/>
-        <a:font script="Hant" typeface="新細明體"/>
+        <a:font script="Jpan" typeface="ＭＳ Ｐゴシック"/>
+        <a:font script="Hang" typeface="돋움"/>
+        <a:font script="Hans" typeface="方正舒体"/>
+        <a:font script="Hant" typeface="微軟正黑體"/>
         <a:font script="Arab" typeface="Arial"/>
         <a:font script="Hebr" typeface="Arial"/>
         <a:font script="Thai" typeface="Cordia New"/>
@@ -4151,26 +7799,44 @@
         <a:font script="Viet" typeface="Arial"/>
         <a:font script="Uigh" typeface="Microsoft Uighur"/>
         <a:font script="Geor" typeface="Sylfaen"/>
-        <a:font script="Armn" typeface="Arial"/>
-        <a:font script="Bugi" typeface="Leelawadee UI"/>
-        <a:font script="Bopo" typeface="Microsoft JhengHei"/>
-        <a:font script="Java" typeface="Javanese Text"/>
-        <a:font script="Lisu" typeface="Segoe UI"/>
-        <a:font script="Mymr" typeface="Myanmar Text"/>
-        <a:font script="Nkoo" typeface="Ebrima"/>
-        <a:font script="Olck" typeface="Nirmala UI"/>
-        <a:font script="Osma" typeface="Ebrima"/>
-        <a:font script="Phag" typeface="Phagspa"/>
-        <a:font script="Syrn" typeface="Estrangelo Edessa"/>
-        <a:font script="Syrj" typeface="Estrangelo Edessa"/>
-        <a:font script="Syre" typeface="Estrangelo Edessa"/>
-        <a:font script="Sora" typeface="Nirmala UI"/>
-        <a:font script="Tale" typeface="Microsoft Tai Le"/>
-        <a:font script="Talu" typeface="Microsoft New Tai Lue"/>
-        <a:font script="Tfng" typeface="Ebrima"/>
+      </a:majorFont>
+      <a:minorFont>
+        <a:latin typeface="Calisto MT" panose="02040603050505030304"/>
+        <a:ea typeface=""/>
+        <a:cs typeface=""/>
+        <a:font script="Jpan" typeface="ＭＳ Ｐゴシック"/>
+        <a:font script="Hang" typeface="돋움"/>
+        <a:font script="Hans" typeface="方正舒体"/>
+        <a:font script="Hant" typeface="微軟正黑體"/>
+        <a:font script="Arab" typeface="Arial"/>
+        <a:font script="Hebr" typeface="Arial"/>
+        <a:font script="Thai" typeface="Cordia New"/>
+        <a:font script="Ethi" typeface="Nyala"/>
+        <a:font script="Beng" typeface="Vrinda"/>
+        <a:font script="Gujr" typeface="Shruti"/>
+        <a:font script="Khmr" typeface="DaunPenh"/>
+        <a:font script="Knda" typeface="Tunga"/>
+        <a:font script="Guru" typeface="Raavi"/>
+        <a:font script="Cans" typeface="Euphemia"/>
+        <a:font script="Cher" typeface="Plantagenet Cherokee"/>
+        <a:font script="Yiii" typeface="Microsoft Yi Baiti"/>
+        <a:font script="Tibt" typeface="Microsoft Himalaya"/>
+        <a:font script="Thaa" typeface="MV Boli"/>
+        <a:font script="Deva" typeface="Mangal"/>
+        <a:font script="Telu" typeface="Gautami"/>
+        <a:font script="Taml" typeface="Latha"/>
+        <a:font script="Syrc" typeface="Estrangelo Edessa"/>
+        <a:font script="Orya" typeface="Kalinga"/>
+        <a:font script="Mlym" typeface="Kartika"/>
+        <a:font script="Laoo" typeface="DokChampa"/>
+        <a:font script="Sinh" typeface="Iskoola Pota"/>
+        <a:font script="Mong" typeface="Mongolian Baiti"/>
+        <a:font script="Viet" typeface="Arial"/>
+        <a:font script="Uigh" typeface="Microsoft Uighur"/>
+        <a:font script="Geor" typeface="Sylfaen"/>
       </a:minorFont>
     </a:fontScheme>
-    <a:fmtScheme name="Office">
+    <a:fmtScheme name="Slate">
       <a:fillStyleLst>
         <a:solidFill>
           <a:schemeClr val="phClr"/>
@@ -4179,23 +7845,13 @@
           <a:gsLst>
             <a:gs pos="0">
               <a:schemeClr val="phClr">
+                <a:tint val="60000"/>
                 <a:lumMod val="110000"/>
-                <a:satMod val="105000"/>
-                <a:tint val="67000"/>
-              </a:schemeClr>
-            </a:gs>
-            <a:gs pos="50000">
-              <a:schemeClr val="phClr">
-                <a:lumMod val="105000"/>
-                <a:satMod val="103000"/>
-                <a:tint val="73000"/>
               </a:schemeClr>
             </a:gs>
             <a:gs pos="100000">
               <a:schemeClr val="phClr">
-                <a:lumMod val="105000"/>
-                <a:satMod val="109000"/>
-                <a:tint val="81000"/>
+                <a:tint val="88000"/>
               </a:schemeClr>
             </a:gs>
           </a:gsLst>
@@ -4205,23 +7861,14 @@
           <a:gsLst>
             <a:gs pos="0">
               <a:schemeClr val="phClr">
-                <a:satMod val="103000"/>
-                <a:lumMod val="102000"/>
-                <a:tint val="94000"/>
-              </a:schemeClr>
-            </a:gs>
-            <a:gs pos="50000">
-              <a:schemeClr val="phClr">
-                <a:satMod val="110000"/>
-                <a:lumMod val="100000"/>
-                <a:shade val="100000"/>
+                <a:tint val="96000"/>
+                <a:lumMod val="104000"/>
               </a:schemeClr>
             </a:gs>
             <a:gs pos="100000">
               <a:schemeClr val="phClr">
-                <a:lumMod val="99000"/>
-                <a:satMod val="120000"/>
-                <a:shade val="78000"/>
+                <a:shade val="90000"/>
+                <a:lumMod val="90000"/>
               </a:schemeClr>
             </a:gs>
           </a:gsLst>
@@ -4229,26 +7876,25 @@
         </a:gradFill>
       </a:fillStyleLst>
       <a:lnStyleLst>
-        <a:ln w="6350" cap="flat" cmpd="sng" algn="ctr">
+        <a:ln w="9525" cap="rnd" cmpd="sng" algn="ctr">
+          <a:solidFill>
+            <a:schemeClr val="phClr">
+              <a:shade val="90000"/>
+            </a:schemeClr>
+          </a:solidFill>
+          <a:prstDash val="solid"/>
+        </a:ln>
+        <a:ln w="15875" cap="rnd" cmpd="sng" algn="ctr">
           <a:solidFill>
             <a:schemeClr val="phClr"/>
           </a:solidFill>
           <a:prstDash val="solid"/>
-          <a:miter lim="800000"/>
         </a:ln>
-        <a:ln w="12700" cap="flat" cmpd="sng" algn="ctr">
+        <a:ln w="25400" cap="rnd" cmpd="sng" algn="ctr">
           <a:solidFill>
             <a:schemeClr val="phClr"/>
           </a:solidFill>
           <a:prstDash val="solid"/>
-          <a:miter lim="800000"/>
-        </a:ln>
-        <a:ln w="19050" cap="flat" cmpd="sng" algn="ctr">
-          <a:solidFill>
-            <a:schemeClr val="phClr"/>
-          </a:solidFill>
-          <a:prstDash val="solid"/>
-          <a:miter lim="800000"/>
         </a:ln>
       </a:lnStyleLst>
       <a:effectStyleLst>
@@ -4256,16 +7902,33 @@
           <a:effectLst/>
         </a:effectStyle>
         <a:effectStyle>
-          <a:effectLst/>
+          <a:effectLst>
+            <a:outerShdw blurRad="63500" dist="25400" dir="5400000" rotWithShape="0">
+              <a:srgbClr val="000000">
+                <a:alpha val="60000"/>
+              </a:srgbClr>
+            </a:outerShdw>
+          </a:effectLst>
         </a:effectStyle>
         <a:effectStyle>
           <a:effectLst>
-            <a:outerShdw blurRad="57150" dist="19050" dir="5400000" algn="ctr" rotWithShape="0">
+            <a:outerShdw blurRad="76200" dist="38100" dir="5400000" rotWithShape="0">
               <a:srgbClr val="000000">
-                <a:alpha val="63000"/>
+                <a:alpha val="75000"/>
               </a:srgbClr>
             </a:outerShdw>
           </a:effectLst>
+          <a:scene3d>
+            <a:camera prst="orthographicFront">
+              <a:rot lat="0" lon="0" rev="0"/>
+            </a:camera>
+            <a:lightRig rig="threePt" dir="t">
+              <a:rot lat="0" lon="0" rev="1200000"/>
+            </a:lightRig>
+          </a:scene3d>
+          <a:sp3d>
+            <a:bevelT w="63500" h="25400" prst="hardEdge"/>
+          </a:sp3d>
         </a:effectStyle>
       </a:effectStyleLst>
       <a:bgFillStyleLst>
@@ -4273,38 +7936,22 @@
           <a:schemeClr val="phClr"/>
         </a:solidFill>
         <a:solidFill>
-          <a:schemeClr val="phClr">
-            <a:tint val="95000"/>
-            <a:satMod val="170000"/>
-          </a:schemeClr>
+          <a:schemeClr val="phClr"/>
         </a:solidFill>
-        <a:gradFill rotWithShape="1">
-          <a:gsLst>
-            <a:gs pos="0">
+        <a:blipFill rotWithShape="1">
+          <a:blip xmlns:r="http://schemas.openxmlformats.org/officeDocument/2006/relationships" r:embed="rId1">
+            <a:duotone>
               <a:schemeClr val="phClr">
-                <a:tint val="93000"/>
-                <a:satMod val="150000"/>
-                <a:shade val="98000"/>
-                <a:lumMod val="102000"/>
+                <a:shade val="80000"/>
+                <a:lumMod val="80000"/>
               </a:schemeClr>
-            </a:gs>
-            <a:gs pos="50000">
               <a:schemeClr val="phClr">
                 <a:tint val="98000"/>
-                <a:satMod val="130000"/>
-                <a:shade val="90000"/>
-                <a:lumMod val="103000"/>
               </a:schemeClr>
-            </a:gs>
-            <a:gs pos="100000">
-              <a:schemeClr val="phClr">
-                <a:shade val="63000"/>
-                <a:satMod val="120000"/>
-              </a:schemeClr>
-            </a:gs>
-          </a:gsLst>
-          <a:lin ang="5400000" scaled="0"/>
-        </a:gradFill>
+            </a:duotone>
+          </a:blip>
+          <a:stretch/>
+        </a:blipFill>
       </a:bgFillStyleLst>
     </a:fmtScheme>
   </a:themeElements>
@@ -4312,7 +7959,7 @@
   <a:extraClrSchemeLst/>
   <a:extLst>
     <a:ext uri="{05A4C25C-085E-4340-85A3-A5531E510DB2}">
-      <thm15:themeFamily xmlns:thm15="http://schemas.microsoft.com/office/thememl/2012/main" name="Office Theme" id="{62F939B6-93AF-4DB8-9C6B-D6C7DFDC589F}" vid="{4A3C46E8-61CC-4603-A589-7422A47A8E4A}"/>
+      <thm15:themeFamily xmlns:thm15="http://schemas.microsoft.com/office/thememl/2012/main" name="Slate" id="{C3F70B94-7CE9-428E-ADC1-3269CC2C3385}" vid="{3F2DE9A5-64E6-437C-A389-CC4477E817E8}"/>
     </a:ext>
   </a:extLst>
 </a:theme>

--- a/project_3_presentation.pptx
+++ b/project_3_presentation.pptx
@@ -10,7 +10,6 @@
     <p:sldId id="258" r:id="rId4"/>
     <p:sldId id="259" r:id="rId5"/>
     <p:sldId id="261" r:id="rId6"/>
-    <p:sldId id="260" r:id="rId7"/>
   </p:sldIdLst>
   <p:sldSz cx="12192000" cy="6858000"/>
   <p:notesSz cx="6858000" cy="9144000"/>
@@ -120,7 +119,7 @@
 <file path=ppt/revisionInfo.xml><?xml version="1.0" encoding="utf-8"?>
 <p1510:revInfo xmlns:a="http://schemas.openxmlformats.org/drawingml/2006/main" xmlns:r="http://schemas.openxmlformats.org/officeDocument/2006/relationships" xmlns:p1510="http://schemas.microsoft.com/office/powerpoint/2015/10/main">
   <p1510:revLst>
-    <p1510:client id="{FBF9C06B-26AA-4951-A5F4-2555FA9D945C}" v="8" dt="2023-07-17T18:42:41.555"/>
+    <p1510:client id="{FBF9C06B-26AA-4951-A5F4-2555FA9D945C}" v="10" dt="2023-07-18T00:35:52.360"/>
   </p1510:revLst>
 </p1510:revInfo>
 </file>
@@ -129,8 +128,8 @@
 <pc:chgInfo xmlns:a="http://schemas.openxmlformats.org/drawingml/2006/main" xmlns:r="http://schemas.openxmlformats.org/officeDocument/2006/relationships" xmlns:ac="http://schemas.microsoft.com/office/drawing/2013/main/command" xmlns:pc="http://schemas.microsoft.com/office/powerpoint/2013/main/command">
   <pc:docChgLst>
     <pc:chgData name="sarahmclain0602@gmail.com" userId="7cf5164fe9743f08" providerId="LiveId" clId="{FBF9C06B-26AA-4951-A5F4-2555FA9D945C}"/>
-    <pc:docChg chg="undo custSel addSld modSld sldOrd">
-      <pc:chgData name="sarahmclain0602@gmail.com" userId="7cf5164fe9743f08" providerId="LiveId" clId="{FBF9C06B-26AA-4951-A5F4-2555FA9D945C}" dt="2023-07-17T18:42:41.555" v="2081"/>
+    <pc:docChg chg="undo custSel addSld delSld modSld sldOrd">
+      <pc:chgData name="sarahmclain0602@gmail.com" userId="7cf5164fe9743f08" providerId="LiveId" clId="{FBF9C06B-26AA-4951-A5F4-2555FA9D945C}" dt="2023-07-18T01:36:31.032" v="2525" actId="47"/>
       <pc:docMkLst>
         <pc:docMk/>
       </pc:docMkLst>
@@ -190,7 +189,7 @@
         </pc:cxnChg>
       </pc:sldChg>
       <pc:sldChg chg="addSp delSp modSp new mod setBg">
-        <pc:chgData name="sarahmclain0602@gmail.com" userId="7cf5164fe9743f08" providerId="LiveId" clId="{FBF9C06B-26AA-4951-A5F4-2555FA9D945C}" dt="2023-07-17T18:38:26.189" v="1877" actId="14861"/>
+        <pc:chgData name="sarahmclain0602@gmail.com" userId="7cf5164fe9743f08" providerId="LiveId" clId="{FBF9C06B-26AA-4951-A5F4-2555FA9D945C}" dt="2023-07-18T00:37:20.168" v="2516" actId="12"/>
         <pc:sldMkLst>
           <pc:docMk/>
           <pc:sldMk cId="2104647753" sldId="257"/>
@@ -204,7 +203,7 @@
           </ac:spMkLst>
         </pc:spChg>
         <pc:spChg chg="mod">
-          <ac:chgData name="sarahmclain0602@gmail.com" userId="7cf5164fe9743f08" providerId="LiveId" clId="{FBF9C06B-26AA-4951-A5F4-2555FA9D945C}" dt="2023-07-17T18:37:30.504" v="1625" actId="20577"/>
+          <ac:chgData name="sarahmclain0602@gmail.com" userId="7cf5164fe9743f08" providerId="LiveId" clId="{FBF9C06B-26AA-4951-A5F4-2555FA9D945C}" dt="2023-07-18T00:37:20.168" v="2516" actId="12"/>
           <ac:spMkLst>
             <pc:docMk/>
             <pc:sldMk cId="2104647753" sldId="257"/>
@@ -237,7 +236,7 @@
         </pc:picChg>
       </pc:sldChg>
       <pc:sldChg chg="addSp modSp new mod ord">
-        <pc:chgData name="sarahmclain0602@gmail.com" userId="7cf5164fe9743f08" providerId="LiveId" clId="{FBF9C06B-26AA-4951-A5F4-2555FA9D945C}" dt="2023-07-17T18:35:39.368" v="1590" actId="27636"/>
+        <pc:chgData name="sarahmclain0602@gmail.com" userId="7cf5164fe9743f08" providerId="LiveId" clId="{FBF9C06B-26AA-4951-A5F4-2555FA9D945C}" dt="2023-07-18T00:40:57.718" v="2520" actId="20577"/>
         <pc:sldMkLst>
           <pc:docMk/>
           <pc:sldMk cId="19538076" sldId="258"/>
@@ -259,7 +258,7 @@
           </ac:spMkLst>
         </pc:spChg>
         <pc:spChg chg="add mod">
-          <ac:chgData name="sarahmclain0602@gmail.com" userId="7cf5164fe9743f08" providerId="LiveId" clId="{FBF9C06B-26AA-4951-A5F4-2555FA9D945C}" dt="2023-07-17T17:51:51.896" v="461" actId="20577"/>
+          <ac:chgData name="sarahmclain0602@gmail.com" userId="7cf5164fe9743f08" providerId="LiveId" clId="{FBF9C06B-26AA-4951-A5F4-2555FA9D945C}" dt="2023-07-18T00:40:57.718" v="2520" actId="20577"/>
           <ac:spMkLst>
             <pc:docMk/>
             <pc:sldMk cId="19538076" sldId="258"/>
@@ -268,7 +267,7 @@
         </pc:spChg>
       </pc:sldChg>
       <pc:sldChg chg="addSp delSp modSp new mod modTransition">
-        <pc:chgData name="sarahmclain0602@gmail.com" userId="7cf5164fe9743f08" providerId="LiveId" clId="{FBF9C06B-26AA-4951-A5F4-2555FA9D945C}" dt="2023-07-17T18:42:41.555" v="2081"/>
+        <pc:chgData name="sarahmclain0602@gmail.com" userId="7cf5164fe9743f08" providerId="LiveId" clId="{FBF9C06B-26AA-4951-A5F4-2555FA9D945C}" dt="2023-07-18T00:41:37.831" v="2524" actId="27636"/>
         <pc:sldMkLst>
           <pc:docMk/>
           <pc:sldMk cId="1663866345" sldId="259"/>
@@ -282,7 +281,7 @@
           </ac:spMkLst>
         </pc:spChg>
         <pc:spChg chg="add del mod">
-          <ac:chgData name="sarahmclain0602@gmail.com" userId="7cf5164fe9743f08" providerId="LiveId" clId="{FBF9C06B-26AA-4951-A5F4-2555FA9D945C}" dt="2023-07-17T18:42:12.301" v="2080" actId="20577"/>
+          <ac:chgData name="sarahmclain0602@gmail.com" userId="7cf5164fe9743f08" providerId="LiveId" clId="{FBF9C06B-26AA-4951-A5F4-2555FA9D945C}" dt="2023-07-18T00:41:37.831" v="2524" actId="27636"/>
           <ac:spMkLst>
             <pc:docMk/>
             <pc:sldMk cId="1663866345" sldId="259"/>
@@ -298,14 +297,14 @@
           </ac:spMkLst>
         </pc:spChg>
       </pc:sldChg>
-      <pc:sldChg chg="modSp new mod">
-        <pc:chgData name="sarahmclain0602@gmail.com" userId="7cf5164fe9743f08" providerId="LiveId" clId="{FBF9C06B-26AA-4951-A5F4-2555FA9D945C}" dt="2023-07-17T18:35:39.136" v="1588"/>
+      <pc:sldChg chg="modSp new del mod">
+        <pc:chgData name="sarahmclain0602@gmail.com" userId="7cf5164fe9743f08" providerId="LiveId" clId="{FBF9C06B-26AA-4951-A5F4-2555FA9D945C}" dt="2023-07-18T01:36:31.032" v="2525" actId="47"/>
         <pc:sldMkLst>
           <pc:docMk/>
           <pc:sldMk cId="3893432848" sldId="260"/>
         </pc:sldMkLst>
         <pc:spChg chg="mod">
-          <ac:chgData name="sarahmclain0602@gmail.com" userId="7cf5164fe9743f08" providerId="LiveId" clId="{FBF9C06B-26AA-4951-A5F4-2555FA9D945C}" dt="2023-07-17T18:35:39.136" v="1588"/>
+          <ac:chgData name="sarahmclain0602@gmail.com" userId="7cf5164fe9743f08" providerId="LiveId" clId="{FBF9C06B-26AA-4951-A5F4-2555FA9D945C}" dt="2023-07-18T00:22:16.856" v="2109" actId="20577"/>
           <ac:spMkLst>
             <pc:docMk/>
             <pc:sldMk cId="3893432848" sldId="260"/>
@@ -313,7 +312,7 @@
           </ac:spMkLst>
         </pc:spChg>
         <pc:spChg chg="mod">
-          <ac:chgData name="sarahmclain0602@gmail.com" userId="7cf5164fe9743f08" providerId="LiveId" clId="{FBF9C06B-26AA-4951-A5F4-2555FA9D945C}" dt="2023-07-17T18:35:39.136" v="1588"/>
+          <ac:chgData name="sarahmclain0602@gmail.com" userId="7cf5164fe9743f08" providerId="LiveId" clId="{FBF9C06B-26AA-4951-A5F4-2555FA9D945C}" dt="2023-07-18T00:28:00.197" v="2419" actId="20577"/>
           <ac:spMkLst>
             <pc:docMk/>
             <pc:sldMk cId="3893432848" sldId="260"/>
@@ -7065,36 +7064,36 @@
           </a:bodyPr>
           <a:lstStyle/>
           <a:p>
-            <a:pPr marL="457200" lvl="1" indent="0">
+            <a:pPr marL="914400" lvl="1" indent="-457200">
               <a:buClr>
                 <a:srgbClr val="F4F74A"/>
               </a:buClr>
-              <a:buNone/>
             </a:pPr>
             <a:r>
               <a:rPr lang="en-US" sz="2800" dirty="0"/>
-              <a:t>The district of Calderdale would like to add a page to their website where users can access interactive crash data from previous years as part of their Safe Driving Initiative. </a:t>
-            </a:r>
-          </a:p>
-          <a:p>
-            <a:pPr marL="457200" lvl="1" indent="0">
+              <a:t>The district of Calderdale would like to add a page to their website as part of their Safe Driving Initiative. </a:t>
+            </a:r>
+          </a:p>
+          <a:p>
+            <a:pPr marL="914400" lvl="1" indent="-457200">
               <a:buClr>
                 <a:srgbClr val="F4F74A"/>
               </a:buClr>
-              <a:buNone/>
             </a:pPr>
-            <a:endParaRPr lang="en-US" sz="2800" dirty="0"/>
-          </a:p>
-          <a:p>
-            <a:pPr marL="457200" lvl="1" indent="0">
+            <a:r>
+              <a:rPr lang="en-US" sz="2800" dirty="0"/>
+              <a:t>They would like the users to be able to interact with and access accident data from previous years.</a:t>
+            </a:r>
+          </a:p>
+          <a:p>
+            <a:pPr marL="914400" lvl="1" indent="-457200">
               <a:buClr>
                 <a:srgbClr val="F4F74A"/>
               </a:buClr>
-              <a:buNone/>
             </a:pPr>
             <a:r>
               <a:rPr lang="en-US" sz="2800" dirty="0"/>
-              <a:t>The goal of this website page is for users to be able to see when, where, and under what conditions previous accidents have taken place</a:t>
+              <a:t>Users should be able to see when, where, and under what conditions previous accidents have taken place.</a:t>
             </a:r>
           </a:p>
           <a:p>
@@ -7362,7 +7361,7 @@
             </a:r>
             <a:r>
               <a:rPr lang="en-US" dirty="0"/>
-              <a:t> Bootcamp Module 14, 15</a:t>
+              <a:t> Bootcamp Module 10, 14, 15</a:t>
             </a:r>
           </a:p>
         </p:txBody>
@@ -7448,7 +7447,9 @@
           </a:xfrm>
         </p:spPr>
         <p:txBody>
-          <a:bodyPr/>
+          <a:bodyPr>
+            <a:normAutofit/>
+          </a:bodyPr>
           <a:lstStyle/>
           <a:p>
             <a:pPr marL="0" indent="0">
@@ -7461,7 +7462,7 @@
           </a:p>
           <a:p>
             <a:r>
-              <a:rPr lang="en-US" sz="2400" dirty="0"/>
+              <a:rPr lang="en-US" sz="2200" dirty="0"/>
               <a:t>	A user interactive dashboard displaying accident information:</a:t>
             </a:r>
           </a:p>
@@ -7470,8 +7471,12 @@
               <a:buNone/>
             </a:pPr>
             <a:r>
-              <a:rPr lang="en-US" sz="2400" dirty="0"/>
-              <a:t>		- Drop down menu to change data year</a:t>
+              <a:rPr lang="en-US" sz="2200" dirty="0"/>
+              <a:t>		- </a:t>
+            </a:r>
+            <a:r>
+              <a:rPr lang="en-US" dirty="0"/>
+              <a:t>Drop down menu to change data year</a:t>
             </a:r>
           </a:p>
           <a:p>
@@ -7479,33 +7484,33 @@
               <a:buNone/>
             </a:pPr>
             <a:r>
-              <a:rPr lang="en-US" sz="2400" dirty="0"/>
+              <a:rPr lang="en-US" dirty="0"/>
               <a:t>		- Bar and Pie charts displaying different accident conditions </a:t>
             </a:r>
           </a:p>
           <a:p>
             <a:r>
-              <a:rPr lang="en-US" sz="2400" dirty="0"/>
+              <a:rPr lang="en-US" sz="2200" dirty="0"/>
               <a:t>JavaScript leaflet map where accident data is displayed in removable layers by the year.</a:t>
             </a:r>
           </a:p>
           <a:p>
             <a:r>
-              <a:rPr lang="en-US" sz="2400" dirty="0"/>
+              <a:rPr lang="en-US" sz="2200" dirty="0"/>
               <a:t>Flask powered API, HTML, CSS, JS, and a Database for the data.</a:t>
             </a:r>
           </a:p>
           <a:p>
             <a:r>
-              <a:rPr lang="en-US" dirty="0"/>
+              <a:rPr lang="en-US" sz="2200" dirty="0"/>
               <a:t>Python </a:t>
             </a:r>
             <a:r>
-              <a:rPr lang="en-US" dirty="0" err="1"/>
+              <a:rPr lang="en-US" sz="2200" dirty="0" err="1"/>
               <a:t>Jupyter</a:t>
             </a:r>
             <a:r>
-              <a:rPr lang="en-US" dirty="0"/>
+              <a:rPr lang="en-US" sz="2200" dirty="0"/>
               <a:t> notebook with cleaned data and statistical information on accident data.</a:t>
             </a:r>
           </a:p>
@@ -7536,13 +7541,13 @@
   <p:clrMapOvr>
     <a:masterClrMapping/>
   </p:clrMapOvr>
-  <mc:AlternateContent xmlns:mc="http://schemas.openxmlformats.org/markup-compatibility/2006">
-    <mc:Choice xmlns:p14="http://schemas.microsoft.com/office/powerpoint/2010/main" Requires="p14">
+  <mc:AlternateContent xmlns:mc="http://schemas.openxmlformats.org/markup-compatibility/2006" xmlns:p14="http://schemas.microsoft.com/office/powerpoint/2010/main">
+    <mc:Choice Requires="p14">
       <p:transition p14:dur="100">
         <p:cut/>
       </p:transition>
     </mc:Choice>
-    <mc:Fallback>
+    <mc:Fallback xmlns="">
       <p:transition>
         <p:cut/>
       </p:transition>
@@ -7625,95 +7630,6 @@
     <p:extLst>
       <p:ext uri="{BB962C8B-B14F-4D97-AF65-F5344CB8AC3E}">
         <p14:creationId xmlns:p14="http://schemas.microsoft.com/office/powerpoint/2010/main" val="373847250"/>
-      </p:ext>
-    </p:extLst>
-  </p:cSld>
-  <p:clrMapOvr>
-    <a:masterClrMapping/>
-  </p:clrMapOvr>
-</p:sld>
-</file>
-
-<file path=ppt/slides/slide6.xml><?xml version="1.0" encoding="utf-8"?>
-<p:sld xmlns:a="http://schemas.openxmlformats.org/drawingml/2006/main" xmlns:r="http://schemas.openxmlformats.org/officeDocument/2006/relationships" xmlns:p="http://schemas.openxmlformats.org/presentationml/2006/main">
-  <p:cSld>
-    <p:spTree>
-      <p:nvGrpSpPr>
-        <p:cNvPr id="1" name=""/>
-        <p:cNvGrpSpPr/>
-        <p:nvPr/>
-      </p:nvGrpSpPr>
-      <p:grpSpPr>
-        <a:xfrm>
-          <a:off x="0" y="0"/>
-          <a:ext cx="0" cy="0"/>
-          <a:chOff x="0" y="0"/>
-          <a:chExt cx="0" cy="0"/>
-        </a:xfrm>
-      </p:grpSpPr>
-      <p:sp>
-        <p:nvSpPr>
-          <p:cNvPr id="2" name="Title 1">
-            <a:extLst>
-              <a:ext uri="{FF2B5EF4-FFF2-40B4-BE49-F238E27FC236}">
-                <a16:creationId xmlns:a16="http://schemas.microsoft.com/office/drawing/2014/main" id="{C09DB55B-2DA4-7AB5-7C69-33D3E8530AB9}"/>
-              </a:ext>
-            </a:extLst>
-          </p:cNvPr>
-          <p:cNvSpPr>
-            <a:spLocks noGrp="1"/>
-          </p:cNvSpPr>
-          <p:nvPr>
-            <p:ph type="title"/>
-          </p:nvPr>
-        </p:nvSpPr>
-        <p:spPr/>
-        <p:txBody>
-          <a:bodyPr/>
-          <a:lstStyle/>
-          <a:p>
-            <a:r>
-              <a:rPr lang="en-US" dirty="0"/>
-              <a:t>Coming Soon:</a:t>
-            </a:r>
-          </a:p>
-        </p:txBody>
-      </p:sp>
-      <p:sp>
-        <p:nvSpPr>
-          <p:cNvPr id="3" name="Content Placeholder 2">
-            <a:extLst>
-              <a:ext uri="{FF2B5EF4-FFF2-40B4-BE49-F238E27FC236}">
-                <a16:creationId xmlns:a16="http://schemas.microsoft.com/office/drawing/2014/main" id="{B68A82BA-3F1C-1132-1ED0-D0CA81864B5E}"/>
-              </a:ext>
-            </a:extLst>
-          </p:cNvPr>
-          <p:cNvSpPr>
-            <a:spLocks noGrp="1"/>
-          </p:cNvSpPr>
-          <p:nvPr>
-            <p:ph idx="1"/>
-          </p:nvPr>
-        </p:nvSpPr>
-        <p:spPr/>
-        <p:txBody>
-          <a:bodyPr/>
-          <a:lstStyle/>
-          <a:p>
-            <a:r>
-              <a:rPr lang="en-US" dirty="0"/>
-              <a:t>Research Questions &amp; conclusions:</a:t>
-            </a:r>
-          </a:p>
-          <a:p>
-            <a:endParaRPr lang="en-US" dirty="0"/>
-          </a:p>
-        </p:txBody>
-      </p:sp>
-    </p:spTree>
-    <p:extLst>
-      <p:ext uri="{BB962C8B-B14F-4D97-AF65-F5344CB8AC3E}">
-        <p14:creationId xmlns:p14="http://schemas.microsoft.com/office/powerpoint/2010/main" val="3893432848"/>
       </p:ext>
     </p:extLst>
   </p:cSld>
